--- a/esonero/presentazioneElio.pptx
+++ b/esonero/presentazioneElio.pptx
@@ -3,12 +3,24 @@
 <p:presentation xmlns:a="http://schemas.openxmlformats.org/drawingml/2006/main" xmlns:p="http://schemas.openxmlformats.org/presentationml/2006/main" xmlns:r="http://schemas.openxmlformats.org/officeDocument/2006/relationships" xmlns:p14="http://schemas.microsoft.com/office/powerpoint/2010/main" xmlns:p15="http://schemas.microsoft.com/office/powerpoint/2012/main" xmlns:mc="http://schemas.openxmlformats.org/markup-compatibility/2006">
   <p:sldMasterIdLst>
     <p:sldMasterId id="2147483648" r:id="rId2"/>
+    <p:sldMasterId id="2147483661" r:id="rId3"/>
   </p:sldMasterIdLst>
   <p:sldIdLst>
-    <p:sldId id="256" r:id="rId3"/>
-    <p:sldId id="257" r:id="rId4"/>
-    <p:sldId id="258" r:id="rId5"/>
-    <p:sldId id="259" r:id="rId6"/>
+    <p:sldId id="256" r:id="rId4"/>
+    <p:sldId id="257" r:id="rId5"/>
+    <p:sldId id="258" r:id="rId6"/>
+    <p:sldId id="259" r:id="rId7"/>
+    <p:sldId id="260" r:id="rId8"/>
+    <p:sldId id="261" r:id="rId9"/>
+    <p:sldId id="262" r:id="rId10"/>
+    <p:sldId id="263" r:id="rId11"/>
+    <p:sldId id="264" r:id="rId12"/>
+    <p:sldId id="265" r:id="rId13"/>
+    <p:sldId id="266" r:id="rId14"/>
+    <p:sldId id="267" r:id="rId15"/>
+    <p:sldId id="268" r:id="rId16"/>
+    <p:sldId id="269" r:id="rId17"/>
+    <p:sldId id="270" r:id="rId18"/>
   </p:sldIdLst>
   <p:sldSz cx="10080625" cy="7559675"/>
   <p:notesSz cx="7559675" cy="10691812"/>
@@ -66,8 +78,8 @@
         </p:nvSpPr>
         <p:spPr>
           <a:xfrm>
-            <a:off x="720000" y="589320"/>
-            <a:ext cx="8639640" cy="1262160"/>
+            <a:off x="504000" y="301320"/>
+            <a:ext cx="9072000" cy="1261800"/>
           </a:xfrm>
           <a:prstGeom prst="rect">
             <a:avLst/>
@@ -97,8 +109,8 @@
         </p:nvSpPr>
         <p:spPr>
           <a:xfrm>
-            <a:off x="900000" y="2052000"/>
-            <a:ext cx="8279640" cy="2091240"/>
+            <a:off x="504000" y="1768680"/>
+            <a:ext cx="9072000" cy="2090880"/>
           </a:xfrm>
           <a:prstGeom prst="rect">
             <a:avLst/>
@@ -127,8 +139,8 @@
         </p:nvSpPr>
         <p:spPr>
           <a:xfrm>
-            <a:off x="900000" y="4342320"/>
-            <a:ext cx="8279640" cy="2091240"/>
+            <a:off x="504000" y="4058640"/>
+            <a:ext cx="9072000" cy="2090880"/>
           </a:xfrm>
           <a:prstGeom prst="rect">
             <a:avLst/>
@@ -179,8 +191,8 @@
         </p:nvSpPr>
         <p:spPr>
           <a:xfrm>
-            <a:off x="720000" y="589320"/>
-            <a:ext cx="8639640" cy="1262160"/>
+            <a:off x="504000" y="301320"/>
+            <a:ext cx="9072000" cy="1261800"/>
           </a:xfrm>
           <a:prstGeom prst="rect">
             <a:avLst/>
@@ -210,8 +222,8 @@
         </p:nvSpPr>
         <p:spPr>
           <a:xfrm>
-            <a:off x="900000" y="2052000"/>
-            <a:ext cx="4040280" cy="2091240"/>
+            <a:off x="504000" y="1768680"/>
+            <a:ext cx="4426920" cy="2090880"/>
           </a:xfrm>
           <a:prstGeom prst="rect">
             <a:avLst/>
@@ -240,8 +252,8 @@
         </p:nvSpPr>
         <p:spPr>
           <a:xfrm>
-            <a:off x="5142600" y="2052000"/>
-            <a:ext cx="4040280" cy="2091240"/>
+            <a:off x="5152680" y="1768680"/>
+            <a:ext cx="4426920" cy="2090880"/>
           </a:xfrm>
           <a:prstGeom prst="rect">
             <a:avLst/>
@@ -270,8 +282,8 @@
         </p:nvSpPr>
         <p:spPr>
           <a:xfrm>
-            <a:off x="900000" y="4342320"/>
-            <a:ext cx="4040280" cy="2091240"/>
+            <a:off x="504000" y="4058640"/>
+            <a:ext cx="4426920" cy="2090880"/>
           </a:xfrm>
           <a:prstGeom prst="rect">
             <a:avLst/>
@@ -300,8 +312,8 @@
         </p:nvSpPr>
         <p:spPr>
           <a:xfrm>
-            <a:off x="5142600" y="4342320"/>
-            <a:ext cx="4040280" cy="2091240"/>
+            <a:off x="5152680" y="4058640"/>
+            <a:ext cx="4426920" cy="2090880"/>
           </a:xfrm>
           <a:prstGeom prst="rect">
             <a:avLst/>
@@ -352,8 +364,8 @@
         </p:nvSpPr>
         <p:spPr>
           <a:xfrm>
-            <a:off x="720000" y="589320"/>
-            <a:ext cx="8639640" cy="1262160"/>
+            <a:off x="504000" y="301320"/>
+            <a:ext cx="9072000" cy="1261800"/>
           </a:xfrm>
           <a:prstGeom prst="rect">
             <a:avLst/>
@@ -383,8 +395,8 @@
         </p:nvSpPr>
         <p:spPr>
           <a:xfrm>
-            <a:off x="900000" y="2052000"/>
-            <a:ext cx="2665800" cy="2091240"/>
+            <a:off x="504000" y="1768680"/>
+            <a:ext cx="2921040" cy="2090880"/>
           </a:xfrm>
           <a:prstGeom prst="rect">
             <a:avLst/>
@@ -413,8 +425,8 @@
         </p:nvSpPr>
         <p:spPr>
           <a:xfrm>
-            <a:off x="3699360" y="2052000"/>
-            <a:ext cx="2665800" cy="2091240"/>
+            <a:off x="3571560" y="1768680"/>
+            <a:ext cx="2921040" cy="2090880"/>
           </a:xfrm>
           <a:prstGeom prst="rect">
             <a:avLst/>
@@ -443,8 +455,8 @@
         </p:nvSpPr>
         <p:spPr>
           <a:xfrm>
-            <a:off x="6499080" y="2052000"/>
-            <a:ext cx="2665800" cy="2091240"/>
+            <a:off x="6639120" y="1768680"/>
+            <a:ext cx="2921040" cy="2090880"/>
           </a:xfrm>
           <a:prstGeom prst="rect">
             <a:avLst/>
@@ -473,8 +485,8 @@
         </p:nvSpPr>
         <p:spPr>
           <a:xfrm>
-            <a:off x="900000" y="4342320"/>
-            <a:ext cx="2665800" cy="2091240"/>
+            <a:off x="504000" y="4058640"/>
+            <a:ext cx="2921040" cy="2090880"/>
           </a:xfrm>
           <a:prstGeom prst="rect">
             <a:avLst/>
@@ -503,8 +515,8 @@
         </p:nvSpPr>
         <p:spPr>
           <a:xfrm>
-            <a:off x="3699360" y="4342320"/>
-            <a:ext cx="2665800" cy="2091240"/>
+            <a:off x="3571560" y="4058640"/>
+            <a:ext cx="2921040" cy="2090880"/>
           </a:xfrm>
           <a:prstGeom prst="rect">
             <a:avLst/>
@@ -533,8 +545,559 @@
         </p:nvSpPr>
         <p:spPr>
           <a:xfrm>
-            <a:off x="6499080" y="4342320"/>
-            <a:ext cx="2665800" cy="2091240"/>
+            <a:off x="6639120" y="4058640"/>
+            <a:ext cx="2921040" cy="2090880"/>
+          </a:xfrm>
+          <a:prstGeom prst="rect">
+            <a:avLst/>
+          </a:prstGeom>
+        </p:spPr>
+        <p:txBody>
+          <a:bodyPr lIns="0" rIns="0" tIns="0" bIns="0">
+            <a:normAutofit/>
+          </a:bodyPr>
+          <a:p>
+            <a:endParaRPr b="0" lang="it-IT" sz="3200" spc="-1" strike="noStrike">
+              <a:latin typeface="Arial"/>
+            </a:endParaRPr>
+          </a:p>
+        </p:txBody>
+      </p:sp>
+    </p:spTree>
+  </p:cSld>
+</p:sldLayout>
+</file>
+
+<file path=ppt/slideLayouts/slideLayout13.xml><?xml version="1.0" encoding="utf-8"?>
+<p:sldLayout xmlns:a="http://schemas.openxmlformats.org/drawingml/2006/main" xmlns:p="http://schemas.openxmlformats.org/presentationml/2006/main" xmlns:r="http://schemas.openxmlformats.org/officeDocument/2006/relationships" xmlns:p14="http://schemas.microsoft.com/office/powerpoint/2010/main" xmlns:p15="http://schemas.microsoft.com/office/powerpoint/2012/main" xmlns:mc="http://schemas.openxmlformats.org/markup-compatibility/2006" type="blank" preserve="1">
+  <p:cSld name="Blank Slide">
+    <p:spTree>
+      <p:nvGrpSpPr>
+        <p:cNvPr id="1" name=""/>
+        <p:cNvGrpSpPr/>
+        <p:nvPr/>
+      </p:nvGrpSpPr>
+      <p:grpSpPr>
+        <a:xfrm>
+          <a:off x="0" y="0"/>
+          <a:ext cx="0" cy="0"/>
+          <a:chOff x="0" y="0"/>
+          <a:chExt cx="0" cy="0"/>
+        </a:xfrm>
+      </p:grpSpPr>
+    </p:spTree>
+  </p:cSld>
+</p:sldLayout>
+</file>
+
+<file path=ppt/slideLayouts/slideLayout14.xml><?xml version="1.0" encoding="utf-8"?>
+<p:sldLayout xmlns:a="http://schemas.openxmlformats.org/drawingml/2006/main" xmlns:p="http://schemas.openxmlformats.org/presentationml/2006/main" xmlns:r="http://schemas.openxmlformats.org/officeDocument/2006/relationships" xmlns:p14="http://schemas.microsoft.com/office/powerpoint/2010/main" xmlns:p15="http://schemas.microsoft.com/office/powerpoint/2012/main" xmlns:mc="http://schemas.openxmlformats.org/markup-compatibility/2006" type="tx" preserve="1">
+  <p:cSld name="Title Slide">
+    <p:spTree>
+      <p:nvGrpSpPr>
+        <p:cNvPr id="1" name=""/>
+        <p:cNvGrpSpPr/>
+        <p:nvPr/>
+      </p:nvGrpSpPr>
+      <p:grpSpPr>
+        <a:xfrm>
+          <a:off x="0" y="0"/>
+          <a:ext cx="0" cy="0"/>
+          <a:chOff x="0" y="0"/>
+          <a:chExt cx="0" cy="0"/>
+        </a:xfrm>
+      </p:grpSpPr>
+      <p:sp>
+        <p:nvSpPr>
+          <p:cNvPr id="40" name="PlaceHolder 1"/>
+          <p:cNvSpPr>
+            <a:spLocks noGrp="1"/>
+          </p:cNvSpPr>
+          <p:nvPr>
+            <p:ph type="title"/>
+          </p:nvPr>
+        </p:nvSpPr>
+        <p:spPr>
+          <a:xfrm>
+            <a:off x="504000" y="301320"/>
+            <a:ext cx="9072000" cy="1261800"/>
+          </a:xfrm>
+          <a:prstGeom prst="rect">
+            <a:avLst/>
+          </a:prstGeom>
+        </p:spPr>
+        <p:txBody>
+          <a:bodyPr lIns="0" rIns="0" tIns="0" bIns="0" anchor="ctr">
+            <a:spAutoFit/>
+          </a:bodyPr>
+          <a:p>
+            <a:pPr algn="ctr"/>
+            <a:endParaRPr b="0" lang="it-IT" sz="4400" spc="-1" strike="noStrike">
+              <a:latin typeface="Arial"/>
+            </a:endParaRPr>
+          </a:p>
+        </p:txBody>
+      </p:sp>
+      <p:sp>
+        <p:nvSpPr>
+          <p:cNvPr id="41" name="PlaceHolder 2"/>
+          <p:cNvSpPr>
+            <a:spLocks noGrp="1"/>
+          </p:cNvSpPr>
+          <p:nvPr>
+            <p:ph type="subTitle"/>
+          </p:nvPr>
+        </p:nvSpPr>
+        <p:spPr>
+          <a:xfrm>
+            <a:off x="504000" y="1768680"/>
+            <a:ext cx="9072000" cy="4384080"/>
+          </a:xfrm>
+          <a:prstGeom prst="rect">
+            <a:avLst/>
+          </a:prstGeom>
+        </p:spPr>
+        <p:txBody>
+          <a:bodyPr lIns="0" rIns="0" tIns="0" bIns="0" anchor="ctr">
+            <a:spAutoFit/>
+          </a:bodyPr>
+          <a:p>
+            <a:pPr algn="ctr"/>
+            <a:endParaRPr b="0" lang="it-IT" sz="3200" spc="-1" strike="noStrike">
+              <a:latin typeface="Arial"/>
+            </a:endParaRPr>
+          </a:p>
+        </p:txBody>
+      </p:sp>
+    </p:spTree>
+  </p:cSld>
+</p:sldLayout>
+</file>
+
+<file path=ppt/slideLayouts/slideLayout15.xml><?xml version="1.0" encoding="utf-8"?>
+<p:sldLayout xmlns:a="http://schemas.openxmlformats.org/drawingml/2006/main" xmlns:p="http://schemas.openxmlformats.org/presentationml/2006/main" xmlns:r="http://schemas.openxmlformats.org/officeDocument/2006/relationships" xmlns:p14="http://schemas.microsoft.com/office/powerpoint/2010/main" xmlns:p15="http://schemas.microsoft.com/office/powerpoint/2012/main" xmlns:mc="http://schemas.openxmlformats.org/markup-compatibility/2006" type="obj" preserve="1">
+  <p:cSld name="Title, Content">
+    <p:spTree>
+      <p:nvGrpSpPr>
+        <p:cNvPr id="1" name=""/>
+        <p:cNvGrpSpPr/>
+        <p:nvPr/>
+      </p:nvGrpSpPr>
+      <p:grpSpPr>
+        <a:xfrm>
+          <a:off x="0" y="0"/>
+          <a:ext cx="0" cy="0"/>
+          <a:chOff x="0" y="0"/>
+          <a:chExt cx="0" cy="0"/>
+        </a:xfrm>
+      </p:grpSpPr>
+      <p:sp>
+        <p:nvSpPr>
+          <p:cNvPr id="42" name="PlaceHolder 1"/>
+          <p:cNvSpPr>
+            <a:spLocks noGrp="1"/>
+          </p:cNvSpPr>
+          <p:nvPr>
+            <p:ph type="title"/>
+          </p:nvPr>
+        </p:nvSpPr>
+        <p:spPr>
+          <a:xfrm>
+            <a:off x="504000" y="301320"/>
+            <a:ext cx="9072000" cy="1261800"/>
+          </a:xfrm>
+          <a:prstGeom prst="rect">
+            <a:avLst/>
+          </a:prstGeom>
+        </p:spPr>
+        <p:txBody>
+          <a:bodyPr lIns="0" rIns="0" tIns="0" bIns="0" anchor="ctr">
+            <a:spAutoFit/>
+          </a:bodyPr>
+          <a:p>
+            <a:pPr algn="ctr"/>
+            <a:endParaRPr b="0" lang="it-IT" sz="4400" spc="-1" strike="noStrike">
+              <a:latin typeface="Arial"/>
+            </a:endParaRPr>
+          </a:p>
+        </p:txBody>
+      </p:sp>
+      <p:sp>
+        <p:nvSpPr>
+          <p:cNvPr id="43" name="PlaceHolder 2"/>
+          <p:cNvSpPr>
+            <a:spLocks noGrp="1"/>
+          </p:cNvSpPr>
+          <p:nvPr>
+            <p:ph type="body"/>
+          </p:nvPr>
+        </p:nvSpPr>
+        <p:spPr>
+          <a:xfrm>
+            <a:off x="504000" y="1768680"/>
+            <a:ext cx="9072000" cy="4384080"/>
+          </a:xfrm>
+          <a:prstGeom prst="rect">
+            <a:avLst/>
+          </a:prstGeom>
+        </p:spPr>
+        <p:txBody>
+          <a:bodyPr lIns="0" rIns="0" tIns="0" bIns="0">
+            <a:normAutofit/>
+          </a:bodyPr>
+          <a:p>
+            <a:endParaRPr b="0" lang="it-IT" sz="3200" spc="-1" strike="noStrike">
+              <a:latin typeface="Arial"/>
+            </a:endParaRPr>
+          </a:p>
+        </p:txBody>
+      </p:sp>
+    </p:spTree>
+  </p:cSld>
+</p:sldLayout>
+</file>
+
+<file path=ppt/slideLayouts/slideLayout16.xml><?xml version="1.0" encoding="utf-8"?>
+<p:sldLayout xmlns:a="http://schemas.openxmlformats.org/drawingml/2006/main" xmlns:p="http://schemas.openxmlformats.org/presentationml/2006/main" xmlns:r="http://schemas.openxmlformats.org/officeDocument/2006/relationships" xmlns:p14="http://schemas.microsoft.com/office/powerpoint/2010/main" xmlns:p15="http://schemas.microsoft.com/office/powerpoint/2012/main" xmlns:mc="http://schemas.openxmlformats.org/markup-compatibility/2006" type="twoObj" preserve="1">
+  <p:cSld name="Title, 2 Content">
+    <p:spTree>
+      <p:nvGrpSpPr>
+        <p:cNvPr id="1" name=""/>
+        <p:cNvGrpSpPr/>
+        <p:nvPr/>
+      </p:nvGrpSpPr>
+      <p:grpSpPr>
+        <a:xfrm>
+          <a:off x="0" y="0"/>
+          <a:ext cx="0" cy="0"/>
+          <a:chOff x="0" y="0"/>
+          <a:chExt cx="0" cy="0"/>
+        </a:xfrm>
+      </p:grpSpPr>
+      <p:sp>
+        <p:nvSpPr>
+          <p:cNvPr id="44" name="PlaceHolder 1"/>
+          <p:cNvSpPr>
+            <a:spLocks noGrp="1"/>
+          </p:cNvSpPr>
+          <p:nvPr>
+            <p:ph type="title"/>
+          </p:nvPr>
+        </p:nvSpPr>
+        <p:spPr>
+          <a:xfrm>
+            <a:off x="504000" y="301320"/>
+            <a:ext cx="9072000" cy="1261800"/>
+          </a:xfrm>
+          <a:prstGeom prst="rect">
+            <a:avLst/>
+          </a:prstGeom>
+        </p:spPr>
+        <p:txBody>
+          <a:bodyPr lIns="0" rIns="0" tIns="0" bIns="0" anchor="ctr">
+            <a:spAutoFit/>
+          </a:bodyPr>
+          <a:p>
+            <a:pPr algn="ctr"/>
+            <a:endParaRPr b="0" lang="it-IT" sz="4400" spc="-1" strike="noStrike">
+              <a:latin typeface="Arial"/>
+            </a:endParaRPr>
+          </a:p>
+        </p:txBody>
+      </p:sp>
+      <p:sp>
+        <p:nvSpPr>
+          <p:cNvPr id="45" name="PlaceHolder 2"/>
+          <p:cNvSpPr>
+            <a:spLocks noGrp="1"/>
+          </p:cNvSpPr>
+          <p:nvPr>
+            <p:ph type="body"/>
+          </p:nvPr>
+        </p:nvSpPr>
+        <p:spPr>
+          <a:xfrm>
+            <a:off x="504000" y="1768680"/>
+            <a:ext cx="4426920" cy="4384080"/>
+          </a:xfrm>
+          <a:prstGeom prst="rect">
+            <a:avLst/>
+          </a:prstGeom>
+        </p:spPr>
+        <p:txBody>
+          <a:bodyPr lIns="0" rIns="0" tIns="0" bIns="0">
+            <a:normAutofit/>
+          </a:bodyPr>
+          <a:p>
+            <a:endParaRPr b="0" lang="it-IT" sz="3200" spc="-1" strike="noStrike">
+              <a:latin typeface="Arial"/>
+            </a:endParaRPr>
+          </a:p>
+        </p:txBody>
+      </p:sp>
+      <p:sp>
+        <p:nvSpPr>
+          <p:cNvPr id="46" name="PlaceHolder 3"/>
+          <p:cNvSpPr>
+            <a:spLocks noGrp="1"/>
+          </p:cNvSpPr>
+          <p:nvPr>
+            <p:ph type="body"/>
+          </p:nvPr>
+        </p:nvSpPr>
+        <p:spPr>
+          <a:xfrm>
+            <a:off x="5152680" y="1768680"/>
+            <a:ext cx="4426920" cy="4384080"/>
+          </a:xfrm>
+          <a:prstGeom prst="rect">
+            <a:avLst/>
+          </a:prstGeom>
+        </p:spPr>
+        <p:txBody>
+          <a:bodyPr lIns="0" rIns="0" tIns="0" bIns="0">
+            <a:normAutofit/>
+          </a:bodyPr>
+          <a:p>
+            <a:endParaRPr b="0" lang="it-IT" sz="3200" spc="-1" strike="noStrike">
+              <a:latin typeface="Arial"/>
+            </a:endParaRPr>
+          </a:p>
+        </p:txBody>
+      </p:sp>
+    </p:spTree>
+  </p:cSld>
+</p:sldLayout>
+</file>
+
+<file path=ppt/slideLayouts/slideLayout17.xml><?xml version="1.0" encoding="utf-8"?>
+<p:sldLayout xmlns:a="http://schemas.openxmlformats.org/drawingml/2006/main" xmlns:p="http://schemas.openxmlformats.org/presentationml/2006/main" xmlns:r="http://schemas.openxmlformats.org/officeDocument/2006/relationships" xmlns:p14="http://schemas.microsoft.com/office/powerpoint/2010/main" xmlns:p15="http://schemas.microsoft.com/office/powerpoint/2012/main" xmlns:mc="http://schemas.openxmlformats.org/markup-compatibility/2006" type="titleOnly" preserve="1">
+  <p:cSld name="Title Only">
+    <p:spTree>
+      <p:nvGrpSpPr>
+        <p:cNvPr id="1" name=""/>
+        <p:cNvGrpSpPr/>
+        <p:nvPr/>
+      </p:nvGrpSpPr>
+      <p:grpSpPr>
+        <a:xfrm>
+          <a:off x="0" y="0"/>
+          <a:ext cx="0" cy="0"/>
+          <a:chOff x="0" y="0"/>
+          <a:chExt cx="0" cy="0"/>
+        </a:xfrm>
+      </p:grpSpPr>
+      <p:sp>
+        <p:nvSpPr>
+          <p:cNvPr id="47" name="PlaceHolder 1"/>
+          <p:cNvSpPr>
+            <a:spLocks noGrp="1"/>
+          </p:cNvSpPr>
+          <p:nvPr>
+            <p:ph type="title"/>
+          </p:nvPr>
+        </p:nvSpPr>
+        <p:spPr>
+          <a:xfrm>
+            <a:off x="504000" y="301320"/>
+            <a:ext cx="9072000" cy="1261800"/>
+          </a:xfrm>
+          <a:prstGeom prst="rect">
+            <a:avLst/>
+          </a:prstGeom>
+        </p:spPr>
+        <p:txBody>
+          <a:bodyPr lIns="0" rIns="0" tIns="0" bIns="0" anchor="ctr">
+            <a:spAutoFit/>
+          </a:bodyPr>
+          <a:p>
+            <a:pPr algn="ctr"/>
+            <a:endParaRPr b="0" lang="it-IT" sz="4400" spc="-1" strike="noStrike">
+              <a:latin typeface="Arial"/>
+            </a:endParaRPr>
+          </a:p>
+        </p:txBody>
+      </p:sp>
+    </p:spTree>
+  </p:cSld>
+</p:sldLayout>
+</file>
+
+<file path=ppt/slideLayouts/slideLayout18.xml><?xml version="1.0" encoding="utf-8"?>
+<p:sldLayout xmlns:a="http://schemas.openxmlformats.org/drawingml/2006/main" xmlns:p="http://schemas.openxmlformats.org/presentationml/2006/main" xmlns:r="http://schemas.openxmlformats.org/officeDocument/2006/relationships" xmlns:p14="http://schemas.microsoft.com/office/powerpoint/2010/main" xmlns:p15="http://schemas.microsoft.com/office/powerpoint/2012/main" xmlns:mc="http://schemas.openxmlformats.org/markup-compatibility/2006" type="objOnly" preserve="1">
+  <p:cSld name="Centered Text">
+    <p:spTree>
+      <p:nvGrpSpPr>
+        <p:cNvPr id="1" name=""/>
+        <p:cNvGrpSpPr/>
+        <p:nvPr/>
+      </p:nvGrpSpPr>
+      <p:grpSpPr>
+        <a:xfrm>
+          <a:off x="0" y="0"/>
+          <a:ext cx="0" cy="0"/>
+          <a:chOff x="0" y="0"/>
+          <a:chExt cx="0" cy="0"/>
+        </a:xfrm>
+      </p:grpSpPr>
+      <p:sp>
+        <p:nvSpPr>
+          <p:cNvPr id="48" name="PlaceHolder 1"/>
+          <p:cNvSpPr>
+            <a:spLocks noGrp="1"/>
+          </p:cNvSpPr>
+          <p:nvPr>
+            <p:ph type="subTitle"/>
+          </p:nvPr>
+        </p:nvSpPr>
+        <p:spPr>
+          <a:xfrm>
+            <a:off x="504000" y="301320"/>
+            <a:ext cx="9072000" cy="5850360"/>
+          </a:xfrm>
+          <a:prstGeom prst="rect">
+            <a:avLst/>
+          </a:prstGeom>
+        </p:spPr>
+        <p:txBody>
+          <a:bodyPr lIns="0" rIns="0" tIns="0" bIns="0" anchor="ctr">
+            <a:spAutoFit/>
+          </a:bodyPr>
+          <a:p>
+            <a:pPr algn="ctr"/>
+            <a:endParaRPr b="0" lang="it-IT" sz="3200" spc="-1" strike="noStrike">
+              <a:latin typeface="Arial"/>
+            </a:endParaRPr>
+          </a:p>
+        </p:txBody>
+      </p:sp>
+    </p:spTree>
+  </p:cSld>
+</p:sldLayout>
+</file>
+
+<file path=ppt/slideLayouts/slideLayout19.xml><?xml version="1.0" encoding="utf-8"?>
+<p:sldLayout xmlns:a="http://schemas.openxmlformats.org/drawingml/2006/main" xmlns:p="http://schemas.openxmlformats.org/presentationml/2006/main" xmlns:r="http://schemas.openxmlformats.org/officeDocument/2006/relationships" xmlns:p14="http://schemas.microsoft.com/office/powerpoint/2010/main" xmlns:p15="http://schemas.microsoft.com/office/powerpoint/2012/main" xmlns:mc="http://schemas.openxmlformats.org/markup-compatibility/2006" type="twoObjAndObj" preserve="1">
+  <p:cSld name="Title, 2 Content and Content">
+    <p:spTree>
+      <p:nvGrpSpPr>
+        <p:cNvPr id="1" name=""/>
+        <p:cNvGrpSpPr/>
+        <p:nvPr/>
+      </p:nvGrpSpPr>
+      <p:grpSpPr>
+        <a:xfrm>
+          <a:off x="0" y="0"/>
+          <a:ext cx="0" cy="0"/>
+          <a:chOff x="0" y="0"/>
+          <a:chExt cx="0" cy="0"/>
+        </a:xfrm>
+      </p:grpSpPr>
+      <p:sp>
+        <p:nvSpPr>
+          <p:cNvPr id="49" name="PlaceHolder 1"/>
+          <p:cNvSpPr>
+            <a:spLocks noGrp="1"/>
+          </p:cNvSpPr>
+          <p:nvPr>
+            <p:ph type="title"/>
+          </p:nvPr>
+        </p:nvSpPr>
+        <p:spPr>
+          <a:xfrm>
+            <a:off x="504000" y="301320"/>
+            <a:ext cx="9072000" cy="1261800"/>
+          </a:xfrm>
+          <a:prstGeom prst="rect">
+            <a:avLst/>
+          </a:prstGeom>
+        </p:spPr>
+        <p:txBody>
+          <a:bodyPr lIns="0" rIns="0" tIns="0" bIns="0" anchor="ctr">
+            <a:spAutoFit/>
+          </a:bodyPr>
+          <a:p>
+            <a:pPr algn="ctr"/>
+            <a:endParaRPr b="0" lang="it-IT" sz="4400" spc="-1" strike="noStrike">
+              <a:latin typeface="Arial"/>
+            </a:endParaRPr>
+          </a:p>
+        </p:txBody>
+      </p:sp>
+      <p:sp>
+        <p:nvSpPr>
+          <p:cNvPr id="50" name="PlaceHolder 2"/>
+          <p:cNvSpPr>
+            <a:spLocks noGrp="1"/>
+          </p:cNvSpPr>
+          <p:nvPr>
+            <p:ph type="body"/>
+          </p:nvPr>
+        </p:nvSpPr>
+        <p:spPr>
+          <a:xfrm>
+            <a:off x="504000" y="1768680"/>
+            <a:ext cx="4426920" cy="2090880"/>
+          </a:xfrm>
+          <a:prstGeom prst="rect">
+            <a:avLst/>
+          </a:prstGeom>
+        </p:spPr>
+        <p:txBody>
+          <a:bodyPr lIns="0" rIns="0" tIns="0" bIns="0">
+            <a:normAutofit/>
+          </a:bodyPr>
+          <a:p>
+            <a:endParaRPr b="0" lang="it-IT" sz="3200" spc="-1" strike="noStrike">
+              <a:latin typeface="Arial"/>
+            </a:endParaRPr>
+          </a:p>
+        </p:txBody>
+      </p:sp>
+      <p:sp>
+        <p:nvSpPr>
+          <p:cNvPr id="51" name="PlaceHolder 3"/>
+          <p:cNvSpPr>
+            <a:spLocks noGrp="1"/>
+          </p:cNvSpPr>
+          <p:nvPr>
+            <p:ph type="body"/>
+          </p:nvPr>
+        </p:nvSpPr>
+        <p:spPr>
+          <a:xfrm>
+            <a:off x="5152680" y="1768680"/>
+            <a:ext cx="4426920" cy="4384080"/>
+          </a:xfrm>
+          <a:prstGeom prst="rect">
+            <a:avLst/>
+          </a:prstGeom>
+        </p:spPr>
+        <p:txBody>
+          <a:bodyPr lIns="0" rIns="0" tIns="0" bIns="0">
+            <a:normAutofit/>
+          </a:bodyPr>
+          <a:p>
+            <a:endParaRPr b="0" lang="it-IT" sz="3200" spc="-1" strike="noStrike">
+              <a:latin typeface="Arial"/>
+            </a:endParaRPr>
+          </a:p>
+        </p:txBody>
+      </p:sp>
+      <p:sp>
+        <p:nvSpPr>
+          <p:cNvPr id="52" name="PlaceHolder 4"/>
+          <p:cNvSpPr>
+            <a:spLocks noGrp="1"/>
+          </p:cNvSpPr>
+          <p:nvPr>
+            <p:ph type="body"/>
+          </p:nvPr>
+        </p:nvSpPr>
+        <p:spPr>
+          <a:xfrm>
+            <a:off x="504000" y="4058640"/>
+            <a:ext cx="4426920" cy="2090880"/>
           </a:xfrm>
           <a:prstGeom prst="rect">
             <a:avLst/>
@@ -585,8 +1148,8 @@
         </p:nvSpPr>
         <p:spPr>
           <a:xfrm>
-            <a:off x="720000" y="589320"/>
-            <a:ext cx="8639640" cy="1262160"/>
+            <a:off x="504000" y="301320"/>
+            <a:ext cx="9072000" cy="1261800"/>
           </a:xfrm>
           <a:prstGeom prst="rect">
             <a:avLst/>
@@ -616,8 +1179,8 @@
         </p:nvSpPr>
         <p:spPr>
           <a:xfrm>
-            <a:off x="900000" y="2052000"/>
-            <a:ext cx="8279640" cy="4384440"/>
+            <a:off x="504000" y="1768680"/>
+            <a:ext cx="9072000" cy="4384080"/>
           </a:xfrm>
           <a:prstGeom prst="rect">
             <a:avLst/>
@@ -629,6 +1192,811 @@
           </a:bodyPr>
           <a:p>
             <a:pPr algn="ctr"/>
+            <a:endParaRPr b="0" lang="it-IT" sz="3200" spc="-1" strike="noStrike">
+              <a:latin typeface="Arial"/>
+            </a:endParaRPr>
+          </a:p>
+        </p:txBody>
+      </p:sp>
+    </p:spTree>
+  </p:cSld>
+</p:sldLayout>
+</file>
+
+<file path=ppt/slideLayouts/slideLayout20.xml><?xml version="1.0" encoding="utf-8"?>
+<p:sldLayout xmlns:a="http://schemas.openxmlformats.org/drawingml/2006/main" xmlns:p="http://schemas.openxmlformats.org/presentationml/2006/main" xmlns:r="http://schemas.openxmlformats.org/officeDocument/2006/relationships" xmlns:p14="http://schemas.microsoft.com/office/powerpoint/2010/main" xmlns:p15="http://schemas.microsoft.com/office/powerpoint/2012/main" xmlns:mc="http://schemas.openxmlformats.org/markup-compatibility/2006" type="objAndTwoObj" preserve="1">
+  <p:cSld name="Title Content and 2 Content">
+    <p:spTree>
+      <p:nvGrpSpPr>
+        <p:cNvPr id="1" name=""/>
+        <p:cNvGrpSpPr/>
+        <p:nvPr/>
+      </p:nvGrpSpPr>
+      <p:grpSpPr>
+        <a:xfrm>
+          <a:off x="0" y="0"/>
+          <a:ext cx="0" cy="0"/>
+          <a:chOff x="0" y="0"/>
+          <a:chExt cx="0" cy="0"/>
+        </a:xfrm>
+      </p:grpSpPr>
+      <p:sp>
+        <p:nvSpPr>
+          <p:cNvPr id="53" name="PlaceHolder 1"/>
+          <p:cNvSpPr>
+            <a:spLocks noGrp="1"/>
+          </p:cNvSpPr>
+          <p:nvPr>
+            <p:ph type="title"/>
+          </p:nvPr>
+        </p:nvSpPr>
+        <p:spPr>
+          <a:xfrm>
+            <a:off x="504000" y="301320"/>
+            <a:ext cx="9072000" cy="1261800"/>
+          </a:xfrm>
+          <a:prstGeom prst="rect">
+            <a:avLst/>
+          </a:prstGeom>
+        </p:spPr>
+        <p:txBody>
+          <a:bodyPr lIns="0" rIns="0" tIns="0" bIns="0" anchor="ctr">
+            <a:spAutoFit/>
+          </a:bodyPr>
+          <a:p>
+            <a:pPr algn="ctr"/>
+            <a:endParaRPr b="0" lang="it-IT" sz="4400" spc="-1" strike="noStrike">
+              <a:latin typeface="Arial"/>
+            </a:endParaRPr>
+          </a:p>
+        </p:txBody>
+      </p:sp>
+      <p:sp>
+        <p:nvSpPr>
+          <p:cNvPr id="54" name="PlaceHolder 2"/>
+          <p:cNvSpPr>
+            <a:spLocks noGrp="1"/>
+          </p:cNvSpPr>
+          <p:nvPr>
+            <p:ph type="body"/>
+          </p:nvPr>
+        </p:nvSpPr>
+        <p:spPr>
+          <a:xfrm>
+            <a:off x="504000" y="1768680"/>
+            <a:ext cx="4426920" cy="4384080"/>
+          </a:xfrm>
+          <a:prstGeom prst="rect">
+            <a:avLst/>
+          </a:prstGeom>
+        </p:spPr>
+        <p:txBody>
+          <a:bodyPr lIns="0" rIns="0" tIns="0" bIns="0">
+            <a:normAutofit/>
+          </a:bodyPr>
+          <a:p>
+            <a:endParaRPr b="0" lang="it-IT" sz="3200" spc="-1" strike="noStrike">
+              <a:latin typeface="Arial"/>
+            </a:endParaRPr>
+          </a:p>
+        </p:txBody>
+      </p:sp>
+      <p:sp>
+        <p:nvSpPr>
+          <p:cNvPr id="55" name="PlaceHolder 3"/>
+          <p:cNvSpPr>
+            <a:spLocks noGrp="1"/>
+          </p:cNvSpPr>
+          <p:nvPr>
+            <p:ph type="body"/>
+          </p:nvPr>
+        </p:nvSpPr>
+        <p:spPr>
+          <a:xfrm>
+            <a:off x="5152680" y="1768680"/>
+            <a:ext cx="4426920" cy="2090880"/>
+          </a:xfrm>
+          <a:prstGeom prst="rect">
+            <a:avLst/>
+          </a:prstGeom>
+        </p:spPr>
+        <p:txBody>
+          <a:bodyPr lIns="0" rIns="0" tIns="0" bIns="0">
+            <a:normAutofit/>
+          </a:bodyPr>
+          <a:p>
+            <a:endParaRPr b="0" lang="it-IT" sz="3200" spc="-1" strike="noStrike">
+              <a:latin typeface="Arial"/>
+            </a:endParaRPr>
+          </a:p>
+        </p:txBody>
+      </p:sp>
+      <p:sp>
+        <p:nvSpPr>
+          <p:cNvPr id="56" name="PlaceHolder 4"/>
+          <p:cNvSpPr>
+            <a:spLocks noGrp="1"/>
+          </p:cNvSpPr>
+          <p:nvPr>
+            <p:ph type="body"/>
+          </p:nvPr>
+        </p:nvSpPr>
+        <p:spPr>
+          <a:xfrm>
+            <a:off x="5152680" y="4058640"/>
+            <a:ext cx="4426920" cy="2090880"/>
+          </a:xfrm>
+          <a:prstGeom prst="rect">
+            <a:avLst/>
+          </a:prstGeom>
+        </p:spPr>
+        <p:txBody>
+          <a:bodyPr lIns="0" rIns="0" tIns="0" bIns="0">
+            <a:normAutofit/>
+          </a:bodyPr>
+          <a:p>
+            <a:endParaRPr b="0" lang="it-IT" sz="3200" spc="-1" strike="noStrike">
+              <a:latin typeface="Arial"/>
+            </a:endParaRPr>
+          </a:p>
+        </p:txBody>
+      </p:sp>
+    </p:spTree>
+  </p:cSld>
+</p:sldLayout>
+</file>
+
+<file path=ppt/slideLayouts/slideLayout21.xml><?xml version="1.0" encoding="utf-8"?>
+<p:sldLayout xmlns:a="http://schemas.openxmlformats.org/drawingml/2006/main" xmlns:p="http://schemas.openxmlformats.org/presentationml/2006/main" xmlns:r="http://schemas.openxmlformats.org/officeDocument/2006/relationships" xmlns:p14="http://schemas.microsoft.com/office/powerpoint/2010/main" xmlns:p15="http://schemas.microsoft.com/office/powerpoint/2012/main" xmlns:mc="http://schemas.openxmlformats.org/markup-compatibility/2006" type="twoObjOverTx" preserve="1">
+  <p:cSld name="Title, 2 Content over Content">
+    <p:spTree>
+      <p:nvGrpSpPr>
+        <p:cNvPr id="1" name=""/>
+        <p:cNvGrpSpPr/>
+        <p:nvPr/>
+      </p:nvGrpSpPr>
+      <p:grpSpPr>
+        <a:xfrm>
+          <a:off x="0" y="0"/>
+          <a:ext cx="0" cy="0"/>
+          <a:chOff x="0" y="0"/>
+          <a:chExt cx="0" cy="0"/>
+        </a:xfrm>
+      </p:grpSpPr>
+      <p:sp>
+        <p:nvSpPr>
+          <p:cNvPr id="57" name="PlaceHolder 1"/>
+          <p:cNvSpPr>
+            <a:spLocks noGrp="1"/>
+          </p:cNvSpPr>
+          <p:nvPr>
+            <p:ph type="title"/>
+          </p:nvPr>
+        </p:nvSpPr>
+        <p:spPr>
+          <a:xfrm>
+            <a:off x="504000" y="301320"/>
+            <a:ext cx="9072000" cy="1261800"/>
+          </a:xfrm>
+          <a:prstGeom prst="rect">
+            <a:avLst/>
+          </a:prstGeom>
+        </p:spPr>
+        <p:txBody>
+          <a:bodyPr lIns="0" rIns="0" tIns="0" bIns="0" anchor="ctr">
+            <a:spAutoFit/>
+          </a:bodyPr>
+          <a:p>
+            <a:pPr algn="ctr"/>
+            <a:endParaRPr b="0" lang="it-IT" sz="4400" spc="-1" strike="noStrike">
+              <a:latin typeface="Arial"/>
+            </a:endParaRPr>
+          </a:p>
+        </p:txBody>
+      </p:sp>
+      <p:sp>
+        <p:nvSpPr>
+          <p:cNvPr id="58" name="PlaceHolder 2"/>
+          <p:cNvSpPr>
+            <a:spLocks noGrp="1"/>
+          </p:cNvSpPr>
+          <p:nvPr>
+            <p:ph type="body"/>
+          </p:nvPr>
+        </p:nvSpPr>
+        <p:spPr>
+          <a:xfrm>
+            <a:off x="504000" y="1768680"/>
+            <a:ext cx="4426920" cy="2090880"/>
+          </a:xfrm>
+          <a:prstGeom prst="rect">
+            <a:avLst/>
+          </a:prstGeom>
+        </p:spPr>
+        <p:txBody>
+          <a:bodyPr lIns="0" rIns="0" tIns="0" bIns="0">
+            <a:normAutofit/>
+          </a:bodyPr>
+          <a:p>
+            <a:endParaRPr b="0" lang="it-IT" sz="3200" spc="-1" strike="noStrike">
+              <a:latin typeface="Arial"/>
+            </a:endParaRPr>
+          </a:p>
+        </p:txBody>
+      </p:sp>
+      <p:sp>
+        <p:nvSpPr>
+          <p:cNvPr id="59" name="PlaceHolder 3"/>
+          <p:cNvSpPr>
+            <a:spLocks noGrp="1"/>
+          </p:cNvSpPr>
+          <p:nvPr>
+            <p:ph type="body"/>
+          </p:nvPr>
+        </p:nvSpPr>
+        <p:spPr>
+          <a:xfrm>
+            <a:off x="5152680" y="1768680"/>
+            <a:ext cx="4426920" cy="2090880"/>
+          </a:xfrm>
+          <a:prstGeom prst="rect">
+            <a:avLst/>
+          </a:prstGeom>
+        </p:spPr>
+        <p:txBody>
+          <a:bodyPr lIns="0" rIns="0" tIns="0" bIns="0">
+            <a:normAutofit/>
+          </a:bodyPr>
+          <a:p>
+            <a:endParaRPr b="0" lang="it-IT" sz="3200" spc="-1" strike="noStrike">
+              <a:latin typeface="Arial"/>
+            </a:endParaRPr>
+          </a:p>
+        </p:txBody>
+      </p:sp>
+      <p:sp>
+        <p:nvSpPr>
+          <p:cNvPr id="60" name="PlaceHolder 4"/>
+          <p:cNvSpPr>
+            <a:spLocks noGrp="1"/>
+          </p:cNvSpPr>
+          <p:nvPr>
+            <p:ph type="body"/>
+          </p:nvPr>
+        </p:nvSpPr>
+        <p:spPr>
+          <a:xfrm>
+            <a:off x="504000" y="4058640"/>
+            <a:ext cx="9072000" cy="2090880"/>
+          </a:xfrm>
+          <a:prstGeom prst="rect">
+            <a:avLst/>
+          </a:prstGeom>
+        </p:spPr>
+        <p:txBody>
+          <a:bodyPr lIns="0" rIns="0" tIns="0" bIns="0">
+            <a:normAutofit/>
+          </a:bodyPr>
+          <a:p>
+            <a:endParaRPr b="0" lang="it-IT" sz="3200" spc="-1" strike="noStrike">
+              <a:latin typeface="Arial"/>
+            </a:endParaRPr>
+          </a:p>
+        </p:txBody>
+      </p:sp>
+    </p:spTree>
+  </p:cSld>
+</p:sldLayout>
+</file>
+
+<file path=ppt/slideLayouts/slideLayout22.xml><?xml version="1.0" encoding="utf-8"?>
+<p:sldLayout xmlns:a="http://schemas.openxmlformats.org/drawingml/2006/main" xmlns:p="http://schemas.openxmlformats.org/presentationml/2006/main" xmlns:r="http://schemas.openxmlformats.org/officeDocument/2006/relationships" xmlns:p14="http://schemas.microsoft.com/office/powerpoint/2010/main" xmlns:p15="http://schemas.microsoft.com/office/powerpoint/2012/main" xmlns:mc="http://schemas.openxmlformats.org/markup-compatibility/2006" type="objOverTx" preserve="1">
+  <p:cSld name="Title, Content over Content">
+    <p:spTree>
+      <p:nvGrpSpPr>
+        <p:cNvPr id="1" name=""/>
+        <p:cNvGrpSpPr/>
+        <p:nvPr/>
+      </p:nvGrpSpPr>
+      <p:grpSpPr>
+        <a:xfrm>
+          <a:off x="0" y="0"/>
+          <a:ext cx="0" cy="0"/>
+          <a:chOff x="0" y="0"/>
+          <a:chExt cx="0" cy="0"/>
+        </a:xfrm>
+      </p:grpSpPr>
+      <p:sp>
+        <p:nvSpPr>
+          <p:cNvPr id="61" name="PlaceHolder 1"/>
+          <p:cNvSpPr>
+            <a:spLocks noGrp="1"/>
+          </p:cNvSpPr>
+          <p:nvPr>
+            <p:ph type="title"/>
+          </p:nvPr>
+        </p:nvSpPr>
+        <p:spPr>
+          <a:xfrm>
+            <a:off x="504000" y="301320"/>
+            <a:ext cx="9072000" cy="1261800"/>
+          </a:xfrm>
+          <a:prstGeom prst="rect">
+            <a:avLst/>
+          </a:prstGeom>
+        </p:spPr>
+        <p:txBody>
+          <a:bodyPr lIns="0" rIns="0" tIns="0" bIns="0" anchor="ctr">
+            <a:spAutoFit/>
+          </a:bodyPr>
+          <a:p>
+            <a:pPr algn="ctr"/>
+            <a:endParaRPr b="0" lang="it-IT" sz="4400" spc="-1" strike="noStrike">
+              <a:latin typeface="Arial"/>
+            </a:endParaRPr>
+          </a:p>
+        </p:txBody>
+      </p:sp>
+      <p:sp>
+        <p:nvSpPr>
+          <p:cNvPr id="62" name="PlaceHolder 2"/>
+          <p:cNvSpPr>
+            <a:spLocks noGrp="1"/>
+          </p:cNvSpPr>
+          <p:nvPr>
+            <p:ph type="body"/>
+          </p:nvPr>
+        </p:nvSpPr>
+        <p:spPr>
+          <a:xfrm>
+            <a:off x="504000" y="1768680"/>
+            <a:ext cx="9072000" cy="2090880"/>
+          </a:xfrm>
+          <a:prstGeom prst="rect">
+            <a:avLst/>
+          </a:prstGeom>
+        </p:spPr>
+        <p:txBody>
+          <a:bodyPr lIns="0" rIns="0" tIns="0" bIns="0">
+            <a:normAutofit/>
+          </a:bodyPr>
+          <a:p>
+            <a:endParaRPr b="0" lang="it-IT" sz="3200" spc="-1" strike="noStrike">
+              <a:latin typeface="Arial"/>
+            </a:endParaRPr>
+          </a:p>
+        </p:txBody>
+      </p:sp>
+      <p:sp>
+        <p:nvSpPr>
+          <p:cNvPr id="63" name="PlaceHolder 3"/>
+          <p:cNvSpPr>
+            <a:spLocks noGrp="1"/>
+          </p:cNvSpPr>
+          <p:nvPr>
+            <p:ph type="body"/>
+          </p:nvPr>
+        </p:nvSpPr>
+        <p:spPr>
+          <a:xfrm>
+            <a:off x="504000" y="4058640"/>
+            <a:ext cx="9072000" cy="2090880"/>
+          </a:xfrm>
+          <a:prstGeom prst="rect">
+            <a:avLst/>
+          </a:prstGeom>
+        </p:spPr>
+        <p:txBody>
+          <a:bodyPr lIns="0" rIns="0" tIns="0" bIns="0">
+            <a:normAutofit/>
+          </a:bodyPr>
+          <a:p>
+            <a:endParaRPr b="0" lang="it-IT" sz="3200" spc="-1" strike="noStrike">
+              <a:latin typeface="Arial"/>
+            </a:endParaRPr>
+          </a:p>
+        </p:txBody>
+      </p:sp>
+    </p:spTree>
+  </p:cSld>
+</p:sldLayout>
+</file>
+
+<file path=ppt/slideLayouts/slideLayout23.xml><?xml version="1.0" encoding="utf-8"?>
+<p:sldLayout xmlns:a="http://schemas.openxmlformats.org/drawingml/2006/main" xmlns:p="http://schemas.openxmlformats.org/presentationml/2006/main" xmlns:r="http://schemas.openxmlformats.org/officeDocument/2006/relationships" xmlns:p14="http://schemas.microsoft.com/office/powerpoint/2010/main" xmlns:p15="http://schemas.microsoft.com/office/powerpoint/2012/main" xmlns:mc="http://schemas.openxmlformats.org/markup-compatibility/2006" type="fourObj" preserve="1">
+  <p:cSld name="Title, 4 Content">
+    <p:spTree>
+      <p:nvGrpSpPr>
+        <p:cNvPr id="1" name=""/>
+        <p:cNvGrpSpPr/>
+        <p:nvPr/>
+      </p:nvGrpSpPr>
+      <p:grpSpPr>
+        <a:xfrm>
+          <a:off x="0" y="0"/>
+          <a:ext cx="0" cy="0"/>
+          <a:chOff x="0" y="0"/>
+          <a:chExt cx="0" cy="0"/>
+        </a:xfrm>
+      </p:grpSpPr>
+      <p:sp>
+        <p:nvSpPr>
+          <p:cNvPr id="64" name="PlaceHolder 1"/>
+          <p:cNvSpPr>
+            <a:spLocks noGrp="1"/>
+          </p:cNvSpPr>
+          <p:nvPr>
+            <p:ph type="title"/>
+          </p:nvPr>
+        </p:nvSpPr>
+        <p:spPr>
+          <a:xfrm>
+            <a:off x="504000" y="301320"/>
+            <a:ext cx="9072000" cy="1261800"/>
+          </a:xfrm>
+          <a:prstGeom prst="rect">
+            <a:avLst/>
+          </a:prstGeom>
+        </p:spPr>
+        <p:txBody>
+          <a:bodyPr lIns="0" rIns="0" tIns="0" bIns="0" anchor="ctr">
+            <a:spAutoFit/>
+          </a:bodyPr>
+          <a:p>
+            <a:pPr algn="ctr"/>
+            <a:endParaRPr b="0" lang="it-IT" sz="4400" spc="-1" strike="noStrike">
+              <a:latin typeface="Arial"/>
+            </a:endParaRPr>
+          </a:p>
+        </p:txBody>
+      </p:sp>
+      <p:sp>
+        <p:nvSpPr>
+          <p:cNvPr id="65" name="PlaceHolder 2"/>
+          <p:cNvSpPr>
+            <a:spLocks noGrp="1"/>
+          </p:cNvSpPr>
+          <p:nvPr>
+            <p:ph type="body"/>
+          </p:nvPr>
+        </p:nvSpPr>
+        <p:spPr>
+          <a:xfrm>
+            <a:off x="504000" y="1768680"/>
+            <a:ext cx="4426920" cy="2090880"/>
+          </a:xfrm>
+          <a:prstGeom prst="rect">
+            <a:avLst/>
+          </a:prstGeom>
+        </p:spPr>
+        <p:txBody>
+          <a:bodyPr lIns="0" rIns="0" tIns="0" bIns="0">
+            <a:normAutofit/>
+          </a:bodyPr>
+          <a:p>
+            <a:endParaRPr b="0" lang="it-IT" sz="3200" spc="-1" strike="noStrike">
+              <a:latin typeface="Arial"/>
+            </a:endParaRPr>
+          </a:p>
+        </p:txBody>
+      </p:sp>
+      <p:sp>
+        <p:nvSpPr>
+          <p:cNvPr id="66" name="PlaceHolder 3"/>
+          <p:cNvSpPr>
+            <a:spLocks noGrp="1"/>
+          </p:cNvSpPr>
+          <p:nvPr>
+            <p:ph type="body"/>
+          </p:nvPr>
+        </p:nvSpPr>
+        <p:spPr>
+          <a:xfrm>
+            <a:off x="5152680" y="1768680"/>
+            <a:ext cx="4426920" cy="2090880"/>
+          </a:xfrm>
+          <a:prstGeom prst="rect">
+            <a:avLst/>
+          </a:prstGeom>
+        </p:spPr>
+        <p:txBody>
+          <a:bodyPr lIns="0" rIns="0" tIns="0" bIns="0">
+            <a:normAutofit/>
+          </a:bodyPr>
+          <a:p>
+            <a:endParaRPr b="0" lang="it-IT" sz="3200" spc="-1" strike="noStrike">
+              <a:latin typeface="Arial"/>
+            </a:endParaRPr>
+          </a:p>
+        </p:txBody>
+      </p:sp>
+      <p:sp>
+        <p:nvSpPr>
+          <p:cNvPr id="67" name="PlaceHolder 4"/>
+          <p:cNvSpPr>
+            <a:spLocks noGrp="1"/>
+          </p:cNvSpPr>
+          <p:nvPr>
+            <p:ph type="body"/>
+          </p:nvPr>
+        </p:nvSpPr>
+        <p:spPr>
+          <a:xfrm>
+            <a:off x="504000" y="4058640"/>
+            <a:ext cx="4426920" cy="2090880"/>
+          </a:xfrm>
+          <a:prstGeom prst="rect">
+            <a:avLst/>
+          </a:prstGeom>
+        </p:spPr>
+        <p:txBody>
+          <a:bodyPr lIns="0" rIns="0" tIns="0" bIns="0">
+            <a:normAutofit/>
+          </a:bodyPr>
+          <a:p>
+            <a:endParaRPr b="0" lang="it-IT" sz="3200" spc="-1" strike="noStrike">
+              <a:latin typeface="Arial"/>
+            </a:endParaRPr>
+          </a:p>
+        </p:txBody>
+      </p:sp>
+      <p:sp>
+        <p:nvSpPr>
+          <p:cNvPr id="68" name="PlaceHolder 5"/>
+          <p:cNvSpPr>
+            <a:spLocks noGrp="1"/>
+          </p:cNvSpPr>
+          <p:nvPr>
+            <p:ph type="body"/>
+          </p:nvPr>
+        </p:nvSpPr>
+        <p:spPr>
+          <a:xfrm>
+            <a:off x="5152680" y="4058640"/>
+            <a:ext cx="4426920" cy="2090880"/>
+          </a:xfrm>
+          <a:prstGeom prst="rect">
+            <a:avLst/>
+          </a:prstGeom>
+        </p:spPr>
+        <p:txBody>
+          <a:bodyPr lIns="0" rIns="0" tIns="0" bIns="0">
+            <a:normAutofit/>
+          </a:bodyPr>
+          <a:p>
+            <a:endParaRPr b="0" lang="it-IT" sz="3200" spc="-1" strike="noStrike">
+              <a:latin typeface="Arial"/>
+            </a:endParaRPr>
+          </a:p>
+        </p:txBody>
+      </p:sp>
+    </p:spTree>
+  </p:cSld>
+</p:sldLayout>
+</file>
+
+<file path=ppt/slideLayouts/slideLayout24.xml><?xml version="1.0" encoding="utf-8"?>
+<p:sldLayout xmlns:a="http://schemas.openxmlformats.org/drawingml/2006/main" xmlns:p="http://schemas.openxmlformats.org/presentationml/2006/main" xmlns:r="http://schemas.openxmlformats.org/officeDocument/2006/relationships" xmlns:p14="http://schemas.microsoft.com/office/powerpoint/2010/main" xmlns:p15="http://schemas.microsoft.com/office/powerpoint/2012/main" xmlns:mc="http://schemas.openxmlformats.org/markup-compatibility/2006" type="blank" preserve="1">
+  <p:cSld name="Title, 6 Content">
+    <p:spTree>
+      <p:nvGrpSpPr>
+        <p:cNvPr id="1" name=""/>
+        <p:cNvGrpSpPr/>
+        <p:nvPr/>
+      </p:nvGrpSpPr>
+      <p:grpSpPr>
+        <a:xfrm>
+          <a:off x="0" y="0"/>
+          <a:ext cx="0" cy="0"/>
+          <a:chOff x="0" y="0"/>
+          <a:chExt cx="0" cy="0"/>
+        </a:xfrm>
+      </p:grpSpPr>
+      <p:sp>
+        <p:nvSpPr>
+          <p:cNvPr id="69" name="PlaceHolder 1"/>
+          <p:cNvSpPr>
+            <a:spLocks noGrp="1"/>
+          </p:cNvSpPr>
+          <p:nvPr>
+            <p:ph type="title"/>
+          </p:nvPr>
+        </p:nvSpPr>
+        <p:spPr>
+          <a:xfrm>
+            <a:off x="504000" y="301320"/>
+            <a:ext cx="9072000" cy="1261800"/>
+          </a:xfrm>
+          <a:prstGeom prst="rect">
+            <a:avLst/>
+          </a:prstGeom>
+        </p:spPr>
+        <p:txBody>
+          <a:bodyPr lIns="0" rIns="0" tIns="0" bIns="0" anchor="ctr">
+            <a:spAutoFit/>
+          </a:bodyPr>
+          <a:p>
+            <a:pPr algn="ctr"/>
+            <a:endParaRPr b="0" lang="it-IT" sz="4400" spc="-1" strike="noStrike">
+              <a:latin typeface="Arial"/>
+            </a:endParaRPr>
+          </a:p>
+        </p:txBody>
+      </p:sp>
+      <p:sp>
+        <p:nvSpPr>
+          <p:cNvPr id="70" name="PlaceHolder 2"/>
+          <p:cNvSpPr>
+            <a:spLocks noGrp="1"/>
+          </p:cNvSpPr>
+          <p:nvPr>
+            <p:ph type="body"/>
+          </p:nvPr>
+        </p:nvSpPr>
+        <p:spPr>
+          <a:xfrm>
+            <a:off x="504000" y="1768680"/>
+            <a:ext cx="2921040" cy="2090880"/>
+          </a:xfrm>
+          <a:prstGeom prst="rect">
+            <a:avLst/>
+          </a:prstGeom>
+        </p:spPr>
+        <p:txBody>
+          <a:bodyPr lIns="0" rIns="0" tIns="0" bIns="0">
+            <a:normAutofit/>
+          </a:bodyPr>
+          <a:p>
+            <a:endParaRPr b="0" lang="it-IT" sz="3200" spc="-1" strike="noStrike">
+              <a:latin typeface="Arial"/>
+            </a:endParaRPr>
+          </a:p>
+        </p:txBody>
+      </p:sp>
+      <p:sp>
+        <p:nvSpPr>
+          <p:cNvPr id="71" name="PlaceHolder 3"/>
+          <p:cNvSpPr>
+            <a:spLocks noGrp="1"/>
+          </p:cNvSpPr>
+          <p:nvPr>
+            <p:ph type="body"/>
+          </p:nvPr>
+        </p:nvSpPr>
+        <p:spPr>
+          <a:xfrm>
+            <a:off x="3571560" y="1768680"/>
+            <a:ext cx="2921040" cy="2090880"/>
+          </a:xfrm>
+          <a:prstGeom prst="rect">
+            <a:avLst/>
+          </a:prstGeom>
+        </p:spPr>
+        <p:txBody>
+          <a:bodyPr lIns="0" rIns="0" tIns="0" bIns="0">
+            <a:normAutofit/>
+          </a:bodyPr>
+          <a:p>
+            <a:endParaRPr b="0" lang="it-IT" sz="3200" spc="-1" strike="noStrike">
+              <a:latin typeface="Arial"/>
+            </a:endParaRPr>
+          </a:p>
+        </p:txBody>
+      </p:sp>
+      <p:sp>
+        <p:nvSpPr>
+          <p:cNvPr id="72" name="PlaceHolder 4"/>
+          <p:cNvSpPr>
+            <a:spLocks noGrp="1"/>
+          </p:cNvSpPr>
+          <p:nvPr>
+            <p:ph type="body"/>
+          </p:nvPr>
+        </p:nvSpPr>
+        <p:spPr>
+          <a:xfrm>
+            <a:off x="6639120" y="1768680"/>
+            <a:ext cx="2921040" cy="2090880"/>
+          </a:xfrm>
+          <a:prstGeom prst="rect">
+            <a:avLst/>
+          </a:prstGeom>
+        </p:spPr>
+        <p:txBody>
+          <a:bodyPr lIns="0" rIns="0" tIns="0" bIns="0">
+            <a:normAutofit/>
+          </a:bodyPr>
+          <a:p>
+            <a:endParaRPr b="0" lang="it-IT" sz="3200" spc="-1" strike="noStrike">
+              <a:latin typeface="Arial"/>
+            </a:endParaRPr>
+          </a:p>
+        </p:txBody>
+      </p:sp>
+      <p:sp>
+        <p:nvSpPr>
+          <p:cNvPr id="73" name="PlaceHolder 5"/>
+          <p:cNvSpPr>
+            <a:spLocks noGrp="1"/>
+          </p:cNvSpPr>
+          <p:nvPr>
+            <p:ph type="body"/>
+          </p:nvPr>
+        </p:nvSpPr>
+        <p:spPr>
+          <a:xfrm>
+            <a:off x="504000" y="4058640"/>
+            <a:ext cx="2921040" cy="2090880"/>
+          </a:xfrm>
+          <a:prstGeom prst="rect">
+            <a:avLst/>
+          </a:prstGeom>
+        </p:spPr>
+        <p:txBody>
+          <a:bodyPr lIns="0" rIns="0" tIns="0" bIns="0">
+            <a:normAutofit/>
+          </a:bodyPr>
+          <a:p>
+            <a:endParaRPr b="0" lang="it-IT" sz="3200" spc="-1" strike="noStrike">
+              <a:latin typeface="Arial"/>
+            </a:endParaRPr>
+          </a:p>
+        </p:txBody>
+      </p:sp>
+      <p:sp>
+        <p:nvSpPr>
+          <p:cNvPr id="74" name="PlaceHolder 6"/>
+          <p:cNvSpPr>
+            <a:spLocks noGrp="1"/>
+          </p:cNvSpPr>
+          <p:nvPr>
+            <p:ph type="body"/>
+          </p:nvPr>
+        </p:nvSpPr>
+        <p:spPr>
+          <a:xfrm>
+            <a:off x="3571560" y="4058640"/>
+            <a:ext cx="2921040" cy="2090880"/>
+          </a:xfrm>
+          <a:prstGeom prst="rect">
+            <a:avLst/>
+          </a:prstGeom>
+        </p:spPr>
+        <p:txBody>
+          <a:bodyPr lIns="0" rIns="0" tIns="0" bIns="0">
+            <a:normAutofit/>
+          </a:bodyPr>
+          <a:p>
+            <a:endParaRPr b="0" lang="it-IT" sz="3200" spc="-1" strike="noStrike">
+              <a:latin typeface="Arial"/>
+            </a:endParaRPr>
+          </a:p>
+        </p:txBody>
+      </p:sp>
+      <p:sp>
+        <p:nvSpPr>
+          <p:cNvPr id="75" name="PlaceHolder 7"/>
+          <p:cNvSpPr>
+            <a:spLocks noGrp="1"/>
+          </p:cNvSpPr>
+          <p:nvPr>
+            <p:ph type="body"/>
+          </p:nvPr>
+        </p:nvSpPr>
+        <p:spPr>
+          <a:xfrm>
+            <a:off x="6639120" y="4058640"/>
+            <a:ext cx="2921040" cy="2090880"/>
+          </a:xfrm>
+          <a:prstGeom prst="rect">
+            <a:avLst/>
+          </a:prstGeom>
+        </p:spPr>
+        <p:txBody>
+          <a:bodyPr lIns="0" rIns="0" tIns="0" bIns="0">
+            <a:normAutofit/>
+          </a:bodyPr>
+          <a:p>
             <a:endParaRPr b="0" lang="it-IT" sz="3200" spc="-1" strike="noStrike">
               <a:latin typeface="Arial"/>
             </a:endParaRPr>
@@ -669,8 +2037,8 @@
         </p:nvSpPr>
         <p:spPr>
           <a:xfrm>
-            <a:off x="720000" y="589320"/>
-            <a:ext cx="8639640" cy="1262160"/>
+            <a:off x="504000" y="301320"/>
+            <a:ext cx="9072000" cy="1261800"/>
           </a:xfrm>
           <a:prstGeom prst="rect">
             <a:avLst/>
@@ -700,8 +2068,8 @@
         </p:nvSpPr>
         <p:spPr>
           <a:xfrm>
-            <a:off x="900000" y="2052000"/>
-            <a:ext cx="8279640" cy="4384440"/>
+            <a:off x="504000" y="1768680"/>
+            <a:ext cx="9072000" cy="4384080"/>
           </a:xfrm>
           <a:prstGeom prst="rect">
             <a:avLst/>
@@ -752,8 +2120,8 @@
         </p:nvSpPr>
         <p:spPr>
           <a:xfrm>
-            <a:off x="720000" y="589320"/>
-            <a:ext cx="8639640" cy="1262160"/>
+            <a:off x="504000" y="301320"/>
+            <a:ext cx="9072000" cy="1261800"/>
           </a:xfrm>
           <a:prstGeom prst="rect">
             <a:avLst/>
@@ -783,8 +2151,8 @@
         </p:nvSpPr>
         <p:spPr>
           <a:xfrm>
-            <a:off x="900000" y="2052000"/>
-            <a:ext cx="4040280" cy="4384440"/>
+            <a:off x="504000" y="1768680"/>
+            <a:ext cx="4426920" cy="4384080"/>
           </a:xfrm>
           <a:prstGeom prst="rect">
             <a:avLst/>
@@ -813,8 +2181,8 @@
         </p:nvSpPr>
         <p:spPr>
           <a:xfrm>
-            <a:off x="5142600" y="2052000"/>
-            <a:ext cx="4040280" cy="4384440"/>
+            <a:off x="5152680" y="1768680"/>
+            <a:ext cx="4426920" cy="4384080"/>
           </a:xfrm>
           <a:prstGeom prst="rect">
             <a:avLst/>
@@ -865,8 +2233,8 @@
         </p:nvSpPr>
         <p:spPr>
           <a:xfrm>
-            <a:off x="720000" y="589320"/>
-            <a:ext cx="8639640" cy="1262160"/>
+            <a:off x="504000" y="301320"/>
+            <a:ext cx="9072000" cy="1261800"/>
           </a:xfrm>
           <a:prstGeom prst="rect">
             <a:avLst/>
@@ -918,8 +2286,8 @@
         </p:nvSpPr>
         <p:spPr>
           <a:xfrm>
-            <a:off x="720000" y="589320"/>
-            <a:ext cx="8639640" cy="5851800"/>
+            <a:off x="504000" y="301320"/>
+            <a:ext cx="9072000" cy="5850360"/>
           </a:xfrm>
           <a:prstGeom prst="rect">
             <a:avLst/>
@@ -971,8 +2339,8 @@
         </p:nvSpPr>
         <p:spPr>
           <a:xfrm>
-            <a:off x="720000" y="589320"/>
-            <a:ext cx="8639640" cy="1262160"/>
+            <a:off x="504000" y="301320"/>
+            <a:ext cx="9072000" cy="1261800"/>
           </a:xfrm>
           <a:prstGeom prst="rect">
             <a:avLst/>
@@ -1002,8 +2370,8 @@
         </p:nvSpPr>
         <p:spPr>
           <a:xfrm>
-            <a:off x="900000" y="2052000"/>
-            <a:ext cx="4040280" cy="2091240"/>
+            <a:off x="504000" y="1768680"/>
+            <a:ext cx="4426920" cy="2090880"/>
           </a:xfrm>
           <a:prstGeom prst="rect">
             <a:avLst/>
@@ -1032,8 +2400,8 @@
         </p:nvSpPr>
         <p:spPr>
           <a:xfrm>
-            <a:off x="5142600" y="2052000"/>
-            <a:ext cx="4040280" cy="4384440"/>
+            <a:off x="5152680" y="1768680"/>
+            <a:ext cx="4426920" cy="4384080"/>
           </a:xfrm>
           <a:prstGeom prst="rect">
             <a:avLst/>
@@ -1062,8 +2430,8 @@
         </p:nvSpPr>
         <p:spPr>
           <a:xfrm>
-            <a:off x="900000" y="4342320"/>
-            <a:ext cx="4040280" cy="2091240"/>
+            <a:off x="504000" y="4058640"/>
+            <a:ext cx="4426920" cy="2090880"/>
           </a:xfrm>
           <a:prstGeom prst="rect">
             <a:avLst/>
@@ -1114,8 +2482,8 @@
         </p:nvSpPr>
         <p:spPr>
           <a:xfrm>
-            <a:off x="720000" y="589320"/>
-            <a:ext cx="8639640" cy="1262160"/>
+            <a:off x="504000" y="301320"/>
+            <a:ext cx="9072000" cy="1261800"/>
           </a:xfrm>
           <a:prstGeom prst="rect">
             <a:avLst/>
@@ -1145,8 +2513,8 @@
         </p:nvSpPr>
         <p:spPr>
           <a:xfrm>
-            <a:off x="900000" y="2052000"/>
-            <a:ext cx="4040280" cy="4384440"/>
+            <a:off x="504000" y="1768680"/>
+            <a:ext cx="4426920" cy="4384080"/>
           </a:xfrm>
           <a:prstGeom prst="rect">
             <a:avLst/>
@@ -1175,8 +2543,8 @@
         </p:nvSpPr>
         <p:spPr>
           <a:xfrm>
-            <a:off x="5142600" y="2052000"/>
-            <a:ext cx="4040280" cy="2091240"/>
+            <a:off x="5152680" y="1768680"/>
+            <a:ext cx="4426920" cy="2090880"/>
           </a:xfrm>
           <a:prstGeom prst="rect">
             <a:avLst/>
@@ -1205,8 +2573,8 @@
         </p:nvSpPr>
         <p:spPr>
           <a:xfrm>
-            <a:off x="5142600" y="4342320"/>
-            <a:ext cx="4040280" cy="2091240"/>
+            <a:off x="5152680" y="4058640"/>
+            <a:ext cx="4426920" cy="2090880"/>
           </a:xfrm>
           <a:prstGeom prst="rect">
             <a:avLst/>
@@ -1257,8 +2625,8 @@
         </p:nvSpPr>
         <p:spPr>
           <a:xfrm>
-            <a:off x="720000" y="589320"/>
-            <a:ext cx="8639640" cy="1262160"/>
+            <a:off x="504000" y="301320"/>
+            <a:ext cx="9072000" cy="1261800"/>
           </a:xfrm>
           <a:prstGeom prst="rect">
             <a:avLst/>
@@ -1288,8 +2656,8 @@
         </p:nvSpPr>
         <p:spPr>
           <a:xfrm>
-            <a:off x="900000" y="2052000"/>
-            <a:ext cx="4040280" cy="2091240"/>
+            <a:off x="504000" y="1768680"/>
+            <a:ext cx="4426920" cy="2090880"/>
           </a:xfrm>
           <a:prstGeom prst="rect">
             <a:avLst/>
@@ -1318,8 +2686,8 @@
         </p:nvSpPr>
         <p:spPr>
           <a:xfrm>
-            <a:off x="5142600" y="2052000"/>
-            <a:ext cx="4040280" cy="2091240"/>
+            <a:off x="5152680" y="1768680"/>
+            <a:ext cx="4426920" cy="2090880"/>
           </a:xfrm>
           <a:prstGeom prst="rect">
             <a:avLst/>
@@ -1348,8 +2716,8 @@
         </p:nvSpPr>
         <p:spPr>
           <a:xfrm>
-            <a:off x="900000" y="4342320"/>
-            <a:ext cx="8279640" cy="2091240"/>
+            <a:off x="504000" y="4058640"/>
+            <a:ext cx="9072000" cy="2090880"/>
           </a:xfrm>
           <a:prstGeom prst="rect">
             <a:avLst/>
@@ -1410,8 +2778,8 @@
         </p:nvSpPr>
         <p:spPr>
           <a:xfrm>
-            <a:off x="720000" y="589320"/>
-            <a:ext cx="8639640" cy="1262160"/>
+            <a:off x="504000" y="300960"/>
+            <a:ext cx="9071640" cy="1262160"/>
           </a:xfrm>
           <a:prstGeom prst="rect">
             <a:avLst/>
@@ -1512,8 +2880,8 @@
         </p:nvSpPr>
         <p:spPr>
           <a:xfrm>
-            <a:off x="900000" y="2052000"/>
-            <a:ext cx="8279640" cy="4384440"/>
+            <a:off x="504000" y="1768680"/>
+            <a:ext cx="9071640" cy="4383720"/>
           </a:xfrm>
           <a:prstGeom prst="rect">
             <a:avLst/>
@@ -1521,7 +2889,7 @@
         </p:spPr>
         <p:txBody>
           <a:bodyPr lIns="0" rIns="0" tIns="0" bIns="0">
-            <a:spAutoFit/>
+            <a:normAutofit/>
           </a:bodyPr>
           <a:p>
             <a:pPr marL="432000" indent="-324000">
@@ -1695,6 +3063,269 @@
     <p:sldLayoutId id="2147483658" r:id="rId12"/>
     <p:sldLayoutId id="2147483659" r:id="rId13"/>
     <p:sldLayoutId id="2147483660" r:id="rId14"/>
+  </p:sldLayoutIdLst>
+</p:sldMaster>
+</file>
+
+<file path=ppt/slideMasters/slideMaster2.xml><?xml version="1.0" encoding="utf-8"?>
+<p:sldMaster xmlns:a="http://schemas.openxmlformats.org/drawingml/2006/main" xmlns:p="http://schemas.openxmlformats.org/presentationml/2006/main" xmlns:r="http://schemas.openxmlformats.org/officeDocument/2006/relationships" xmlns:p14="http://schemas.microsoft.com/office/powerpoint/2010/main" xmlns:p15="http://schemas.microsoft.com/office/powerpoint/2012/main" xmlns:mc="http://schemas.openxmlformats.org/markup-compatibility/2006">
+  <p:cSld>
+    <p:bg>
+      <p:bgPr>
+        <a:blipFill rotWithShape="0">
+          <a:blip r:embed="rId2"/>
+          <a:stretch>
+            <a:fillRect/>
+          </a:stretch>
+        </a:blipFill>
+      </p:bgPr>
+    </p:bg>
+    <p:spTree>
+      <p:nvGrpSpPr>
+        <p:cNvPr id="1" name=""/>
+        <p:cNvGrpSpPr/>
+        <p:nvPr/>
+      </p:nvGrpSpPr>
+      <p:grpSpPr>
+        <a:xfrm>
+          <a:off x="0" y="0"/>
+          <a:ext cx="0" cy="0"/>
+          <a:chOff x="0" y="0"/>
+          <a:chExt cx="0" cy="0"/>
+        </a:xfrm>
+      </p:grpSpPr>
+      <p:sp>
+        <p:nvSpPr>
+          <p:cNvPr id="38" name="PlaceHolder 1"/>
+          <p:cNvSpPr>
+            <a:spLocks noGrp="1"/>
+          </p:cNvSpPr>
+          <p:nvPr>
+            <p:ph type="title"/>
+          </p:nvPr>
+        </p:nvSpPr>
+        <p:spPr>
+          <a:xfrm>
+            <a:off x="504000" y="301320"/>
+            <a:ext cx="9072000" cy="1261800"/>
+          </a:xfrm>
+          <a:prstGeom prst="rect">
+            <a:avLst/>
+          </a:prstGeom>
+        </p:spPr>
+        <p:txBody>
+          <a:bodyPr lIns="0" rIns="0" tIns="0" bIns="0" anchor="ctr">
+            <a:noAutofit/>
+          </a:bodyPr>
+          <a:p>
+            <a:pPr algn="ctr"/>
+            <a:r>
+              <a:rPr b="0" lang="it-IT" sz="4400" spc="-1" strike="noStrike">
+                <a:latin typeface="Arial"/>
+              </a:rPr>
+              <a:t>Fai clic per modificare il formato del testo del titolo</a:t>
+            </a:r>
+            <a:endParaRPr b="0" lang="it-IT" sz="4400" spc="-1" strike="noStrike">
+              <a:latin typeface="Arial"/>
+            </a:endParaRPr>
+          </a:p>
+        </p:txBody>
+      </p:sp>
+      <p:sp>
+        <p:nvSpPr>
+          <p:cNvPr id="39" name="PlaceHolder 2"/>
+          <p:cNvSpPr>
+            <a:spLocks noGrp="1"/>
+          </p:cNvSpPr>
+          <p:nvPr>
+            <p:ph type="body"/>
+          </p:nvPr>
+        </p:nvSpPr>
+        <p:spPr>
+          <a:xfrm>
+            <a:off x="504000" y="1768680"/>
+            <a:ext cx="9072000" cy="4384080"/>
+          </a:xfrm>
+          <a:prstGeom prst="rect">
+            <a:avLst/>
+          </a:prstGeom>
+        </p:spPr>
+        <p:txBody>
+          <a:bodyPr lIns="0" rIns="0" tIns="0" bIns="0">
+            <a:normAutofit/>
+          </a:bodyPr>
+          <a:p>
+            <a:pPr marL="432000" indent="-324000">
+              <a:spcBef>
+                <a:spcPts val="1417"/>
+              </a:spcBef>
+              <a:buClr>
+                <a:srgbClr val="000000"/>
+              </a:buClr>
+              <a:buSzPct val="45000"/>
+              <a:buFont typeface="Wingdings" charset="2"/>
+              <a:buChar char=""/>
+            </a:pPr>
+            <a:r>
+              <a:rPr b="0" lang="it-IT" sz="3200" spc="-1" strike="noStrike">
+                <a:latin typeface="Arial"/>
+              </a:rPr>
+              <a:t>Fai clic per modificare il formato del testo della struttura</a:t>
+            </a:r>
+            <a:endParaRPr b="0" lang="it-IT" sz="3200" spc="-1" strike="noStrike">
+              <a:latin typeface="Arial"/>
+            </a:endParaRPr>
+          </a:p>
+          <a:p>
+            <a:pPr lvl="1" marL="864000" indent="-324000">
+              <a:spcBef>
+                <a:spcPts val="1134"/>
+              </a:spcBef>
+              <a:buClr>
+                <a:srgbClr val="000000"/>
+              </a:buClr>
+              <a:buSzPct val="75000"/>
+              <a:buFont typeface="Symbol" charset="2"/>
+              <a:buChar char=""/>
+            </a:pPr>
+            <a:r>
+              <a:rPr b="0" lang="it-IT" sz="2800" spc="-1" strike="noStrike">
+                <a:latin typeface="Arial"/>
+              </a:rPr>
+              <a:t>Secondo livello struttura</a:t>
+            </a:r>
+            <a:endParaRPr b="0" lang="it-IT" sz="2800" spc="-1" strike="noStrike">
+              <a:latin typeface="Arial"/>
+            </a:endParaRPr>
+          </a:p>
+          <a:p>
+            <a:pPr lvl="2" marL="1296000" indent="-288000">
+              <a:spcBef>
+                <a:spcPts val="850"/>
+              </a:spcBef>
+              <a:buClr>
+                <a:srgbClr val="000000"/>
+              </a:buClr>
+              <a:buSzPct val="45000"/>
+              <a:buFont typeface="Wingdings" charset="2"/>
+              <a:buChar char=""/>
+            </a:pPr>
+            <a:r>
+              <a:rPr b="0" lang="it-IT" sz="2400" spc="-1" strike="noStrike">
+                <a:latin typeface="Arial"/>
+              </a:rPr>
+              <a:t>Terzo livello struttura</a:t>
+            </a:r>
+            <a:endParaRPr b="0" lang="it-IT" sz="2400" spc="-1" strike="noStrike">
+              <a:latin typeface="Arial"/>
+            </a:endParaRPr>
+          </a:p>
+          <a:p>
+            <a:pPr lvl="3" marL="1728000" indent="-216000">
+              <a:spcBef>
+                <a:spcPts val="567"/>
+              </a:spcBef>
+              <a:buClr>
+                <a:srgbClr val="000000"/>
+              </a:buClr>
+              <a:buSzPct val="75000"/>
+              <a:buFont typeface="Symbol" charset="2"/>
+              <a:buChar char=""/>
+            </a:pPr>
+            <a:r>
+              <a:rPr b="0" lang="it-IT" sz="2000" spc="-1" strike="noStrike">
+                <a:latin typeface="Arial"/>
+              </a:rPr>
+              <a:t>Quarto livello struttura</a:t>
+            </a:r>
+            <a:endParaRPr b="0" lang="it-IT" sz="2000" spc="-1" strike="noStrike">
+              <a:latin typeface="Arial"/>
+            </a:endParaRPr>
+          </a:p>
+          <a:p>
+            <a:pPr lvl="4" marL="2160000" indent="-216000">
+              <a:spcBef>
+                <a:spcPts val="283"/>
+              </a:spcBef>
+              <a:buClr>
+                <a:srgbClr val="000000"/>
+              </a:buClr>
+              <a:buSzPct val="45000"/>
+              <a:buFont typeface="Wingdings" charset="2"/>
+              <a:buChar char=""/>
+            </a:pPr>
+            <a:r>
+              <a:rPr b="0" lang="it-IT" sz="2000" spc="-1" strike="noStrike">
+                <a:latin typeface="Arial"/>
+              </a:rPr>
+              <a:t>Quinto livello struttura</a:t>
+            </a:r>
+            <a:endParaRPr b="0" lang="it-IT" sz="2000" spc="-1" strike="noStrike">
+              <a:latin typeface="Arial"/>
+            </a:endParaRPr>
+          </a:p>
+          <a:p>
+            <a:pPr lvl="5" marL="2592000" indent="-216000">
+              <a:spcBef>
+                <a:spcPts val="283"/>
+              </a:spcBef>
+              <a:buClr>
+                <a:srgbClr val="000000"/>
+              </a:buClr>
+              <a:buSzPct val="45000"/>
+              <a:buFont typeface="Wingdings" charset="2"/>
+              <a:buChar char=""/>
+            </a:pPr>
+            <a:r>
+              <a:rPr b="0" lang="it-IT" sz="2000" spc="-1" strike="noStrike">
+                <a:latin typeface="Arial"/>
+              </a:rPr>
+              <a:t>Sesto livello struttura</a:t>
+            </a:r>
+            <a:endParaRPr b="0" lang="it-IT" sz="2000" spc="-1" strike="noStrike">
+              <a:latin typeface="Arial"/>
+            </a:endParaRPr>
+          </a:p>
+          <a:p>
+            <a:pPr lvl="6" marL="3024000" indent="-216000">
+              <a:spcBef>
+                <a:spcPts val="283"/>
+              </a:spcBef>
+              <a:buClr>
+                <a:srgbClr val="000000"/>
+              </a:buClr>
+              <a:buSzPct val="45000"/>
+              <a:buFont typeface="Wingdings" charset="2"/>
+              <a:buChar char=""/>
+            </a:pPr>
+            <a:r>
+              <a:rPr b="0" lang="it-IT" sz="2000" spc="-1" strike="noStrike">
+                <a:latin typeface="Arial"/>
+              </a:rPr>
+              <a:t>Settimo livello struttura</a:t>
+            </a:r>
+            <a:endParaRPr b="0" lang="it-IT" sz="2000" spc="-1" strike="noStrike">
+              <a:latin typeface="Arial"/>
+            </a:endParaRPr>
+          </a:p>
+        </p:txBody>
+      </p:sp>
+    </p:spTree>
+  </p:cSld>
+  <p:clrMap bg1="lt1" bg2="lt2" tx1="dk1" tx2="dk2" accent1="accent1" accent2="accent2" accent3="accent3" accent4="accent4" accent5="accent5" accent6="accent6" hlink="hlink" folHlink="folHlink"/>
+  <p:sldLayoutIdLst>
+    <p:sldLayoutId id="2147483662" r:id="rId3"/>
+    <p:sldLayoutId id="2147483663" r:id="rId4"/>
+    <p:sldLayoutId id="2147483664" r:id="rId5"/>
+    <p:sldLayoutId id="2147483665" r:id="rId6"/>
+    <p:sldLayoutId id="2147483666" r:id="rId7"/>
+    <p:sldLayoutId id="2147483667" r:id="rId8"/>
+    <p:sldLayoutId id="2147483668" r:id="rId9"/>
+    <p:sldLayoutId id="2147483669" r:id="rId10"/>
+    <p:sldLayoutId id="2147483670" r:id="rId11"/>
+    <p:sldLayoutId id="2147483671" r:id="rId12"/>
+    <p:sldLayoutId id="2147483672" r:id="rId13"/>
+    <p:sldLayoutId id="2147483673" r:id="rId14"/>
   </p:sldLayoutIdLst>
 </p:sldMaster>
 </file>
@@ -1718,14 +3349,14 @@
       </p:grpSpPr>
       <p:sp>
         <p:nvSpPr>
-          <p:cNvPr id="38" name="CustomShape 1"/>
+          <p:cNvPr id="76" name="CustomShape 1"/>
           <p:cNvSpPr/>
           <p:nvPr/>
         </p:nvSpPr>
         <p:spPr>
           <a:xfrm>
             <a:off x="2808000" y="912960"/>
-            <a:ext cx="3780000" cy="671040"/>
+            <a:ext cx="3778560" cy="669600"/>
           </a:xfrm>
           <a:prstGeom prst="rect">
             <a:avLst/>
@@ -1757,25 +3388,26 @@
                   <a:srgbClr val="996633"/>
                 </a:solidFill>
                 <a:latin typeface="Times New Roman"/>
+                <a:ea typeface="DejaVu Sans"/>
               </a:rPr>
               <a:t>Metodo di Input</a:t>
             </a:r>
             <a:endParaRPr b="0" lang="it-IT" sz="4400" spc="-1" strike="noStrike">
-              <a:latin typeface="Arial"/>
-            </a:endParaRPr>
-          </a:p>
-        </p:txBody>
-      </p:sp>
-      <p:sp>
-        <p:nvSpPr>
-          <p:cNvPr id="39" name="CustomShape 2"/>
+              <a:latin typeface="Times New Roman"/>
+            </a:endParaRPr>
+          </a:p>
+        </p:txBody>
+      </p:sp>
+      <p:sp>
+        <p:nvSpPr>
+          <p:cNvPr id="77" name="CustomShape 2"/>
           <p:cNvSpPr/>
           <p:nvPr/>
         </p:nvSpPr>
         <p:spPr>
           <a:xfrm>
-            <a:off x="793440" y="2448000"/>
-            <a:ext cx="6480000" cy="2676600"/>
+            <a:off x="864720" y="3867480"/>
+            <a:ext cx="6478560" cy="1459800"/>
           </a:xfrm>
           <a:prstGeom prst="rect">
             <a:avLst/>
@@ -1796,7 +3428,7 @@
             <a:spAutoFit/>
           </a:bodyPr>
           <a:p>
-            <a:pPr marL="216000" indent="-216000">
+            <a:pPr marL="216000" indent="-214560">
               <a:lnSpc>
                 <a:spcPct val="100000"/>
               </a:lnSpc>
@@ -1815,14 +3447,24 @@
                 <a:latin typeface="Times New Roman"/>
                 <a:ea typeface="Arial"/>
               </a:rPr>
-              <a:t>Un IME (Input Method Editor) è un controllo utente che consente agli utenti di immettere testo. </a:t>
+              <a:t>Android fornisce un framework di input-method estensibile che consente alle applicazioni di fornire agli utenti metodi di input alternativi, come tastiere su schermo o persino input vocale.</a:t>
             </a:r>
             <a:endParaRPr b="0" lang="it-IT" sz="1600" spc="-1" strike="noStrike">
               <a:latin typeface="Arial"/>
             </a:endParaRPr>
           </a:p>
           <a:p>
-            <a:pPr marL="216000" indent="-216000">
+            <a:pPr>
+              <a:lnSpc>
+                <a:spcPct val="100000"/>
+              </a:lnSpc>
+            </a:pPr>
+            <a:endParaRPr b="0" lang="it-IT" sz="1600" spc="-1" strike="noStrike">
+              <a:latin typeface="Arial"/>
+            </a:endParaRPr>
+          </a:p>
+          <a:p>
+            <a:pPr marL="216000" indent="-214560">
               <a:lnSpc>
                 <a:spcPct val="100000"/>
               </a:lnSpc>
@@ -1833,122 +3475,32 @@
               <a:buFont typeface="Wingdings" charset="2"/>
               <a:buChar char=""/>
             </a:pPr>
+            <a:r>
+              <a:rPr b="0" lang="it-IT" sz="1600" spc="-1" strike="noStrike">
+                <a:solidFill>
+                  <a:srgbClr val="202124"/>
+                </a:solidFill>
+                <a:latin typeface="Times New Roman"/>
+                <a:ea typeface="Arial"/>
+              </a:rPr>
+              <a:t>Per aggiungere un IME al sistema Android, è necessario creare un'applicazione Android contenente una classe che estende il metodo.</a:t>
+            </a:r>
             <a:endParaRPr b="0" lang="it-IT" sz="1600" spc="-1" strike="noStrike">
               <a:latin typeface="Arial"/>
             </a:endParaRPr>
           </a:p>
-          <a:p>
-            <a:pPr marL="216000" indent="-216000">
-              <a:lnSpc>
-                <a:spcPct val="100000"/>
-              </a:lnSpc>
-              <a:buClr>
-                <a:srgbClr val="202124"/>
-              </a:buClr>
-              <a:buSzPct val="45000"/>
-              <a:buFont typeface="Wingdings" charset="2"/>
-              <a:buChar char=""/>
-            </a:pPr>
-            <a:endParaRPr b="0" lang="it-IT" sz="1600" spc="-1" strike="noStrike">
-              <a:latin typeface="Arial"/>
-            </a:endParaRPr>
-          </a:p>
-          <a:p>
-            <a:pPr marL="216000" indent="-216000">
-              <a:lnSpc>
-                <a:spcPct val="100000"/>
-              </a:lnSpc>
-              <a:buClr>
-                <a:srgbClr val="202124"/>
-              </a:buClr>
-              <a:buSzPct val="45000"/>
-              <a:buFont typeface="Wingdings" charset="2"/>
-              <a:buChar char=""/>
-            </a:pPr>
-            <a:r>
-              <a:rPr b="0" lang="it-IT" sz="1600" spc="-1" strike="noStrike">
-                <a:solidFill>
-                  <a:srgbClr val="202124"/>
-                </a:solidFill>
-                <a:latin typeface="Times New Roman"/>
-                <a:ea typeface="Arial"/>
-              </a:rPr>
-              <a:t>Android fornisce un framework di input-method estensibile che consente alle applicazioni di fornire agli utenti metodi di input alternativi, come tastiere su schermo o persino input vocale.</a:t>
-            </a:r>
-            <a:endParaRPr b="0" lang="it-IT" sz="1600" spc="-1" strike="noStrike">
-              <a:latin typeface="Arial"/>
-            </a:endParaRPr>
-          </a:p>
-          <a:p>
-            <a:pPr marL="216000" indent="-216000">
-              <a:lnSpc>
-                <a:spcPct val="100000"/>
-              </a:lnSpc>
-              <a:buClr>
-                <a:srgbClr val="202124"/>
-              </a:buClr>
-              <a:buSzPct val="45000"/>
-              <a:buFont typeface="Wingdings" charset="2"/>
-              <a:buChar char=""/>
-            </a:pPr>
-            <a:endParaRPr b="0" lang="it-IT" sz="1600" spc="-1" strike="noStrike">
-              <a:latin typeface="Arial"/>
-            </a:endParaRPr>
-          </a:p>
-          <a:p>
-            <a:pPr marL="216000" indent="-216000">
-              <a:lnSpc>
-                <a:spcPct val="100000"/>
-              </a:lnSpc>
-              <a:buClr>
-                <a:srgbClr val="202124"/>
-              </a:buClr>
-              <a:buSzPct val="45000"/>
-              <a:buFont typeface="Wingdings" charset="2"/>
-              <a:buChar char=""/>
-            </a:pPr>
-            <a:endParaRPr b="0" lang="it-IT" sz="1600" spc="-1" strike="noStrike">
-              <a:latin typeface="Arial"/>
-            </a:endParaRPr>
-          </a:p>
-          <a:p>
-            <a:pPr marL="216000" indent="-216000">
-              <a:lnSpc>
-                <a:spcPct val="100000"/>
-              </a:lnSpc>
-              <a:buClr>
-                <a:srgbClr val="202124"/>
-              </a:buClr>
-              <a:buSzPct val="45000"/>
-              <a:buFont typeface="Wingdings" charset="2"/>
-              <a:buChar char=""/>
-            </a:pPr>
-            <a:r>
-              <a:rPr b="0" lang="it-IT" sz="1600" spc="-1" strike="noStrike">
-                <a:solidFill>
-                  <a:srgbClr val="202124"/>
-                </a:solidFill>
-                <a:latin typeface="Times New Roman"/>
-                <a:ea typeface="Arial"/>
-              </a:rPr>
-              <a:t>Per aggiungere un IME al sistema Android, è necessario creare un'applicazione Android contenente una classe che estende.</a:t>
-            </a:r>
-            <a:endParaRPr b="0" lang="it-IT" sz="1600" spc="-1" strike="noStrike">
-              <a:latin typeface="Arial"/>
-            </a:endParaRPr>
-          </a:p>
-        </p:txBody>
-      </p:sp>
-      <p:sp>
-        <p:nvSpPr>
-          <p:cNvPr id="40" name="TextShape 3"/>
-          <p:cNvSpPr txBox="1"/>
+        </p:txBody>
+      </p:sp>
+      <p:sp>
+        <p:nvSpPr>
+          <p:cNvPr id="78" name="CustomShape 3"/>
+          <p:cNvSpPr/>
           <p:nvPr/>
         </p:nvSpPr>
         <p:spPr>
           <a:xfrm>
             <a:off x="864000" y="6480000"/>
-            <a:ext cx="720000" cy="427320"/>
+            <a:ext cx="718560" cy="455400"/>
           </a:xfrm>
           <a:prstGeom prst="rect">
             <a:avLst/>
@@ -1958,26 +3510,41 @@
             <a:noFill/>
           </a:ln>
         </p:spPr>
+        <p:style>
+          <a:lnRef idx="0"/>
+          <a:fillRef idx="0"/>
+          <a:effectRef idx="0"/>
+          <a:fontRef idx="minor"/>
+        </p:style>
         <p:txBody>
           <a:bodyPr lIns="90000" rIns="90000" tIns="45000" bIns="45000">
             <a:spAutoFit/>
           </a:bodyPr>
           <a:p>
-            <a:fld id="{91E36588-DA3B-465B-8DD7-BD06DCE85345}" type="slidenum">
+            <a:pPr>
+              <a:lnSpc>
+                <a:spcPct val="100000"/>
+              </a:lnSpc>
+            </a:pPr>
+            <a:fld id="{821E0903-475F-4BCE-8D86-3DDC4DC489BE}" type="slidenum">
               <a:rPr b="0" lang="it-IT" sz="2400" spc="-1" strike="noStrike">
-                <a:latin typeface="Times New Roman"/>
+                <a:solidFill>
+                  <a:srgbClr val="000000"/>
+                </a:solidFill>
+                <a:latin typeface="Times New Roman"/>
+                <a:ea typeface="DejaVu Sans"/>
               </a:rPr>
               <a:t>1</a:t>
             </a:fld>
             <a:endParaRPr b="0" lang="it-IT" sz="2400" spc="-1" strike="noStrike">
-              <a:latin typeface="Times New Roman"/>
+              <a:latin typeface="Arial"/>
             </a:endParaRPr>
           </a:p>
         </p:txBody>
       </p:sp>
       <p:pic>
         <p:nvPicPr>
-          <p:cNvPr id="41" name="" descr=""/>
+          <p:cNvPr id="79" name="" descr=""/>
           <p:cNvPicPr/>
           <p:nvPr/>
         </p:nvPicPr>
@@ -1988,7 +3555,7 @@
         <p:spPr>
           <a:xfrm>
             <a:off x="8136000" y="720000"/>
-            <a:ext cx="932400" cy="936000"/>
+            <a:ext cx="930960" cy="934560"/>
           </a:xfrm>
           <a:prstGeom prst="rect">
             <a:avLst/>
@@ -2000,14 +3567,14 @@
       </p:pic>
       <p:sp>
         <p:nvSpPr>
-          <p:cNvPr id="42" name="TextShape 4"/>
-          <p:cNvSpPr txBox="1"/>
+          <p:cNvPr id="80" name="CustomShape 4"/>
+          <p:cNvSpPr/>
           <p:nvPr/>
         </p:nvSpPr>
         <p:spPr>
           <a:xfrm>
-            <a:off x="3672000" y="6552000"/>
-            <a:ext cx="2664000" cy="288000"/>
+            <a:off x="3672000" y="6558120"/>
+            <a:ext cx="2662560" cy="273960"/>
           </a:xfrm>
           <a:prstGeom prst="rect">
             <a:avLst/>
@@ -2017,45 +3584,53 @@
             <a:noFill/>
           </a:ln>
         </p:spPr>
+        <p:style>
+          <a:lnRef idx="0"/>
+          <a:fillRef idx="0"/>
+          <a:effectRef idx="0"/>
+          <a:fontRef idx="minor"/>
+        </p:style>
         <p:txBody>
           <a:bodyPr lIns="0" rIns="0" tIns="0" bIns="0" anchor="ctr">
             <a:spAutoFit/>
           </a:bodyPr>
           <a:p>
-            <a:pPr algn="ctr"/>
+            <a:pPr algn="ctr">
+              <a:lnSpc>
+                <a:spcPct val="100000"/>
+              </a:lnSpc>
+            </a:pPr>
             <a:r>
               <a:rPr b="0" lang="it-IT" sz="1800" spc="-1" strike="noStrike">
                 <a:solidFill>
                   <a:srgbClr val="999999"/>
                 </a:solidFill>
                 <a:latin typeface="Times New Roman"/>
+                <a:ea typeface="DejaVu Sans"/>
               </a:rPr>
               <a:t>Mobile Programming 2021</a:t>
             </a:r>
             <a:endParaRPr b="0" lang="it-IT" sz="1800" spc="-1" strike="noStrike">
-              <a:solidFill>
-                <a:srgbClr val="999999"/>
-              </a:solidFill>
-              <a:latin typeface="Times New Roman"/>
+              <a:latin typeface="Arial"/>
             </a:endParaRPr>
           </a:p>
         </p:txBody>
       </p:sp>
       <p:pic>
         <p:nvPicPr>
-          <p:cNvPr id="43" name="" descr=""/>
+          <p:cNvPr id="81" name="" descr=""/>
           <p:cNvPicPr/>
           <p:nvPr/>
         </p:nvPicPr>
         <p:blipFill>
           <a:blip r:embed="rId2"/>
-          <a:srcRect l="38763" t="9014" r="39319" b="14135"/>
+          <a:srcRect l="38748" t="9014" r="39304" b="14135"/>
           <a:stretch/>
         </p:blipFill>
         <p:spPr>
           <a:xfrm>
             <a:off x="7273080" y="1944720"/>
-            <a:ext cx="2086920" cy="4391280"/>
+            <a:ext cx="2085480" cy="4389840"/>
           </a:xfrm>
           <a:prstGeom prst="rect">
             <a:avLst/>
@@ -2065,6 +3640,89 @@
           </a:ln>
         </p:spPr>
       </p:pic>
+      <p:sp>
+        <p:nvSpPr>
+          <p:cNvPr id="82" name="CustomShape 5"/>
+          <p:cNvSpPr/>
+          <p:nvPr/>
+        </p:nvSpPr>
+        <p:spPr>
+          <a:xfrm>
+            <a:off x="863280" y="2232000"/>
+            <a:ext cx="6336000" cy="1216440"/>
+          </a:xfrm>
+          <a:prstGeom prst="rect">
+            <a:avLst/>
+          </a:prstGeom>
+          <a:noFill/>
+          <a:ln>
+            <a:noFill/>
+          </a:ln>
+        </p:spPr>
+        <p:style>
+          <a:lnRef idx="0"/>
+          <a:fillRef idx="0"/>
+          <a:effectRef idx="0"/>
+          <a:fontRef idx="minor"/>
+        </p:style>
+        <p:txBody>
+          <a:bodyPr lIns="0" rIns="0" tIns="0" bIns="0">
+            <a:spAutoFit/>
+          </a:bodyPr>
+          <a:p>
+            <a:pPr marL="216000" indent="-214560">
+              <a:lnSpc>
+                <a:spcPct val="100000"/>
+              </a:lnSpc>
+              <a:buClr>
+                <a:srgbClr val="202124"/>
+              </a:buClr>
+              <a:buSzPct val="45000"/>
+              <a:buFont typeface="Wingdings" charset="2"/>
+              <a:buChar char=""/>
+            </a:pPr>
+            <a:r>
+              <a:rPr b="1" lang="it-IT" sz="1600" spc="-1" strike="noStrike">
+                <a:solidFill>
+                  <a:srgbClr val="202124"/>
+                </a:solidFill>
+                <a:latin typeface="Times New Roman"/>
+                <a:ea typeface="Arial"/>
+              </a:rPr>
+              <a:t>Che cos’è un metodo di input?</a:t>
+            </a:r>
+            <a:endParaRPr b="0" lang="it-IT" sz="1600" spc="-1" strike="noStrike">
+              <a:latin typeface="Arial"/>
+            </a:endParaRPr>
+          </a:p>
+          <a:p>
+            <a:pPr lvl="1" marL="432000" indent="-215280">
+              <a:lnSpc>
+                <a:spcPct val="100000"/>
+              </a:lnSpc>
+              <a:buClr>
+                <a:srgbClr val="000000"/>
+              </a:buClr>
+              <a:buSzPct val="45000"/>
+              <a:buFont typeface="Wingdings" charset="2"/>
+              <a:buChar char=""/>
+            </a:pPr>
+            <a:r>
+              <a:rPr b="0" lang="it-IT" sz="1600" spc="-1" strike="noStrike">
+                <a:solidFill>
+                  <a:srgbClr val="202124"/>
+                </a:solidFill>
+                <a:latin typeface="Times New Roman"/>
+                <a:ea typeface="Arial"/>
+              </a:rPr>
+              <a:t>Un metodo di input è uno strumento in un sistema operativo o in un programma software che consente all'utente di un dispositivo informatico di utilizzare la tastiera per digitare caratteri che non sono rappresentati sulla tastiera di quel particolare dispositivo.</a:t>
+            </a:r>
+            <a:endParaRPr b="0" lang="it-IT" sz="1600" spc="-1" strike="noStrike">
+              <a:latin typeface="Arial"/>
+            </a:endParaRPr>
+          </a:p>
+        </p:txBody>
+      </p:sp>
     </p:spTree>
   </p:cSld>
   <mc:AlternateContent>
@@ -2105,6 +3763,3222 @@
 </p:sld>
 </file>
 
+<file path=ppt/slides/slide10.xml><?xml version="1.0" encoding="utf-8"?>
+<p:sld xmlns:a="http://schemas.openxmlformats.org/drawingml/2006/main" xmlns:p="http://schemas.openxmlformats.org/presentationml/2006/main" xmlns:r="http://schemas.openxmlformats.org/officeDocument/2006/relationships" xmlns:p14="http://schemas.microsoft.com/office/powerpoint/2010/main" xmlns:p15="http://schemas.microsoft.com/office/powerpoint/2012/main" xmlns:mc="http://schemas.openxmlformats.org/markup-compatibility/2006">
+  <p:cSld>
+    <p:spTree>
+      <p:nvGrpSpPr>
+        <p:cNvPr id="1" name=""/>
+        <p:cNvGrpSpPr/>
+        <p:nvPr/>
+      </p:nvGrpSpPr>
+      <p:grpSpPr>
+        <a:xfrm>
+          <a:off x="0" y="0"/>
+          <a:ext cx="0" cy="0"/>
+          <a:chOff x="0" y="0"/>
+          <a:chExt cx="0" cy="0"/>
+        </a:xfrm>
+      </p:grpSpPr>
+      <p:sp>
+        <p:nvSpPr>
+          <p:cNvPr id="135" name="CustomShape 1"/>
+          <p:cNvSpPr/>
+          <p:nvPr/>
+        </p:nvSpPr>
+        <p:spPr>
+          <a:xfrm>
+            <a:off x="868680" y="6480000"/>
+            <a:ext cx="570960" cy="455400"/>
+          </a:xfrm>
+          <a:prstGeom prst="rect">
+            <a:avLst/>
+          </a:prstGeom>
+          <a:noFill/>
+          <a:ln>
+            <a:noFill/>
+          </a:ln>
+        </p:spPr>
+        <p:style>
+          <a:lnRef idx="0"/>
+          <a:fillRef idx="0"/>
+          <a:effectRef idx="0"/>
+          <a:fontRef idx="minor"/>
+        </p:style>
+        <p:txBody>
+          <a:bodyPr lIns="90000" rIns="90000" tIns="45000" bIns="45000">
+            <a:spAutoFit/>
+          </a:bodyPr>
+          <a:p>
+            <a:pPr>
+              <a:lnSpc>
+                <a:spcPct val="100000"/>
+              </a:lnSpc>
+            </a:pPr>
+            <a:fld id="{2DD91605-5235-4E7C-BF0B-09C00189CA1A}" type="slidenum">
+              <a:rPr b="0" lang="it-IT" sz="2400" spc="-1" strike="noStrike">
+                <a:solidFill>
+                  <a:srgbClr val="000000"/>
+                </a:solidFill>
+                <a:latin typeface="Times New Roman"/>
+                <a:ea typeface="DejaVu Sans"/>
+              </a:rPr>
+              <a:t>1</a:t>
+            </a:fld>
+            <a:endParaRPr b="0" lang="it-IT" sz="2400" spc="-1" strike="noStrike">
+              <a:latin typeface="Arial"/>
+            </a:endParaRPr>
+          </a:p>
+        </p:txBody>
+      </p:sp>
+      <p:pic>
+        <p:nvPicPr>
+          <p:cNvPr id="136" name="" descr=""/>
+          <p:cNvPicPr/>
+          <p:nvPr/>
+        </p:nvPicPr>
+        <p:blipFill>
+          <a:blip r:embed="rId1"/>
+          <a:stretch/>
+        </p:blipFill>
+        <p:spPr>
+          <a:xfrm>
+            <a:off x="8140680" y="720000"/>
+            <a:ext cx="930960" cy="934560"/>
+          </a:xfrm>
+          <a:prstGeom prst="rect">
+            <a:avLst/>
+          </a:prstGeom>
+          <a:ln>
+            <a:noFill/>
+          </a:ln>
+        </p:spPr>
+      </p:pic>
+      <p:sp>
+        <p:nvSpPr>
+          <p:cNvPr id="137" name="CustomShape 2"/>
+          <p:cNvSpPr/>
+          <p:nvPr/>
+        </p:nvSpPr>
+        <p:spPr>
+          <a:xfrm>
+            <a:off x="3676680" y="6558120"/>
+            <a:ext cx="2662560" cy="273960"/>
+          </a:xfrm>
+          <a:prstGeom prst="rect">
+            <a:avLst/>
+          </a:prstGeom>
+          <a:noFill/>
+          <a:ln>
+            <a:noFill/>
+          </a:ln>
+        </p:spPr>
+        <p:style>
+          <a:lnRef idx="0"/>
+          <a:fillRef idx="0"/>
+          <a:effectRef idx="0"/>
+          <a:fontRef idx="minor"/>
+        </p:style>
+        <p:txBody>
+          <a:bodyPr lIns="0" rIns="0" tIns="0" bIns="0" anchor="ctr">
+            <a:spAutoFit/>
+          </a:bodyPr>
+          <a:p>
+            <a:pPr algn="ctr">
+              <a:lnSpc>
+                <a:spcPct val="100000"/>
+              </a:lnSpc>
+            </a:pPr>
+            <a:r>
+              <a:rPr b="0" lang="it-IT" sz="1800" spc="-1" strike="noStrike">
+                <a:solidFill>
+                  <a:srgbClr val="999999"/>
+                </a:solidFill>
+                <a:latin typeface="Times New Roman"/>
+                <a:ea typeface="DejaVu Sans"/>
+              </a:rPr>
+              <a:t>Mobile Programming 2021</a:t>
+            </a:r>
+            <a:endParaRPr b="0" lang="it-IT" sz="1800" spc="-1" strike="noStrike">
+              <a:latin typeface="Arial"/>
+            </a:endParaRPr>
+          </a:p>
+        </p:txBody>
+      </p:sp>
+      <p:sp>
+        <p:nvSpPr>
+          <p:cNvPr id="138" name="CustomShape 3"/>
+          <p:cNvSpPr/>
+          <p:nvPr/>
+        </p:nvSpPr>
+        <p:spPr>
+          <a:xfrm>
+            <a:off x="1152000" y="936000"/>
+            <a:ext cx="6695640" cy="638280"/>
+          </a:xfrm>
+          <a:prstGeom prst="rect">
+            <a:avLst/>
+          </a:prstGeom>
+          <a:noFill/>
+          <a:ln>
+            <a:noFill/>
+          </a:ln>
+        </p:spPr>
+        <p:style>
+          <a:lnRef idx="0"/>
+          <a:fillRef idx="0"/>
+          <a:effectRef idx="0"/>
+          <a:fontRef idx="minor"/>
+        </p:style>
+        <p:txBody>
+          <a:bodyPr lIns="90000" rIns="90000" tIns="45000" bIns="45000">
+            <a:spAutoFit/>
+          </a:bodyPr>
+          <a:p>
+            <a:pPr>
+              <a:lnSpc>
+                <a:spcPct val="100000"/>
+              </a:lnSpc>
+            </a:pPr>
+            <a:r>
+              <a:rPr b="1" i="1" lang="it-IT" sz="3600" spc="-1" strike="noStrike">
+                <a:solidFill>
+                  <a:srgbClr val="996633"/>
+                </a:solidFill>
+                <a:latin typeface="Times New Roman"/>
+                <a:ea typeface="DejaVu Sans"/>
+              </a:rPr>
+              <a:t>Framework di controllo ortografico</a:t>
+            </a:r>
+            <a:endParaRPr b="0" lang="it-IT" sz="3600" spc="-1" strike="noStrike">
+              <a:latin typeface="Arial"/>
+            </a:endParaRPr>
+          </a:p>
+        </p:txBody>
+      </p:sp>
+      <p:sp>
+        <p:nvSpPr>
+          <p:cNvPr id="139" name="CustomShape 4"/>
+          <p:cNvSpPr/>
+          <p:nvPr/>
+        </p:nvSpPr>
+        <p:spPr>
+          <a:xfrm>
+            <a:off x="1008000" y="2260440"/>
+            <a:ext cx="7919640" cy="2523240"/>
+          </a:xfrm>
+          <a:prstGeom prst="rect">
+            <a:avLst/>
+          </a:prstGeom>
+          <a:noFill/>
+          <a:ln>
+            <a:noFill/>
+          </a:ln>
+        </p:spPr>
+        <p:style>
+          <a:lnRef idx="0"/>
+          <a:fillRef idx="0"/>
+          <a:effectRef idx="0"/>
+          <a:fontRef idx="minor"/>
+        </p:style>
+        <p:txBody>
+          <a:bodyPr lIns="90000" rIns="90000" tIns="45000" bIns="45000">
+            <a:spAutoFit/>
+          </a:bodyPr>
+          <a:p>
+            <a:pPr marL="216000" indent="-215640">
+              <a:lnSpc>
+                <a:spcPct val="100000"/>
+              </a:lnSpc>
+              <a:buClr>
+                <a:srgbClr val="000000"/>
+              </a:buClr>
+              <a:buSzPct val="45000"/>
+              <a:buFont typeface="Wingdings" charset="2"/>
+              <a:buChar char=""/>
+            </a:pPr>
+            <a:r>
+              <a:rPr b="0" lang="it-IT" sz="1600" spc="-1" strike="noStrike">
+                <a:solidFill>
+                  <a:srgbClr val="202124"/>
+                </a:solidFill>
+                <a:latin typeface="Times New Roman"/>
+                <a:ea typeface="Arial"/>
+              </a:rPr>
+              <a:t>La piattaforma Android offre un framework di controllo ortografico che ti consente di implementare e accedere al controllo ortografico nella tua applicazione. </a:t>
+            </a:r>
+            <a:endParaRPr b="0" lang="it-IT" sz="1600" spc="-1" strike="noStrike">
+              <a:latin typeface="Arial"/>
+            </a:endParaRPr>
+          </a:p>
+          <a:p>
+            <a:pPr>
+              <a:lnSpc>
+                <a:spcPct val="100000"/>
+              </a:lnSpc>
+            </a:pPr>
+            <a:endParaRPr b="0" lang="it-IT" sz="1600" spc="-1" strike="noStrike">
+              <a:latin typeface="Arial"/>
+            </a:endParaRPr>
+          </a:p>
+          <a:p>
+            <a:pPr>
+              <a:lnSpc>
+                <a:spcPct val="100000"/>
+              </a:lnSpc>
+            </a:pPr>
+            <a:endParaRPr b="0" lang="it-IT" sz="1600" spc="-1" strike="noStrike">
+              <a:latin typeface="Arial"/>
+            </a:endParaRPr>
+          </a:p>
+          <a:p>
+            <a:pPr marL="216000" indent="-215640">
+              <a:lnSpc>
+                <a:spcPct val="100000"/>
+              </a:lnSpc>
+              <a:buClr>
+                <a:srgbClr val="000000"/>
+              </a:buClr>
+              <a:buSzPct val="45000"/>
+              <a:buFont typeface="Wingdings" charset="2"/>
+              <a:buChar char=""/>
+            </a:pPr>
+            <a:r>
+              <a:rPr b="0" lang="it-IT" sz="1600" spc="-1" strike="noStrike">
+                <a:solidFill>
+                  <a:srgbClr val="202124"/>
+                </a:solidFill>
+                <a:latin typeface="Times New Roman"/>
+                <a:ea typeface="Arial"/>
+              </a:rPr>
+              <a:t>Il framework è una delle API del servizio di testo offerte dalla piattaforma Android.</a:t>
+            </a:r>
+            <a:endParaRPr b="0" lang="it-IT" sz="1600" spc="-1" strike="noStrike">
+              <a:latin typeface="Arial"/>
+            </a:endParaRPr>
+          </a:p>
+          <a:p>
+            <a:pPr>
+              <a:lnSpc>
+                <a:spcPct val="100000"/>
+              </a:lnSpc>
+            </a:pPr>
+            <a:endParaRPr b="0" lang="it-IT" sz="1600" spc="-1" strike="noStrike">
+              <a:latin typeface="Arial"/>
+            </a:endParaRPr>
+          </a:p>
+          <a:p>
+            <a:pPr>
+              <a:lnSpc>
+                <a:spcPct val="100000"/>
+              </a:lnSpc>
+            </a:pPr>
+            <a:endParaRPr b="0" lang="it-IT" sz="1600" spc="-1" strike="noStrike">
+              <a:latin typeface="Arial"/>
+            </a:endParaRPr>
+          </a:p>
+          <a:p>
+            <a:pPr marL="216000" indent="-215640">
+              <a:lnSpc>
+                <a:spcPct val="100000"/>
+              </a:lnSpc>
+              <a:buClr>
+                <a:srgbClr val="000000"/>
+              </a:buClr>
+              <a:buSzPct val="45000"/>
+              <a:buFont typeface="Wingdings" charset="2"/>
+              <a:buChar char=""/>
+            </a:pPr>
+            <a:r>
+              <a:rPr b="0" lang="it-IT" sz="1600" spc="-1" strike="noStrike">
+                <a:solidFill>
+                  <a:srgbClr val="202124"/>
+                </a:solidFill>
+                <a:latin typeface="Times New Roman"/>
+                <a:ea typeface="Arial"/>
+              </a:rPr>
+              <a:t>Per usare il framework nella tua app, crei un tipo speciale di servizio Android che genera un oggetto sessione del </a:t>
+            </a:r>
+            <a:r>
+              <a:rPr b="1" lang="it-IT" sz="1600" spc="-1" strike="noStrike">
+                <a:solidFill>
+                  <a:srgbClr val="202124"/>
+                </a:solidFill>
+                <a:latin typeface="Times New Roman"/>
+                <a:ea typeface="Arial"/>
+              </a:rPr>
+              <a:t>correttore ortografico.</a:t>
+            </a:r>
+            <a:r>
+              <a:rPr b="0" lang="it-IT" sz="1600" spc="-1" strike="noStrike">
+                <a:solidFill>
+                  <a:srgbClr val="202124"/>
+                </a:solidFill>
+                <a:latin typeface="Times New Roman"/>
+                <a:ea typeface="Arial"/>
+              </a:rPr>
+              <a:t> In base al testo fornito, l'oggetto sessione restituisce suggerimenti ortografici generati dal correttore ortografico.</a:t>
+            </a:r>
+            <a:endParaRPr b="0" lang="it-IT" sz="1600" spc="-1" strike="noStrike">
+              <a:latin typeface="Arial"/>
+            </a:endParaRPr>
+          </a:p>
+        </p:txBody>
+      </p:sp>
+    </p:spTree>
+  </p:cSld>
+  <mc:AlternateContent>
+    <mc:Choice Requires="p14">
+      <p:transition spd="slow" p14:dur="2000"/>
+    </mc:Choice>
+    <mc:Fallback>
+      <p:transition spd="slow"/>
+    </mc:Fallback>
+  </mc:AlternateContent>
+  <p:timing>
+    <p:tnLst>
+      <p:par>
+        <p:cTn id="19" dur="indefinite" restart="never" nodeType="tmRoot">
+          <p:childTnLst>
+            <p:seq>
+              <p:cTn id="20" dur="indefinite" nodeType="mainSeq"/>
+              <p:prevCondLst>
+                <p:cond delay="0" evt="onPrev">
+                  <p:tgtEl>
+                    <p:sldTgt/>
+                  </p:tgtEl>
+                </p:cond>
+              </p:prevCondLst>
+              <p:nextCondLst>
+                <p:cond delay="0" evt="onNext">
+                  <p:tgtEl>
+                    <p:sldTgt/>
+                  </p:tgtEl>
+                </p:cond>
+              </p:nextCondLst>
+            </p:seq>
+          </p:childTnLst>
+        </p:cTn>
+      </p:par>
+    </p:tnLst>
+  </p:timing>
+</p:sld>
+</file>
+
+<file path=ppt/slides/slide11.xml><?xml version="1.0" encoding="utf-8"?>
+<p:sld xmlns:a="http://schemas.openxmlformats.org/drawingml/2006/main" xmlns:p="http://schemas.openxmlformats.org/presentationml/2006/main" xmlns:r="http://schemas.openxmlformats.org/officeDocument/2006/relationships" xmlns:p14="http://schemas.microsoft.com/office/powerpoint/2010/main" xmlns:p15="http://schemas.microsoft.com/office/powerpoint/2012/main" xmlns:mc="http://schemas.openxmlformats.org/markup-compatibility/2006">
+  <p:cSld>
+    <p:spTree>
+      <p:nvGrpSpPr>
+        <p:cNvPr id="1" name=""/>
+        <p:cNvGrpSpPr/>
+        <p:nvPr/>
+      </p:nvGrpSpPr>
+      <p:grpSpPr>
+        <a:xfrm>
+          <a:off x="0" y="0"/>
+          <a:ext cx="0" cy="0"/>
+          <a:chOff x="0" y="0"/>
+          <a:chExt cx="0" cy="0"/>
+        </a:xfrm>
+      </p:grpSpPr>
+      <p:sp>
+        <p:nvSpPr>
+          <p:cNvPr id="140" name="CustomShape 1"/>
+          <p:cNvSpPr/>
+          <p:nvPr/>
+        </p:nvSpPr>
+        <p:spPr>
+          <a:xfrm>
+            <a:off x="868680" y="6480000"/>
+            <a:ext cx="570960" cy="455400"/>
+          </a:xfrm>
+          <a:prstGeom prst="rect">
+            <a:avLst/>
+          </a:prstGeom>
+          <a:noFill/>
+          <a:ln>
+            <a:noFill/>
+          </a:ln>
+        </p:spPr>
+        <p:style>
+          <a:lnRef idx="0"/>
+          <a:fillRef idx="0"/>
+          <a:effectRef idx="0"/>
+          <a:fontRef idx="minor"/>
+        </p:style>
+        <p:txBody>
+          <a:bodyPr lIns="90000" rIns="90000" tIns="45000" bIns="45000">
+            <a:spAutoFit/>
+          </a:bodyPr>
+          <a:p>
+            <a:pPr>
+              <a:lnSpc>
+                <a:spcPct val="100000"/>
+              </a:lnSpc>
+            </a:pPr>
+            <a:fld id="{8087F8D6-37AA-4C96-8FA4-CFD2A8B751E0}" type="slidenum">
+              <a:rPr b="0" lang="it-IT" sz="2400" spc="-1" strike="noStrike">
+                <a:solidFill>
+                  <a:srgbClr val="000000"/>
+                </a:solidFill>
+                <a:latin typeface="Times New Roman"/>
+                <a:ea typeface="DejaVu Sans"/>
+              </a:rPr>
+              <a:t>1</a:t>
+            </a:fld>
+            <a:endParaRPr b="0" lang="it-IT" sz="2400" spc="-1" strike="noStrike">
+              <a:latin typeface="Arial"/>
+            </a:endParaRPr>
+          </a:p>
+        </p:txBody>
+      </p:sp>
+      <p:pic>
+        <p:nvPicPr>
+          <p:cNvPr id="141" name="" descr=""/>
+          <p:cNvPicPr/>
+          <p:nvPr/>
+        </p:nvPicPr>
+        <p:blipFill>
+          <a:blip r:embed="rId1"/>
+          <a:stretch/>
+        </p:blipFill>
+        <p:spPr>
+          <a:xfrm>
+            <a:off x="8140680" y="720000"/>
+            <a:ext cx="930960" cy="934560"/>
+          </a:xfrm>
+          <a:prstGeom prst="rect">
+            <a:avLst/>
+          </a:prstGeom>
+          <a:ln>
+            <a:noFill/>
+          </a:ln>
+        </p:spPr>
+      </p:pic>
+      <p:sp>
+        <p:nvSpPr>
+          <p:cNvPr id="142" name="CustomShape 2"/>
+          <p:cNvSpPr/>
+          <p:nvPr/>
+        </p:nvSpPr>
+        <p:spPr>
+          <a:xfrm>
+            <a:off x="3676680" y="6558120"/>
+            <a:ext cx="2662560" cy="273960"/>
+          </a:xfrm>
+          <a:prstGeom prst="rect">
+            <a:avLst/>
+          </a:prstGeom>
+          <a:noFill/>
+          <a:ln>
+            <a:noFill/>
+          </a:ln>
+        </p:spPr>
+        <p:style>
+          <a:lnRef idx="0"/>
+          <a:fillRef idx="0"/>
+          <a:effectRef idx="0"/>
+          <a:fontRef idx="minor"/>
+        </p:style>
+        <p:txBody>
+          <a:bodyPr lIns="0" rIns="0" tIns="0" bIns="0" anchor="ctr">
+            <a:spAutoFit/>
+          </a:bodyPr>
+          <a:p>
+            <a:pPr algn="ctr">
+              <a:lnSpc>
+                <a:spcPct val="100000"/>
+              </a:lnSpc>
+            </a:pPr>
+            <a:r>
+              <a:rPr b="0" lang="it-IT" sz="1800" spc="-1" strike="noStrike">
+                <a:solidFill>
+                  <a:srgbClr val="999999"/>
+                </a:solidFill>
+                <a:latin typeface="Times New Roman"/>
+                <a:ea typeface="DejaVu Sans"/>
+              </a:rPr>
+              <a:t>Mobile Programming 2021</a:t>
+            </a:r>
+            <a:endParaRPr b="0" lang="it-IT" sz="1800" spc="-1" strike="noStrike">
+              <a:latin typeface="Arial"/>
+            </a:endParaRPr>
+          </a:p>
+        </p:txBody>
+      </p:sp>
+      <p:pic>
+        <p:nvPicPr>
+          <p:cNvPr id="143" name="" descr=""/>
+          <p:cNvPicPr/>
+          <p:nvPr/>
+        </p:nvPicPr>
+        <p:blipFill>
+          <a:blip r:embed="rId2"/>
+          <a:stretch/>
+        </p:blipFill>
+        <p:spPr>
+          <a:xfrm>
+            <a:off x="849240" y="864000"/>
+            <a:ext cx="3758400" cy="5346720"/>
+          </a:xfrm>
+          <a:prstGeom prst="rect">
+            <a:avLst/>
+          </a:prstGeom>
+          <a:ln>
+            <a:noFill/>
+          </a:ln>
+        </p:spPr>
+      </p:pic>
+      <p:sp>
+        <p:nvSpPr>
+          <p:cNvPr id="144" name="CustomShape 3"/>
+          <p:cNvSpPr/>
+          <p:nvPr/>
+        </p:nvSpPr>
+        <p:spPr>
+          <a:xfrm>
+            <a:off x="4958280" y="1296000"/>
+            <a:ext cx="2889360" cy="819720"/>
+          </a:xfrm>
+          <a:prstGeom prst="rect">
+            <a:avLst/>
+          </a:prstGeom>
+          <a:noFill/>
+          <a:ln>
+            <a:noFill/>
+          </a:ln>
+        </p:spPr>
+        <p:style>
+          <a:lnRef idx="0"/>
+          <a:fillRef idx="0"/>
+          <a:effectRef idx="0"/>
+          <a:fontRef idx="minor"/>
+        </p:style>
+        <p:txBody>
+          <a:bodyPr lIns="90000" rIns="90000" tIns="45000" bIns="45000">
+            <a:spAutoFit/>
+          </a:bodyPr>
+          <a:p>
+            <a:pPr>
+              <a:lnSpc>
+                <a:spcPct val="100000"/>
+              </a:lnSpc>
+            </a:pPr>
+            <a:r>
+              <a:rPr b="0" lang="it-IT" sz="1600" spc="-1" strike="noStrike">
+                <a:solidFill>
+                  <a:srgbClr val="202124"/>
+                </a:solidFill>
+                <a:latin typeface="Times New Roman"/>
+                <a:ea typeface="Arial"/>
+              </a:rPr>
+              <a:t>Il diagramma seguente mostra il ciclo di vita del servizio correttore ortografico.</a:t>
+            </a:r>
+            <a:endParaRPr b="0" lang="it-IT" sz="1600" spc="-1" strike="noStrike">
+              <a:latin typeface="Arial"/>
+            </a:endParaRPr>
+          </a:p>
+        </p:txBody>
+      </p:sp>
+      <p:sp>
+        <p:nvSpPr>
+          <p:cNvPr id="145" name="CustomShape 4"/>
+          <p:cNvSpPr/>
+          <p:nvPr/>
+        </p:nvSpPr>
+        <p:spPr>
+          <a:xfrm>
+            <a:off x="4896000" y="2437560"/>
+            <a:ext cx="4319640" cy="3983400"/>
+          </a:xfrm>
+          <a:prstGeom prst="rect">
+            <a:avLst/>
+          </a:prstGeom>
+          <a:noFill/>
+          <a:ln>
+            <a:noFill/>
+          </a:ln>
+        </p:spPr>
+        <p:style>
+          <a:lnRef idx="0"/>
+          <a:fillRef idx="0"/>
+          <a:effectRef idx="0"/>
+          <a:fontRef idx="minor"/>
+        </p:style>
+        <p:txBody>
+          <a:bodyPr lIns="90000" rIns="90000" tIns="45000" bIns="45000">
+            <a:spAutoFit/>
+          </a:bodyPr>
+          <a:p>
+            <a:pPr>
+              <a:lnSpc>
+                <a:spcPct val="100000"/>
+              </a:lnSpc>
+            </a:pPr>
+            <a:r>
+              <a:rPr b="0" lang="it-IT" sz="1600" spc="-1" strike="noStrike">
+                <a:solidFill>
+                  <a:srgbClr val="202124"/>
+                </a:solidFill>
+                <a:latin typeface="Times New Roman"/>
+                <a:ea typeface="Arial"/>
+              </a:rPr>
+              <a:t>Per avviare il controllo ortografico vengono seguiti alcuni step:</a:t>
+            </a:r>
+            <a:endParaRPr b="0" lang="it-IT" sz="1600" spc="-1" strike="noStrike">
+              <a:latin typeface="Arial"/>
+            </a:endParaRPr>
+          </a:p>
+          <a:p>
+            <a:pPr>
+              <a:lnSpc>
+                <a:spcPct val="100000"/>
+              </a:lnSpc>
+            </a:pPr>
+            <a:endParaRPr b="0" lang="it-IT" sz="1600" spc="-1" strike="noStrike">
+              <a:latin typeface="Arial"/>
+            </a:endParaRPr>
+          </a:p>
+          <a:p>
+            <a:pPr marL="216000" indent="-215640">
+              <a:lnSpc>
+                <a:spcPct val="100000"/>
+              </a:lnSpc>
+              <a:buClr>
+                <a:srgbClr val="000000"/>
+              </a:buClr>
+              <a:buFont typeface="StarSymbol"/>
+              <a:buAutoNum type="arabicParenR"/>
+            </a:pPr>
+            <a:r>
+              <a:rPr b="0" lang="it-IT" sz="1600" spc="-1" strike="noStrike">
+                <a:solidFill>
+                  <a:srgbClr val="202124"/>
+                </a:solidFill>
+                <a:latin typeface="Times New Roman"/>
+                <a:ea typeface="Arial"/>
+              </a:rPr>
+              <a:t>l'app avvia l'implementazione del servizio di controllo ortografico. </a:t>
+            </a:r>
+            <a:endParaRPr b="0" lang="it-IT" sz="1600" spc="-1" strike="noStrike">
+              <a:latin typeface="Arial"/>
+            </a:endParaRPr>
+          </a:p>
+          <a:p>
+            <a:pPr>
+              <a:lnSpc>
+                <a:spcPct val="100000"/>
+              </a:lnSpc>
+            </a:pPr>
+            <a:endParaRPr b="0" lang="it-IT" sz="1600" spc="-1" strike="noStrike">
+              <a:latin typeface="Arial"/>
+            </a:endParaRPr>
+          </a:p>
+          <a:p>
+            <a:pPr marL="216000" indent="-215640">
+              <a:lnSpc>
+                <a:spcPct val="100000"/>
+              </a:lnSpc>
+              <a:buClr>
+                <a:srgbClr val="000000"/>
+              </a:buClr>
+              <a:buFont typeface="StarSymbol"/>
+              <a:buAutoNum type="arabicParenR"/>
+            </a:pPr>
+            <a:r>
+              <a:rPr b="0" lang="it-IT" sz="1600" spc="-1" strike="noStrike">
+                <a:solidFill>
+                  <a:srgbClr val="202124"/>
+                </a:solidFill>
+                <a:latin typeface="Times New Roman"/>
+                <a:ea typeface="Arial"/>
+              </a:rPr>
+              <a:t>I client dell'app, ad esempio attività o singoli elementi dell'interfaccia utente, richiedono una sessione di controllo ortografico al servizio, quindi usano la sessione per ottenere suggerimenti per il testo. </a:t>
+            </a:r>
+            <a:endParaRPr b="0" lang="it-IT" sz="1600" spc="-1" strike="noStrike">
+              <a:latin typeface="Arial"/>
+            </a:endParaRPr>
+          </a:p>
+          <a:p>
+            <a:pPr>
+              <a:lnSpc>
+                <a:spcPct val="100000"/>
+              </a:lnSpc>
+            </a:pPr>
+            <a:endParaRPr b="0" lang="it-IT" sz="1600" spc="-1" strike="noStrike">
+              <a:latin typeface="Arial"/>
+            </a:endParaRPr>
+          </a:p>
+          <a:p>
+            <a:pPr marL="216000" indent="-215640">
+              <a:lnSpc>
+                <a:spcPct val="100000"/>
+              </a:lnSpc>
+              <a:buClr>
+                <a:srgbClr val="000000"/>
+              </a:buClr>
+              <a:buFont typeface="StarSymbol"/>
+              <a:buAutoNum type="arabicParenR"/>
+            </a:pPr>
+            <a:r>
+              <a:rPr b="0" lang="it-IT" sz="1600" spc="-1" strike="noStrike">
+                <a:solidFill>
+                  <a:srgbClr val="202124"/>
+                </a:solidFill>
+                <a:latin typeface="Times New Roman"/>
+                <a:ea typeface="Arial"/>
+              </a:rPr>
+              <a:t>Quando un client termina il funzionamento, chiude la sessione del correttore ortografico. Se necessario, l'app può arrestare il servizio di controllo ortografico in qualsiasi momento.</a:t>
+            </a:r>
+            <a:endParaRPr b="0" lang="it-IT" sz="1600" spc="-1" strike="noStrike">
+              <a:latin typeface="Arial"/>
+            </a:endParaRPr>
+          </a:p>
+        </p:txBody>
+      </p:sp>
+    </p:spTree>
+  </p:cSld>
+  <mc:AlternateContent>
+    <mc:Choice Requires="p14">
+      <p:transition spd="slow" p14:dur="2000"/>
+    </mc:Choice>
+    <mc:Fallback>
+      <p:transition spd="slow"/>
+    </mc:Fallback>
+  </mc:AlternateContent>
+  <p:timing>
+    <p:tnLst>
+      <p:par>
+        <p:cTn id="21" dur="indefinite" restart="never" nodeType="tmRoot">
+          <p:childTnLst>
+            <p:seq>
+              <p:cTn id="22" dur="indefinite" nodeType="mainSeq"/>
+              <p:prevCondLst>
+                <p:cond delay="0" evt="onPrev">
+                  <p:tgtEl>
+                    <p:sldTgt/>
+                  </p:tgtEl>
+                </p:cond>
+              </p:prevCondLst>
+              <p:nextCondLst>
+                <p:cond delay="0" evt="onNext">
+                  <p:tgtEl>
+                    <p:sldTgt/>
+                  </p:tgtEl>
+                </p:cond>
+              </p:nextCondLst>
+            </p:seq>
+          </p:childTnLst>
+        </p:cTn>
+      </p:par>
+    </p:tnLst>
+  </p:timing>
+</p:sld>
+</file>
+
+<file path=ppt/slides/slide12.xml><?xml version="1.0" encoding="utf-8"?>
+<p:sld xmlns:a="http://schemas.openxmlformats.org/drawingml/2006/main" xmlns:p="http://schemas.openxmlformats.org/presentationml/2006/main" xmlns:r="http://schemas.openxmlformats.org/officeDocument/2006/relationships" xmlns:p14="http://schemas.microsoft.com/office/powerpoint/2010/main" xmlns:p15="http://schemas.microsoft.com/office/powerpoint/2012/main" xmlns:mc="http://schemas.openxmlformats.org/markup-compatibility/2006">
+  <p:cSld>
+    <p:spTree>
+      <p:nvGrpSpPr>
+        <p:cNvPr id="1" name=""/>
+        <p:cNvGrpSpPr/>
+        <p:nvPr/>
+      </p:nvGrpSpPr>
+      <p:grpSpPr>
+        <a:xfrm>
+          <a:off x="0" y="0"/>
+          <a:ext cx="0" cy="0"/>
+          <a:chOff x="0" y="0"/>
+          <a:chExt cx="0" cy="0"/>
+        </a:xfrm>
+      </p:grpSpPr>
+      <p:sp>
+        <p:nvSpPr>
+          <p:cNvPr id="146" name="CustomShape 1"/>
+          <p:cNvSpPr/>
+          <p:nvPr/>
+        </p:nvSpPr>
+        <p:spPr>
+          <a:xfrm>
+            <a:off x="868680" y="6480000"/>
+            <a:ext cx="570960" cy="455400"/>
+          </a:xfrm>
+          <a:prstGeom prst="rect">
+            <a:avLst/>
+          </a:prstGeom>
+          <a:noFill/>
+          <a:ln>
+            <a:noFill/>
+          </a:ln>
+        </p:spPr>
+        <p:style>
+          <a:lnRef idx="0"/>
+          <a:fillRef idx="0"/>
+          <a:effectRef idx="0"/>
+          <a:fontRef idx="minor"/>
+        </p:style>
+        <p:txBody>
+          <a:bodyPr lIns="90000" rIns="90000" tIns="45000" bIns="45000">
+            <a:spAutoFit/>
+          </a:bodyPr>
+          <a:p>
+            <a:pPr>
+              <a:lnSpc>
+                <a:spcPct val="100000"/>
+              </a:lnSpc>
+            </a:pPr>
+            <a:fld id="{7965248E-5678-4F87-AB15-0C9302E358C3}" type="slidenum">
+              <a:rPr b="0" lang="it-IT" sz="2400" spc="-1" strike="noStrike">
+                <a:solidFill>
+                  <a:srgbClr val="000000"/>
+                </a:solidFill>
+                <a:latin typeface="Times New Roman"/>
+                <a:ea typeface="DejaVu Sans"/>
+              </a:rPr>
+              <a:t>1</a:t>
+            </a:fld>
+            <a:endParaRPr b="0" lang="it-IT" sz="2400" spc="-1" strike="noStrike">
+              <a:latin typeface="Arial"/>
+            </a:endParaRPr>
+          </a:p>
+        </p:txBody>
+      </p:sp>
+      <p:pic>
+        <p:nvPicPr>
+          <p:cNvPr id="147" name="" descr=""/>
+          <p:cNvPicPr/>
+          <p:nvPr/>
+        </p:nvPicPr>
+        <p:blipFill>
+          <a:blip r:embed="rId1"/>
+          <a:stretch/>
+        </p:blipFill>
+        <p:spPr>
+          <a:xfrm>
+            <a:off x="8140680" y="720000"/>
+            <a:ext cx="930960" cy="934560"/>
+          </a:xfrm>
+          <a:prstGeom prst="rect">
+            <a:avLst/>
+          </a:prstGeom>
+          <a:ln>
+            <a:noFill/>
+          </a:ln>
+        </p:spPr>
+      </p:pic>
+      <p:sp>
+        <p:nvSpPr>
+          <p:cNvPr id="148" name="CustomShape 2"/>
+          <p:cNvSpPr/>
+          <p:nvPr/>
+        </p:nvSpPr>
+        <p:spPr>
+          <a:xfrm>
+            <a:off x="3676680" y="6558120"/>
+            <a:ext cx="2662560" cy="273960"/>
+          </a:xfrm>
+          <a:prstGeom prst="rect">
+            <a:avLst/>
+          </a:prstGeom>
+          <a:noFill/>
+          <a:ln>
+            <a:noFill/>
+          </a:ln>
+        </p:spPr>
+        <p:style>
+          <a:lnRef idx="0"/>
+          <a:fillRef idx="0"/>
+          <a:effectRef idx="0"/>
+          <a:fontRef idx="minor"/>
+        </p:style>
+        <p:txBody>
+          <a:bodyPr lIns="0" rIns="0" tIns="0" bIns="0" anchor="ctr">
+            <a:spAutoFit/>
+          </a:bodyPr>
+          <a:p>
+            <a:pPr algn="ctr">
+              <a:lnSpc>
+                <a:spcPct val="100000"/>
+              </a:lnSpc>
+            </a:pPr>
+            <a:r>
+              <a:rPr b="0" lang="it-IT" sz="1800" spc="-1" strike="noStrike">
+                <a:solidFill>
+                  <a:srgbClr val="999999"/>
+                </a:solidFill>
+                <a:latin typeface="Times New Roman"/>
+                <a:ea typeface="DejaVu Sans"/>
+              </a:rPr>
+              <a:t>Mobile Programming 2021</a:t>
+            </a:r>
+            <a:endParaRPr b="0" lang="it-IT" sz="1800" spc="-1" strike="noStrike">
+              <a:latin typeface="Arial"/>
+            </a:endParaRPr>
+          </a:p>
+        </p:txBody>
+      </p:sp>
+      <p:sp>
+        <p:nvSpPr>
+          <p:cNvPr id="149" name="CustomShape 3"/>
+          <p:cNvSpPr/>
+          <p:nvPr/>
+        </p:nvSpPr>
+        <p:spPr>
+          <a:xfrm>
+            <a:off x="792000" y="1224360"/>
+            <a:ext cx="8351640" cy="5231880"/>
+          </a:xfrm>
+          <a:prstGeom prst="rect">
+            <a:avLst/>
+          </a:prstGeom>
+          <a:noFill/>
+          <a:ln>
+            <a:noFill/>
+          </a:ln>
+        </p:spPr>
+        <p:style>
+          <a:lnRef idx="0"/>
+          <a:fillRef idx="0"/>
+          <a:effectRef idx="0"/>
+          <a:fontRef idx="minor"/>
+        </p:style>
+        <p:txBody>
+          <a:bodyPr lIns="90000" rIns="90000" tIns="45000" bIns="45000">
+            <a:spAutoFit/>
+          </a:bodyPr>
+          <a:p>
+            <a:pPr>
+              <a:lnSpc>
+                <a:spcPct val="100000"/>
+              </a:lnSpc>
+            </a:pPr>
+            <a:r>
+              <a:rPr b="0" lang="it-IT" sz="1600" spc="-1" strike="noStrike">
+                <a:solidFill>
+                  <a:srgbClr val="000000"/>
+                </a:solidFill>
+                <a:latin typeface="Times New Roman"/>
+                <a:ea typeface="Arial"/>
+              </a:rPr>
+              <a:t>Per usare il framework nell’app bisogna definire alcune classi di controllo grafico:</a:t>
+            </a:r>
+            <a:endParaRPr b="0" lang="it-IT" sz="1600" spc="-1" strike="noStrike">
+              <a:latin typeface="Arial"/>
+            </a:endParaRPr>
+          </a:p>
+          <a:p>
+            <a:pPr>
+              <a:lnSpc>
+                <a:spcPct val="100000"/>
+              </a:lnSpc>
+            </a:pPr>
+            <a:endParaRPr b="0" lang="it-IT" sz="1600" spc="-1" strike="noStrike">
+              <a:latin typeface="Arial"/>
+            </a:endParaRPr>
+          </a:p>
+          <a:p>
+            <a:pPr>
+              <a:lnSpc>
+                <a:spcPct val="100000"/>
+              </a:lnSpc>
+            </a:pPr>
+            <a:endParaRPr b="0" lang="it-IT" sz="1600" spc="-1" strike="noStrike">
+              <a:latin typeface="Arial"/>
+            </a:endParaRPr>
+          </a:p>
+          <a:p>
+            <a:pPr marL="216000" indent="-215640">
+              <a:lnSpc>
+                <a:spcPct val="100000"/>
+              </a:lnSpc>
+              <a:buClr>
+                <a:srgbClr val="000000"/>
+              </a:buClr>
+              <a:buSzPct val="45000"/>
+              <a:buFont typeface="Wingdings" charset="2"/>
+              <a:buChar char=""/>
+            </a:pPr>
+            <a:r>
+              <a:rPr b="1" lang="it-IT" sz="1600" spc="-1" strike="noStrike">
+                <a:solidFill>
+                  <a:srgbClr val="000000"/>
+                </a:solidFill>
+                <a:latin typeface="Times New Roman"/>
+                <a:ea typeface="Arial"/>
+              </a:rPr>
+              <a:t>Una sottoclasse di </a:t>
+            </a:r>
+            <a:r>
+              <a:rPr b="1" lang="it-IT" sz="1600" spc="-1" strike="noStrike">
+                <a:solidFill>
+                  <a:srgbClr val="000000"/>
+                </a:solidFill>
+                <a:latin typeface="Times New Roman"/>
+                <a:ea typeface="Courier New"/>
+              </a:rPr>
+              <a:t>SpellCheckerService</a:t>
+            </a:r>
+            <a:r>
+              <a:rPr b="0" lang="it-IT" sz="1600" spc="-1" strike="noStrike">
+                <a:solidFill>
+                  <a:srgbClr val="000000"/>
+                </a:solidFill>
+                <a:latin typeface="Times New Roman"/>
+                <a:ea typeface="Courier New"/>
+              </a:rPr>
+              <a:t>: </a:t>
+            </a:r>
+            <a:r>
+              <a:rPr b="0" lang="it-IT" sz="1600" spc="-1" strike="noStrike">
+                <a:solidFill>
+                  <a:srgbClr val="000000"/>
+                </a:solidFill>
+                <a:latin typeface="Times New Roman"/>
+                <a:ea typeface="Arial"/>
+              </a:rPr>
+              <a:t>Implementa sia la classe che l'interfaccia del framework del correttore ortografico. All'interno della sottoclasse è necessario implementare il metodo seguente:</a:t>
+            </a:r>
+            <a:endParaRPr b="0" lang="it-IT" sz="1600" spc="-1" strike="noStrike">
+              <a:latin typeface="Arial"/>
+            </a:endParaRPr>
+          </a:p>
+          <a:p>
+            <a:pPr lvl="1" marL="432000" indent="-215640">
+              <a:lnSpc>
+                <a:spcPts val="1800"/>
+              </a:lnSpc>
+              <a:spcBef>
+                <a:spcPts val="1199"/>
+              </a:spcBef>
+              <a:spcAft>
+                <a:spcPts val="1199"/>
+              </a:spcAft>
+              <a:buClr>
+                <a:srgbClr val="000000"/>
+              </a:buClr>
+              <a:buSzPct val="45000"/>
+              <a:buFont typeface="Wingdings" charset="2"/>
+              <a:buChar char=""/>
+            </a:pPr>
+            <a:r>
+              <a:rPr b="1" lang="it-IT" sz="1600" spc="-1" strike="noStrike">
+                <a:solidFill>
+                  <a:srgbClr val="000000"/>
+                </a:solidFill>
+                <a:latin typeface="Times New Roman"/>
+                <a:ea typeface="Arial"/>
+              </a:rPr>
+              <a:t>CreateSession</a:t>
+            </a:r>
+            <a:r>
+              <a:rPr b="0" lang="it-IT" sz="1600" spc="-1" strike="noStrike">
+                <a:solidFill>
+                  <a:srgbClr val="000000"/>
+                </a:solidFill>
+                <a:latin typeface="Times New Roman"/>
+                <a:ea typeface="Arial"/>
+              </a:rPr>
+              <a:t>() : Metodo factory che restituisce un oggetto a un client che desidera eseguire il controllo ortografico: </a:t>
+            </a:r>
+            <a:r>
+              <a:rPr b="0" lang="it-IT" sz="1600" spc="-1" strike="noStrike">
+                <a:solidFill>
+                  <a:srgbClr val="000000"/>
+                </a:solidFill>
+                <a:latin typeface="Times New Roman"/>
+                <a:ea typeface="Courier New"/>
+              </a:rPr>
+              <a:t>SpellCheckerService.Session</a:t>
+            </a:r>
+            <a:endParaRPr b="0" lang="it-IT" sz="1600" spc="-1" strike="noStrike">
+              <a:latin typeface="Arial"/>
+            </a:endParaRPr>
+          </a:p>
+          <a:p>
+            <a:pPr>
+              <a:lnSpc>
+                <a:spcPct val="100000"/>
+              </a:lnSpc>
+            </a:pPr>
+            <a:endParaRPr b="0" lang="it-IT" sz="1600" spc="-1" strike="noStrike">
+              <a:latin typeface="Arial"/>
+            </a:endParaRPr>
+          </a:p>
+          <a:p>
+            <a:pPr marL="216000" indent="-215640">
+              <a:lnSpc>
+                <a:spcPct val="100000"/>
+              </a:lnSpc>
+              <a:buClr>
+                <a:srgbClr val="000000"/>
+              </a:buClr>
+              <a:buSzPct val="45000"/>
+              <a:buFont typeface="Wingdings" charset="2"/>
+              <a:buChar char=""/>
+            </a:pPr>
+            <a:r>
+              <a:rPr b="1" lang="it-IT" sz="1600" spc="-1" strike="noStrike">
+                <a:solidFill>
+                  <a:srgbClr val="000000"/>
+                </a:solidFill>
+                <a:latin typeface="Times New Roman"/>
+                <a:ea typeface="Arial"/>
+              </a:rPr>
+              <a:t>L'attuazione di </a:t>
+            </a:r>
+            <a:r>
+              <a:rPr b="1" lang="it-IT" sz="1600" spc="-1" strike="noStrike">
+                <a:solidFill>
+                  <a:srgbClr val="000000"/>
+                </a:solidFill>
+                <a:latin typeface="Times New Roman"/>
+                <a:ea typeface="Courier New"/>
+              </a:rPr>
+              <a:t>SpellCheckerService.Session</a:t>
+            </a:r>
+            <a:r>
+              <a:rPr b="0" lang="it-IT" sz="1600" spc="-1" strike="noStrike">
+                <a:solidFill>
+                  <a:srgbClr val="000000"/>
+                </a:solidFill>
+                <a:latin typeface="Times New Roman"/>
+                <a:ea typeface="Courier New"/>
+              </a:rPr>
+              <a:t> : </a:t>
+            </a:r>
+            <a:r>
+              <a:rPr b="0" lang="it-IT" sz="1600" spc="-1" strike="noStrike">
+                <a:solidFill>
+                  <a:srgbClr val="000000"/>
+                </a:solidFill>
+                <a:latin typeface="Times New Roman"/>
+                <a:ea typeface="Arial"/>
+              </a:rPr>
+              <a:t>Oggetto fornito dal servizio di controllo ortografico ai client, che consente loro di passare testo al correttore ortografico e ricevere suggerimenti. All'interno di questa classe, è necessario implementare i seguenti metodi:</a:t>
+            </a:r>
+            <a:endParaRPr b="0" lang="it-IT" sz="1600" spc="-1" strike="noStrike">
+              <a:latin typeface="Arial"/>
+            </a:endParaRPr>
+          </a:p>
+          <a:p>
+            <a:pPr>
+              <a:lnSpc>
+                <a:spcPct val="100000"/>
+              </a:lnSpc>
+            </a:pPr>
+            <a:endParaRPr b="0" lang="it-IT" sz="1600" spc="-1" strike="noStrike">
+              <a:latin typeface="Arial"/>
+            </a:endParaRPr>
+          </a:p>
+          <a:p>
+            <a:pPr lvl="1" marL="432000" indent="-215640">
+              <a:lnSpc>
+                <a:spcPct val="100000"/>
+              </a:lnSpc>
+              <a:buClr>
+                <a:srgbClr val="000000"/>
+              </a:buClr>
+              <a:buSzPct val="45000"/>
+              <a:buFont typeface="Wingdings" charset="2"/>
+              <a:buChar char=""/>
+            </a:pPr>
+            <a:r>
+              <a:rPr b="1" lang="it-IT" sz="1600" spc="-1" strike="noStrike">
+                <a:solidFill>
+                  <a:srgbClr val="000000"/>
+                </a:solidFill>
+                <a:latin typeface="Times New Roman"/>
+                <a:ea typeface="Arial"/>
+              </a:rPr>
+              <a:t>OnCreate</a:t>
+            </a:r>
+            <a:r>
+              <a:rPr b="0" lang="it-IT" sz="1600" spc="-1" strike="noStrike">
+                <a:solidFill>
+                  <a:srgbClr val="000000"/>
+                </a:solidFill>
+                <a:latin typeface="Times New Roman"/>
+                <a:ea typeface="Arial"/>
+              </a:rPr>
+              <a:t>() : In questo metodo è possibile inizializzare l'oggetto in base alle impostazioni locali correnti: </a:t>
+            </a:r>
+            <a:r>
+              <a:rPr b="0" lang="it-IT" sz="1600" spc="-1" strike="noStrike">
+                <a:solidFill>
+                  <a:srgbClr val="000000"/>
+                </a:solidFill>
+                <a:latin typeface="Times New Roman"/>
+                <a:ea typeface="Courier New"/>
+              </a:rPr>
+              <a:t>createSession()</a:t>
+            </a:r>
+            <a:endParaRPr b="0" lang="it-IT" sz="1600" spc="-1" strike="noStrike">
+              <a:latin typeface="Arial"/>
+            </a:endParaRPr>
+          </a:p>
+          <a:p>
+            <a:pPr>
+              <a:lnSpc>
+                <a:spcPct val="100000"/>
+              </a:lnSpc>
+            </a:pPr>
+            <a:endParaRPr b="0" lang="it-IT" sz="1600" spc="-1" strike="noStrike">
+              <a:latin typeface="Arial"/>
+            </a:endParaRPr>
+          </a:p>
+          <a:p>
+            <a:pPr lvl="1" marL="432000" indent="-215640">
+              <a:lnSpc>
+                <a:spcPct val="100000"/>
+              </a:lnSpc>
+              <a:buClr>
+                <a:srgbClr val="000000"/>
+              </a:buClr>
+              <a:buSzPct val="45000"/>
+              <a:buFont typeface="Wingdings" charset="2"/>
+              <a:buChar char=""/>
+            </a:pPr>
+            <a:r>
+              <a:rPr b="1" lang="it-IT" sz="1600" spc="-1" strike="noStrike">
+                <a:solidFill>
+                  <a:srgbClr val="000000"/>
+                </a:solidFill>
+                <a:latin typeface="Times New Roman"/>
+                <a:ea typeface="Arial"/>
+              </a:rPr>
+              <a:t>OnGetSentenceSuggestionsMultiple</a:t>
+            </a:r>
+            <a:r>
+              <a:rPr b="0" lang="it-IT" sz="1600" spc="-1" strike="noStrike">
+                <a:solidFill>
+                  <a:srgbClr val="000000"/>
+                </a:solidFill>
+                <a:latin typeface="Times New Roman"/>
+                <a:ea typeface="Arial"/>
+              </a:rPr>
+              <a:t>() :Fa il controllo ortografico effettivo. Questo metodo restituisce una matrice di suggerimenti contenenti per le frasi passate. </a:t>
+            </a:r>
+            <a:r>
+              <a:rPr b="0" lang="it-IT" sz="1600" spc="-1" strike="noStrike">
+                <a:solidFill>
+                  <a:srgbClr val="000000"/>
+                </a:solidFill>
+                <a:latin typeface="Times New Roman"/>
+                <a:ea typeface="Courier New"/>
+              </a:rPr>
+              <a:t>SentenceSuggestionsInfo</a:t>
+            </a:r>
+            <a:endParaRPr b="0" lang="it-IT" sz="1600" spc="-1" strike="noStrike">
+              <a:latin typeface="Arial"/>
+            </a:endParaRPr>
+          </a:p>
+          <a:p>
+            <a:pPr>
+              <a:lnSpc>
+                <a:spcPct val="100000"/>
+              </a:lnSpc>
+            </a:pPr>
+            <a:endParaRPr b="0" lang="it-IT" sz="1600" spc="-1" strike="noStrike">
+              <a:latin typeface="Arial"/>
+            </a:endParaRPr>
+          </a:p>
+        </p:txBody>
+      </p:sp>
+    </p:spTree>
+  </p:cSld>
+  <mc:AlternateContent>
+    <mc:Choice Requires="p14">
+      <p:transition spd="slow" p14:dur="2000"/>
+    </mc:Choice>
+    <mc:Fallback>
+      <p:transition spd="slow"/>
+    </mc:Fallback>
+  </mc:AlternateContent>
+  <p:timing>
+    <p:tnLst>
+      <p:par>
+        <p:cTn id="23" dur="indefinite" restart="never" nodeType="tmRoot">
+          <p:childTnLst>
+            <p:seq>
+              <p:cTn id="24" dur="indefinite" nodeType="mainSeq"/>
+              <p:prevCondLst>
+                <p:cond delay="0" evt="onPrev">
+                  <p:tgtEl>
+                    <p:sldTgt/>
+                  </p:tgtEl>
+                </p:cond>
+              </p:prevCondLst>
+              <p:nextCondLst>
+                <p:cond delay="0" evt="onNext">
+                  <p:tgtEl>
+                    <p:sldTgt/>
+                  </p:tgtEl>
+                </p:cond>
+              </p:nextCondLst>
+            </p:seq>
+          </p:childTnLst>
+        </p:cTn>
+      </p:par>
+    </p:tnLst>
+  </p:timing>
+</p:sld>
+</file>
+
+<file path=ppt/slides/slide13.xml><?xml version="1.0" encoding="utf-8"?>
+<p:sld xmlns:a="http://schemas.openxmlformats.org/drawingml/2006/main" xmlns:p="http://schemas.openxmlformats.org/presentationml/2006/main" xmlns:r="http://schemas.openxmlformats.org/officeDocument/2006/relationships" xmlns:p14="http://schemas.microsoft.com/office/powerpoint/2010/main" xmlns:p15="http://schemas.microsoft.com/office/powerpoint/2012/main" xmlns:mc="http://schemas.openxmlformats.org/markup-compatibility/2006">
+  <p:cSld>
+    <p:spTree>
+      <p:nvGrpSpPr>
+        <p:cNvPr id="1" name=""/>
+        <p:cNvGrpSpPr/>
+        <p:nvPr/>
+      </p:nvGrpSpPr>
+      <p:grpSpPr>
+        <a:xfrm>
+          <a:off x="0" y="0"/>
+          <a:ext cx="0" cy="0"/>
+          <a:chOff x="0" y="0"/>
+          <a:chExt cx="0" cy="0"/>
+        </a:xfrm>
+      </p:grpSpPr>
+      <p:sp>
+        <p:nvSpPr>
+          <p:cNvPr id="150" name="CustomShape 1"/>
+          <p:cNvSpPr/>
+          <p:nvPr/>
+        </p:nvSpPr>
+        <p:spPr>
+          <a:xfrm>
+            <a:off x="868680" y="6480000"/>
+            <a:ext cx="570960" cy="455400"/>
+          </a:xfrm>
+          <a:prstGeom prst="rect">
+            <a:avLst/>
+          </a:prstGeom>
+          <a:noFill/>
+          <a:ln>
+            <a:noFill/>
+          </a:ln>
+        </p:spPr>
+        <p:style>
+          <a:lnRef idx="0"/>
+          <a:fillRef idx="0"/>
+          <a:effectRef idx="0"/>
+          <a:fontRef idx="minor"/>
+        </p:style>
+        <p:txBody>
+          <a:bodyPr lIns="90000" rIns="90000" tIns="45000" bIns="45000">
+            <a:spAutoFit/>
+          </a:bodyPr>
+          <a:p>
+            <a:pPr>
+              <a:lnSpc>
+                <a:spcPct val="100000"/>
+              </a:lnSpc>
+            </a:pPr>
+            <a:fld id="{55AA3EAE-0D2E-4B22-91A8-9CC5BA9E9147}" type="slidenum">
+              <a:rPr b="0" lang="it-IT" sz="2400" spc="-1" strike="noStrike">
+                <a:solidFill>
+                  <a:srgbClr val="000000"/>
+                </a:solidFill>
+                <a:latin typeface="Times New Roman"/>
+                <a:ea typeface="DejaVu Sans"/>
+              </a:rPr>
+              <a:t>1</a:t>
+            </a:fld>
+            <a:endParaRPr b="0" lang="it-IT" sz="2400" spc="-1" strike="noStrike">
+              <a:latin typeface="Arial"/>
+            </a:endParaRPr>
+          </a:p>
+        </p:txBody>
+      </p:sp>
+      <p:pic>
+        <p:nvPicPr>
+          <p:cNvPr id="151" name="" descr=""/>
+          <p:cNvPicPr/>
+          <p:nvPr/>
+        </p:nvPicPr>
+        <p:blipFill>
+          <a:blip r:embed="rId1"/>
+          <a:stretch/>
+        </p:blipFill>
+        <p:spPr>
+          <a:xfrm>
+            <a:off x="8140680" y="720000"/>
+            <a:ext cx="930960" cy="934560"/>
+          </a:xfrm>
+          <a:prstGeom prst="rect">
+            <a:avLst/>
+          </a:prstGeom>
+          <a:ln>
+            <a:noFill/>
+          </a:ln>
+        </p:spPr>
+      </p:pic>
+      <p:sp>
+        <p:nvSpPr>
+          <p:cNvPr id="152" name="CustomShape 2"/>
+          <p:cNvSpPr/>
+          <p:nvPr/>
+        </p:nvSpPr>
+        <p:spPr>
+          <a:xfrm>
+            <a:off x="3676680" y="6558120"/>
+            <a:ext cx="2662560" cy="273960"/>
+          </a:xfrm>
+          <a:prstGeom prst="rect">
+            <a:avLst/>
+          </a:prstGeom>
+          <a:noFill/>
+          <a:ln>
+            <a:noFill/>
+          </a:ln>
+        </p:spPr>
+        <p:style>
+          <a:lnRef idx="0"/>
+          <a:fillRef idx="0"/>
+          <a:effectRef idx="0"/>
+          <a:fontRef idx="minor"/>
+        </p:style>
+        <p:txBody>
+          <a:bodyPr lIns="0" rIns="0" tIns="0" bIns="0" anchor="ctr">
+            <a:spAutoFit/>
+          </a:bodyPr>
+          <a:p>
+            <a:pPr algn="ctr">
+              <a:lnSpc>
+                <a:spcPct val="100000"/>
+              </a:lnSpc>
+            </a:pPr>
+            <a:r>
+              <a:rPr b="0" lang="it-IT" sz="1800" spc="-1" strike="noStrike">
+                <a:solidFill>
+                  <a:srgbClr val="999999"/>
+                </a:solidFill>
+                <a:latin typeface="Times New Roman"/>
+                <a:ea typeface="DejaVu Sans"/>
+              </a:rPr>
+              <a:t>Mobile Programming 2021</a:t>
+            </a:r>
+            <a:endParaRPr b="0" lang="it-IT" sz="1800" spc="-1" strike="noStrike">
+              <a:latin typeface="Arial"/>
+            </a:endParaRPr>
+          </a:p>
+        </p:txBody>
+      </p:sp>
+      <p:sp>
+        <p:nvSpPr>
+          <p:cNvPr id="153" name="CustomShape 3"/>
+          <p:cNvSpPr/>
+          <p:nvPr/>
+        </p:nvSpPr>
+        <p:spPr>
+          <a:xfrm>
+            <a:off x="5760000" y="3384000"/>
+            <a:ext cx="3383640" cy="819720"/>
+          </a:xfrm>
+          <a:prstGeom prst="rect">
+            <a:avLst/>
+          </a:prstGeom>
+          <a:noFill/>
+          <a:ln>
+            <a:noFill/>
+          </a:ln>
+        </p:spPr>
+        <p:style>
+          <a:lnRef idx="0"/>
+          <a:fillRef idx="0"/>
+          <a:effectRef idx="0"/>
+          <a:fontRef idx="minor"/>
+        </p:style>
+        <p:txBody>
+          <a:bodyPr lIns="90000" rIns="90000" tIns="45000" bIns="45000">
+            <a:spAutoFit/>
+          </a:bodyPr>
+          <a:p>
+            <a:pPr>
+              <a:lnSpc>
+                <a:spcPct val="100000"/>
+              </a:lnSpc>
+            </a:pPr>
+            <a:r>
+              <a:rPr b="0" lang="it-IT" sz="1600" spc="-1" strike="noStrike">
+                <a:solidFill>
+                  <a:srgbClr val="000000"/>
+                </a:solidFill>
+                <a:latin typeface="Times New Roman"/>
+                <a:ea typeface="Arial"/>
+              </a:rPr>
+              <a:t>Oltre al codice, è necessario fornire il file manifesto appropriato e un file di metadati per il correttore ortografico.</a:t>
+            </a:r>
+            <a:endParaRPr b="0" lang="it-IT" sz="1600" spc="-1" strike="noStrike">
+              <a:latin typeface="Arial"/>
+            </a:endParaRPr>
+          </a:p>
+        </p:txBody>
+      </p:sp>
+      <p:sp>
+        <p:nvSpPr>
+          <p:cNvPr id="154" name="CustomShape 4"/>
+          <p:cNvSpPr/>
+          <p:nvPr/>
+        </p:nvSpPr>
+        <p:spPr>
+          <a:xfrm>
+            <a:off x="864000" y="1024200"/>
+            <a:ext cx="5903640" cy="5390280"/>
+          </a:xfrm>
+          <a:prstGeom prst="rect">
+            <a:avLst/>
+          </a:prstGeom>
+          <a:noFill/>
+          <a:ln>
+            <a:noFill/>
+          </a:ln>
+        </p:spPr>
+        <p:style>
+          <a:lnRef idx="0"/>
+          <a:fillRef idx="0"/>
+          <a:effectRef idx="0"/>
+          <a:fontRef idx="minor"/>
+        </p:style>
+        <p:txBody>
+          <a:bodyPr lIns="90000" rIns="90000" tIns="45000" bIns="45000">
+            <a:spAutoFit/>
+          </a:bodyPr>
+          <a:p>
+            <a:pPr>
+              <a:lnSpc>
+                <a:spcPct val="100000"/>
+              </a:lnSpc>
+            </a:pPr>
+            <a:r>
+              <a:rPr b="0" lang="it-IT" sz="1300" spc="-1" strike="noStrike">
+                <a:solidFill>
+                  <a:srgbClr val="3b78e7"/>
+                </a:solidFill>
+                <a:latin typeface="Times New Roman"/>
+                <a:ea typeface="Arial"/>
+              </a:rPr>
+              <a:t>&lt;manifest</a:t>
+            </a:r>
+            <a:r>
+              <a:rPr b="0" lang="it-IT" sz="1300" spc="-1" strike="noStrike">
+                <a:solidFill>
+                  <a:srgbClr val="37474f"/>
+                </a:solidFill>
+                <a:latin typeface="Times New Roman"/>
+                <a:ea typeface="Arial"/>
+              </a:rPr>
+              <a:t> </a:t>
+            </a:r>
+            <a:r>
+              <a:rPr b="0" lang="it-IT" sz="1300" spc="-1" strike="noStrike">
+                <a:solidFill>
+                  <a:srgbClr val="9c27b0"/>
+                </a:solidFill>
+                <a:latin typeface="Times New Roman"/>
+                <a:ea typeface="Arial"/>
+              </a:rPr>
+              <a:t>xmlns:android</a:t>
+            </a:r>
+            <a:r>
+              <a:rPr b="0" lang="it-IT" sz="1300" spc="-1" strike="noStrike">
+                <a:solidFill>
+                  <a:srgbClr val="37474f"/>
+                </a:solidFill>
+                <a:latin typeface="Times New Roman"/>
+                <a:ea typeface="Arial"/>
+              </a:rPr>
+              <a:t>=</a:t>
+            </a:r>
+            <a:r>
+              <a:rPr b="0" lang="it-IT" sz="1300" spc="-1" strike="noStrike">
+                <a:solidFill>
+                  <a:srgbClr val="0d904f"/>
+                </a:solidFill>
+                <a:latin typeface="Times New Roman"/>
+                <a:ea typeface="Arial"/>
+              </a:rPr>
+              <a:t>"http://schemas.android.com/apk/res/android"</a:t>
+            </a:r>
+            <a:br/>
+            <a:r>
+              <a:rPr b="0" lang="it-IT" sz="1300" spc="-1" strike="noStrike">
+                <a:solidFill>
+                  <a:srgbClr val="37474f"/>
+                </a:solidFill>
+                <a:latin typeface="Times New Roman"/>
+                <a:ea typeface="Arial"/>
+              </a:rPr>
+              <a:t>    </a:t>
+            </a:r>
+            <a:r>
+              <a:rPr b="0" lang="it-IT" sz="1300" spc="-1" strike="noStrike">
+                <a:solidFill>
+                  <a:srgbClr val="9c27b0"/>
+                </a:solidFill>
+                <a:latin typeface="Times New Roman"/>
+                <a:ea typeface="Arial"/>
+              </a:rPr>
+              <a:t>package</a:t>
+            </a:r>
+            <a:r>
+              <a:rPr b="0" lang="it-IT" sz="1300" spc="-1" strike="noStrike">
+                <a:solidFill>
+                  <a:srgbClr val="37474f"/>
+                </a:solidFill>
+                <a:latin typeface="Times New Roman"/>
+                <a:ea typeface="Arial"/>
+              </a:rPr>
+              <a:t>=</a:t>
+            </a:r>
+            <a:r>
+              <a:rPr b="0" lang="it-IT" sz="1300" spc="-1" strike="noStrike">
+                <a:solidFill>
+                  <a:srgbClr val="0d904f"/>
+                </a:solidFill>
+                <a:latin typeface="Times New Roman"/>
+                <a:ea typeface="Arial"/>
+              </a:rPr>
+              <a:t>"com.example.android.samplespellcheckerservice"</a:t>
+            </a:r>
+            <a:r>
+              <a:rPr b="0" lang="it-IT" sz="1300" spc="-1" strike="noStrike">
+                <a:solidFill>
+                  <a:srgbClr val="37474f"/>
+                </a:solidFill>
+                <a:latin typeface="Times New Roman"/>
+                <a:ea typeface="Arial"/>
+              </a:rPr>
+              <a:t> </a:t>
+            </a:r>
+            <a:r>
+              <a:rPr b="0" lang="it-IT" sz="1300" spc="-1" strike="noStrike">
+                <a:solidFill>
+                  <a:srgbClr val="3b78e7"/>
+                </a:solidFill>
+                <a:latin typeface="Times New Roman"/>
+                <a:ea typeface="Arial"/>
+              </a:rPr>
+              <a:t>&gt;</a:t>
+            </a:r>
+            <a:br/>
+            <a:r>
+              <a:rPr b="0" lang="it-IT" sz="1300" spc="-1" strike="noStrike">
+                <a:solidFill>
+                  <a:srgbClr val="37474f"/>
+                </a:solidFill>
+                <a:latin typeface="Times New Roman"/>
+                <a:ea typeface="Arial"/>
+              </a:rPr>
+              <a:t>    </a:t>
+            </a:r>
+            <a:r>
+              <a:rPr b="0" lang="it-IT" sz="1300" spc="-1" strike="noStrike">
+                <a:solidFill>
+                  <a:srgbClr val="3b78e7"/>
+                </a:solidFill>
+                <a:latin typeface="Times New Roman"/>
+                <a:ea typeface="Arial"/>
+              </a:rPr>
+              <a:t>&lt;application</a:t>
+            </a:r>
+            <a:br/>
+            <a:r>
+              <a:rPr b="0" lang="it-IT" sz="1300" spc="-1" strike="noStrike">
+                <a:solidFill>
+                  <a:srgbClr val="37474f"/>
+                </a:solidFill>
+                <a:latin typeface="Times New Roman"/>
+                <a:ea typeface="Arial"/>
+              </a:rPr>
+              <a:t>        </a:t>
+            </a:r>
+            <a:r>
+              <a:rPr b="0" lang="it-IT" sz="1300" spc="-1" strike="noStrike">
+                <a:solidFill>
+                  <a:srgbClr val="9c27b0"/>
+                </a:solidFill>
+                <a:latin typeface="Times New Roman"/>
+                <a:ea typeface="Arial"/>
+              </a:rPr>
+              <a:t>android:label</a:t>
+            </a:r>
+            <a:r>
+              <a:rPr b="0" lang="it-IT" sz="1300" spc="-1" strike="noStrike">
+                <a:solidFill>
+                  <a:srgbClr val="37474f"/>
+                </a:solidFill>
+                <a:latin typeface="Times New Roman"/>
+                <a:ea typeface="Arial"/>
+              </a:rPr>
+              <a:t>=</a:t>
+            </a:r>
+            <a:r>
+              <a:rPr b="0" lang="it-IT" sz="1300" spc="-1" strike="noStrike">
+                <a:solidFill>
+                  <a:srgbClr val="0d904f"/>
+                </a:solidFill>
+                <a:latin typeface="Times New Roman"/>
+                <a:ea typeface="Arial"/>
+              </a:rPr>
+              <a:t>"@string/app_name"</a:t>
+            </a:r>
+            <a:r>
+              <a:rPr b="0" lang="it-IT" sz="1300" spc="-1" strike="noStrike">
+                <a:solidFill>
+                  <a:srgbClr val="37474f"/>
+                </a:solidFill>
+                <a:latin typeface="Times New Roman"/>
+                <a:ea typeface="Arial"/>
+              </a:rPr>
+              <a:t> </a:t>
+            </a:r>
+            <a:r>
+              <a:rPr b="0" lang="it-IT" sz="1300" spc="-1" strike="noStrike">
+                <a:solidFill>
+                  <a:srgbClr val="3b78e7"/>
+                </a:solidFill>
+                <a:latin typeface="Times New Roman"/>
+                <a:ea typeface="Arial"/>
+              </a:rPr>
+              <a:t>&gt;</a:t>
+            </a:r>
+            <a:br/>
+            <a:r>
+              <a:rPr b="0" lang="it-IT" sz="1300" spc="-1" strike="noStrike">
+                <a:solidFill>
+                  <a:srgbClr val="37474f"/>
+                </a:solidFill>
+                <a:latin typeface="Times New Roman"/>
+                <a:ea typeface="Arial"/>
+              </a:rPr>
+              <a:t>        </a:t>
+            </a:r>
+            <a:r>
+              <a:rPr b="0" lang="it-IT" sz="1300" spc="-1" strike="noStrike">
+                <a:solidFill>
+                  <a:srgbClr val="3b78e7"/>
+                </a:solidFill>
+                <a:latin typeface="Times New Roman"/>
+                <a:ea typeface="Arial"/>
+              </a:rPr>
+              <a:t>&lt;service</a:t>
+            </a:r>
+            <a:br/>
+            <a:r>
+              <a:rPr b="0" lang="it-IT" sz="1300" spc="-1" strike="noStrike">
+                <a:solidFill>
+                  <a:srgbClr val="37474f"/>
+                </a:solidFill>
+                <a:latin typeface="Times New Roman"/>
+                <a:ea typeface="Arial"/>
+              </a:rPr>
+              <a:t>            </a:t>
+            </a:r>
+            <a:r>
+              <a:rPr b="0" lang="it-IT" sz="1300" spc="-1" strike="noStrike">
+                <a:solidFill>
+                  <a:srgbClr val="9c27b0"/>
+                </a:solidFill>
+                <a:latin typeface="Times New Roman"/>
+                <a:ea typeface="Arial"/>
+              </a:rPr>
+              <a:t>android:label</a:t>
+            </a:r>
+            <a:r>
+              <a:rPr b="0" lang="it-IT" sz="1300" spc="-1" strike="noStrike">
+                <a:solidFill>
+                  <a:srgbClr val="37474f"/>
+                </a:solidFill>
+                <a:latin typeface="Times New Roman"/>
+                <a:ea typeface="Arial"/>
+              </a:rPr>
+              <a:t>=</a:t>
+            </a:r>
+            <a:r>
+              <a:rPr b="0" lang="it-IT" sz="1300" spc="-1" strike="noStrike">
+                <a:solidFill>
+                  <a:srgbClr val="0d904f"/>
+                </a:solidFill>
+                <a:latin typeface="Times New Roman"/>
+                <a:ea typeface="Arial"/>
+              </a:rPr>
+              <a:t>"@string/app_name"</a:t>
+            </a:r>
+            <a:br/>
+            <a:r>
+              <a:rPr b="0" lang="it-IT" sz="1300" spc="-1" strike="noStrike">
+                <a:solidFill>
+                  <a:srgbClr val="37474f"/>
+                </a:solidFill>
+                <a:latin typeface="Times New Roman"/>
+                <a:ea typeface="Arial"/>
+              </a:rPr>
+              <a:t>            </a:t>
+            </a:r>
+            <a:r>
+              <a:rPr b="0" lang="it-IT" sz="1300" spc="-1" strike="noStrike">
+                <a:solidFill>
+                  <a:srgbClr val="9c27b0"/>
+                </a:solidFill>
+                <a:latin typeface="Times New Roman"/>
+                <a:ea typeface="Arial"/>
+              </a:rPr>
+              <a:t>android:name</a:t>
+            </a:r>
+            <a:r>
+              <a:rPr b="0" lang="it-IT" sz="1300" spc="-1" strike="noStrike">
+                <a:solidFill>
+                  <a:srgbClr val="37474f"/>
+                </a:solidFill>
+                <a:latin typeface="Times New Roman"/>
+                <a:ea typeface="Arial"/>
+              </a:rPr>
+              <a:t>=</a:t>
+            </a:r>
+            <a:r>
+              <a:rPr b="0" lang="it-IT" sz="1300" spc="-1" strike="noStrike">
+                <a:solidFill>
+                  <a:srgbClr val="0d904f"/>
+                </a:solidFill>
+                <a:latin typeface="Times New Roman"/>
+                <a:ea typeface="Arial"/>
+              </a:rPr>
+              <a:t>".SampleSpellCheckerService"</a:t>
+            </a:r>
+            <a:br/>
+            <a:r>
+              <a:rPr b="0" lang="it-IT" sz="1300" spc="-1" strike="noStrike">
+                <a:solidFill>
+                  <a:srgbClr val="37474f"/>
+                </a:solidFill>
+                <a:latin typeface="Times New Roman"/>
+                <a:ea typeface="Arial"/>
+              </a:rPr>
+              <a:t>            </a:t>
+            </a:r>
+            <a:r>
+              <a:rPr b="0" lang="it-IT" sz="1300" spc="-1" strike="noStrike">
+                <a:solidFill>
+                  <a:srgbClr val="9c27b0"/>
+                </a:solidFill>
+                <a:latin typeface="Times New Roman"/>
+                <a:ea typeface="Arial"/>
+              </a:rPr>
+              <a:t>android:permission</a:t>
+            </a:r>
+            <a:r>
+              <a:rPr b="0" lang="it-IT" sz="1300" spc="-1" strike="noStrike">
+                <a:solidFill>
+                  <a:srgbClr val="37474f"/>
+                </a:solidFill>
+                <a:latin typeface="Times New Roman"/>
+                <a:ea typeface="Arial"/>
+              </a:rPr>
+              <a:t>=</a:t>
+            </a:r>
+            <a:r>
+              <a:rPr b="0" lang="it-IT" sz="1300" spc="-1" strike="noStrike">
+                <a:solidFill>
+                  <a:srgbClr val="0d904f"/>
+                </a:solidFill>
+                <a:latin typeface="Times New Roman"/>
+                <a:ea typeface="Arial"/>
+              </a:rPr>
+              <a:t>"android.permission.BIND_TEXT_SERVICE"</a:t>
+            </a:r>
+            <a:r>
+              <a:rPr b="0" lang="it-IT" sz="1300" spc="-1" strike="noStrike">
+                <a:solidFill>
+                  <a:srgbClr val="37474f"/>
+                </a:solidFill>
+                <a:latin typeface="Times New Roman"/>
+                <a:ea typeface="Arial"/>
+              </a:rPr>
+              <a:t> </a:t>
+            </a:r>
+            <a:r>
+              <a:rPr b="0" lang="it-IT" sz="1300" spc="-1" strike="noStrike">
+                <a:solidFill>
+                  <a:srgbClr val="3b78e7"/>
+                </a:solidFill>
+                <a:latin typeface="Times New Roman"/>
+                <a:ea typeface="Arial"/>
+              </a:rPr>
+              <a:t>&gt;</a:t>
+            </a:r>
+            <a:br/>
+            <a:r>
+              <a:rPr b="0" lang="it-IT" sz="1300" spc="-1" strike="noStrike">
+                <a:solidFill>
+                  <a:srgbClr val="37474f"/>
+                </a:solidFill>
+                <a:latin typeface="Times New Roman"/>
+                <a:ea typeface="Arial"/>
+              </a:rPr>
+              <a:t>            </a:t>
+            </a:r>
+            <a:r>
+              <a:rPr b="0" lang="it-IT" sz="1300" spc="-1" strike="noStrike">
+                <a:solidFill>
+                  <a:srgbClr val="3b78e7"/>
+                </a:solidFill>
+                <a:latin typeface="Times New Roman"/>
+                <a:ea typeface="Arial"/>
+              </a:rPr>
+              <a:t>&lt;intent-filter</a:t>
+            </a:r>
+            <a:r>
+              <a:rPr b="0" lang="it-IT" sz="1300" spc="-1" strike="noStrike">
+                <a:solidFill>
+                  <a:srgbClr val="37474f"/>
+                </a:solidFill>
+                <a:latin typeface="Times New Roman"/>
+                <a:ea typeface="Arial"/>
+              </a:rPr>
+              <a:t> </a:t>
+            </a:r>
+            <a:r>
+              <a:rPr b="0" lang="it-IT" sz="1300" spc="-1" strike="noStrike">
+                <a:solidFill>
+                  <a:srgbClr val="3b78e7"/>
+                </a:solidFill>
+                <a:latin typeface="Times New Roman"/>
+                <a:ea typeface="Arial"/>
+              </a:rPr>
+              <a:t>&gt;</a:t>
+            </a:r>
+            <a:br/>
+            <a:r>
+              <a:rPr b="0" lang="it-IT" sz="1300" spc="-1" strike="noStrike">
+                <a:solidFill>
+                  <a:srgbClr val="37474f"/>
+                </a:solidFill>
+                <a:latin typeface="Times New Roman"/>
+                <a:ea typeface="Arial"/>
+              </a:rPr>
+              <a:t>                </a:t>
+            </a:r>
+            <a:r>
+              <a:rPr b="0" lang="it-IT" sz="1300" spc="-1" strike="noStrike">
+                <a:solidFill>
+                  <a:srgbClr val="3b78e7"/>
+                </a:solidFill>
+                <a:latin typeface="Times New Roman"/>
+                <a:ea typeface="Arial"/>
+              </a:rPr>
+              <a:t>&lt;action</a:t>
+            </a:r>
+            <a:r>
+              <a:rPr b="0" lang="it-IT" sz="1300" spc="-1" strike="noStrike">
+                <a:solidFill>
+                  <a:srgbClr val="37474f"/>
+                </a:solidFill>
+                <a:latin typeface="Times New Roman"/>
+                <a:ea typeface="Arial"/>
+              </a:rPr>
+              <a:t> </a:t>
+            </a:r>
+            <a:r>
+              <a:rPr b="0" lang="it-IT" sz="1300" spc="-1" strike="noStrike">
+                <a:solidFill>
+                  <a:srgbClr val="9c27b0"/>
+                </a:solidFill>
+                <a:latin typeface="Times New Roman"/>
+                <a:ea typeface="Arial"/>
+              </a:rPr>
+              <a:t>android:name</a:t>
+            </a:r>
+            <a:r>
+              <a:rPr b="0" lang="it-IT" sz="1300" spc="-1" strike="noStrike">
+                <a:solidFill>
+                  <a:srgbClr val="37474f"/>
+                </a:solidFill>
+                <a:latin typeface="Times New Roman"/>
+                <a:ea typeface="Arial"/>
+              </a:rPr>
+              <a:t>=</a:t>
+            </a:r>
+            <a:r>
+              <a:rPr b="0" lang="it-IT" sz="1300" spc="-1" strike="noStrike">
+                <a:solidFill>
+                  <a:srgbClr val="0d904f"/>
+                </a:solidFill>
+                <a:latin typeface="Times New Roman"/>
+                <a:ea typeface="Arial"/>
+              </a:rPr>
+              <a:t>"android.service.textservice.SpellCheckerService"</a:t>
+            </a:r>
+            <a:r>
+              <a:rPr b="0" lang="it-IT" sz="1300" spc="-1" strike="noStrike">
+                <a:solidFill>
+                  <a:srgbClr val="37474f"/>
+                </a:solidFill>
+                <a:latin typeface="Times New Roman"/>
+                <a:ea typeface="Arial"/>
+              </a:rPr>
+              <a:t> </a:t>
+            </a:r>
+            <a:r>
+              <a:rPr b="0" lang="it-IT" sz="1300" spc="-1" strike="noStrike">
+                <a:solidFill>
+                  <a:srgbClr val="3b78e7"/>
+                </a:solidFill>
+                <a:latin typeface="Times New Roman"/>
+                <a:ea typeface="Arial"/>
+              </a:rPr>
+              <a:t>/&gt;</a:t>
+            </a:r>
+            <a:br/>
+            <a:r>
+              <a:rPr b="0" lang="it-IT" sz="1300" spc="-1" strike="noStrike">
+                <a:solidFill>
+                  <a:srgbClr val="37474f"/>
+                </a:solidFill>
+                <a:latin typeface="Times New Roman"/>
+                <a:ea typeface="Arial"/>
+              </a:rPr>
+              <a:t>            </a:t>
+            </a:r>
+            <a:r>
+              <a:rPr b="0" lang="it-IT" sz="1300" spc="-1" strike="noStrike">
+                <a:solidFill>
+                  <a:srgbClr val="3b78e7"/>
+                </a:solidFill>
+                <a:latin typeface="Times New Roman"/>
+                <a:ea typeface="Arial"/>
+              </a:rPr>
+              <a:t>&lt;/intent-filter&gt;</a:t>
+            </a:r>
+            <a:br/>
+            <a:br/>
+            <a:r>
+              <a:rPr b="0" lang="it-IT" sz="1300" spc="-1" strike="noStrike">
+                <a:solidFill>
+                  <a:srgbClr val="37474f"/>
+                </a:solidFill>
+                <a:latin typeface="Times New Roman"/>
+                <a:ea typeface="Arial"/>
+              </a:rPr>
+              <a:t>            </a:t>
+            </a:r>
+            <a:r>
+              <a:rPr b="0" lang="it-IT" sz="1300" spc="-1" strike="noStrike">
+                <a:solidFill>
+                  <a:srgbClr val="3b78e7"/>
+                </a:solidFill>
+                <a:latin typeface="Times New Roman"/>
+                <a:ea typeface="Arial"/>
+              </a:rPr>
+              <a:t>&lt;meta-data</a:t>
+            </a:r>
+            <a:br/>
+            <a:r>
+              <a:rPr b="0" lang="it-IT" sz="1300" spc="-1" strike="noStrike">
+                <a:solidFill>
+                  <a:srgbClr val="37474f"/>
+                </a:solidFill>
+                <a:latin typeface="Times New Roman"/>
+                <a:ea typeface="Arial"/>
+              </a:rPr>
+              <a:t>                </a:t>
+            </a:r>
+            <a:r>
+              <a:rPr b="0" lang="it-IT" sz="1300" spc="-1" strike="noStrike">
+                <a:solidFill>
+                  <a:srgbClr val="9c27b0"/>
+                </a:solidFill>
+                <a:latin typeface="Times New Roman"/>
+                <a:ea typeface="Arial"/>
+              </a:rPr>
+              <a:t>android:name</a:t>
+            </a:r>
+            <a:r>
+              <a:rPr b="0" lang="it-IT" sz="1300" spc="-1" strike="noStrike">
+                <a:solidFill>
+                  <a:srgbClr val="37474f"/>
+                </a:solidFill>
+                <a:latin typeface="Times New Roman"/>
+                <a:ea typeface="Arial"/>
+              </a:rPr>
+              <a:t>=</a:t>
+            </a:r>
+            <a:r>
+              <a:rPr b="0" lang="it-IT" sz="1300" spc="-1" strike="noStrike">
+                <a:solidFill>
+                  <a:srgbClr val="0d904f"/>
+                </a:solidFill>
+                <a:latin typeface="Times New Roman"/>
+                <a:ea typeface="Arial"/>
+              </a:rPr>
+              <a:t>"android.view.textservice.scs"</a:t>
+            </a:r>
+            <a:br/>
+            <a:r>
+              <a:rPr b="0" lang="it-IT" sz="1300" spc="-1" strike="noStrike">
+                <a:solidFill>
+                  <a:srgbClr val="37474f"/>
+                </a:solidFill>
+                <a:latin typeface="Times New Roman"/>
+                <a:ea typeface="Arial"/>
+              </a:rPr>
+              <a:t>                </a:t>
+            </a:r>
+            <a:r>
+              <a:rPr b="0" lang="it-IT" sz="1300" spc="-1" strike="noStrike">
+                <a:solidFill>
+                  <a:srgbClr val="9c27b0"/>
+                </a:solidFill>
+                <a:latin typeface="Times New Roman"/>
+                <a:ea typeface="Arial"/>
+              </a:rPr>
+              <a:t>android:resource</a:t>
+            </a:r>
+            <a:r>
+              <a:rPr b="0" lang="it-IT" sz="1300" spc="-1" strike="noStrike">
+                <a:solidFill>
+                  <a:srgbClr val="37474f"/>
+                </a:solidFill>
+                <a:latin typeface="Times New Roman"/>
+                <a:ea typeface="Arial"/>
+              </a:rPr>
+              <a:t>=</a:t>
+            </a:r>
+            <a:r>
+              <a:rPr b="0" lang="it-IT" sz="1300" spc="-1" strike="noStrike">
+                <a:solidFill>
+                  <a:srgbClr val="0d904f"/>
+                </a:solidFill>
+                <a:latin typeface="Times New Roman"/>
+                <a:ea typeface="Arial"/>
+              </a:rPr>
+              <a:t>"@xml/spellchecker"</a:t>
+            </a:r>
+            <a:r>
+              <a:rPr b="0" lang="it-IT" sz="1300" spc="-1" strike="noStrike">
+                <a:solidFill>
+                  <a:srgbClr val="37474f"/>
+                </a:solidFill>
+                <a:latin typeface="Times New Roman"/>
+                <a:ea typeface="Arial"/>
+              </a:rPr>
+              <a:t> </a:t>
+            </a:r>
+            <a:r>
+              <a:rPr b="0" lang="it-IT" sz="1300" spc="-1" strike="noStrike">
+                <a:solidFill>
+                  <a:srgbClr val="3b78e7"/>
+                </a:solidFill>
+                <a:latin typeface="Times New Roman"/>
+                <a:ea typeface="Arial"/>
+              </a:rPr>
+              <a:t>/&gt;</a:t>
+            </a:r>
+            <a:br/>
+            <a:r>
+              <a:rPr b="0" lang="it-IT" sz="1300" spc="-1" strike="noStrike">
+                <a:solidFill>
+                  <a:srgbClr val="37474f"/>
+                </a:solidFill>
+                <a:latin typeface="Times New Roman"/>
+                <a:ea typeface="Arial"/>
+              </a:rPr>
+              <a:t>        </a:t>
+            </a:r>
+            <a:r>
+              <a:rPr b="0" lang="it-IT" sz="1300" spc="-1" strike="noStrike">
+                <a:solidFill>
+                  <a:srgbClr val="3b78e7"/>
+                </a:solidFill>
+                <a:latin typeface="Times New Roman"/>
+                <a:ea typeface="Arial"/>
+              </a:rPr>
+              <a:t>&lt;/service&gt;</a:t>
+            </a:r>
+            <a:br/>
+            <a:br/>
+            <a:r>
+              <a:rPr b="0" lang="it-IT" sz="1300" spc="-1" strike="noStrike">
+                <a:solidFill>
+                  <a:srgbClr val="37474f"/>
+                </a:solidFill>
+                <a:latin typeface="Times New Roman"/>
+                <a:ea typeface="Arial"/>
+              </a:rPr>
+              <a:t>        </a:t>
+            </a:r>
+            <a:r>
+              <a:rPr b="0" lang="it-IT" sz="1300" spc="-1" strike="noStrike">
+                <a:solidFill>
+                  <a:srgbClr val="3b78e7"/>
+                </a:solidFill>
+                <a:latin typeface="Times New Roman"/>
+                <a:ea typeface="Arial"/>
+              </a:rPr>
+              <a:t>&lt;activity</a:t>
+            </a:r>
+            <a:br/>
+            <a:r>
+              <a:rPr b="0" lang="it-IT" sz="1300" spc="-1" strike="noStrike">
+                <a:solidFill>
+                  <a:srgbClr val="37474f"/>
+                </a:solidFill>
+                <a:latin typeface="Times New Roman"/>
+                <a:ea typeface="Arial"/>
+              </a:rPr>
+              <a:t>            </a:t>
+            </a:r>
+            <a:r>
+              <a:rPr b="0" lang="it-IT" sz="1300" spc="-1" strike="noStrike">
+                <a:solidFill>
+                  <a:srgbClr val="9c27b0"/>
+                </a:solidFill>
+                <a:latin typeface="Times New Roman"/>
+                <a:ea typeface="Arial"/>
+              </a:rPr>
+              <a:t>android:label</a:t>
+            </a:r>
+            <a:r>
+              <a:rPr b="0" lang="it-IT" sz="1300" spc="-1" strike="noStrike">
+                <a:solidFill>
+                  <a:srgbClr val="37474f"/>
+                </a:solidFill>
+                <a:latin typeface="Times New Roman"/>
+                <a:ea typeface="Arial"/>
+              </a:rPr>
+              <a:t>=</a:t>
+            </a:r>
+            <a:r>
+              <a:rPr b="0" lang="it-IT" sz="1300" spc="-1" strike="noStrike">
+                <a:solidFill>
+                  <a:srgbClr val="0d904f"/>
+                </a:solidFill>
+                <a:latin typeface="Times New Roman"/>
+                <a:ea typeface="Arial"/>
+              </a:rPr>
+              <a:t>"@string/sample_settings"</a:t>
+            </a:r>
+            <a:br/>
+            <a:r>
+              <a:rPr b="0" lang="it-IT" sz="1300" spc="-1" strike="noStrike">
+                <a:solidFill>
+                  <a:srgbClr val="37474f"/>
+                </a:solidFill>
+                <a:latin typeface="Times New Roman"/>
+                <a:ea typeface="Arial"/>
+              </a:rPr>
+              <a:t>            </a:t>
+            </a:r>
+            <a:r>
+              <a:rPr b="0" lang="it-IT" sz="1300" spc="-1" strike="noStrike">
+                <a:solidFill>
+                  <a:srgbClr val="9c27b0"/>
+                </a:solidFill>
+                <a:latin typeface="Times New Roman"/>
+                <a:ea typeface="Arial"/>
+              </a:rPr>
+              <a:t>android:name</a:t>
+            </a:r>
+            <a:r>
+              <a:rPr b="0" lang="it-IT" sz="1300" spc="-1" strike="noStrike">
+                <a:solidFill>
+                  <a:srgbClr val="37474f"/>
+                </a:solidFill>
+                <a:latin typeface="Times New Roman"/>
+                <a:ea typeface="Arial"/>
+              </a:rPr>
+              <a:t>=</a:t>
+            </a:r>
+            <a:r>
+              <a:rPr b="0" lang="it-IT" sz="1300" spc="-1" strike="noStrike">
+                <a:solidFill>
+                  <a:srgbClr val="0d904f"/>
+                </a:solidFill>
+                <a:latin typeface="Times New Roman"/>
+                <a:ea typeface="Arial"/>
+              </a:rPr>
+              <a:t>"SpellCheckerSettingsActivity"</a:t>
+            </a:r>
+            <a:r>
+              <a:rPr b="0" lang="it-IT" sz="1300" spc="-1" strike="noStrike">
+                <a:solidFill>
+                  <a:srgbClr val="37474f"/>
+                </a:solidFill>
+                <a:latin typeface="Times New Roman"/>
+                <a:ea typeface="Arial"/>
+              </a:rPr>
+              <a:t> </a:t>
+            </a:r>
+            <a:r>
+              <a:rPr b="0" lang="it-IT" sz="1300" spc="-1" strike="noStrike">
+                <a:solidFill>
+                  <a:srgbClr val="3b78e7"/>
+                </a:solidFill>
+                <a:latin typeface="Times New Roman"/>
+                <a:ea typeface="Arial"/>
+              </a:rPr>
+              <a:t>&gt;</a:t>
+            </a:r>
+            <a:br/>
+            <a:r>
+              <a:rPr b="0" lang="it-IT" sz="1300" spc="-1" strike="noStrike">
+                <a:solidFill>
+                  <a:srgbClr val="37474f"/>
+                </a:solidFill>
+                <a:latin typeface="Times New Roman"/>
+                <a:ea typeface="Arial"/>
+              </a:rPr>
+              <a:t>            </a:t>
+            </a:r>
+            <a:r>
+              <a:rPr b="0" lang="it-IT" sz="1300" spc="-1" strike="noStrike">
+                <a:solidFill>
+                  <a:srgbClr val="3b78e7"/>
+                </a:solidFill>
+                <a:latin typeface="Times New Roman"/>
+                <a:ea typeface="Arial"/>
+              </a:rPr>
+              <a:t>&lt;intent-filter</a:t>
+            </a:r>
+            <a:r>
+              <a:rPr b="0" lang="it-IT" sz="1300" spc="-1" strike="noStrike">
+                <a:solidFill>
+                  <a:srgbClr val="37474f"/>
+                </a:solidFill>
+                <a:latin typeface="Times New Roman"/>
+                <a:ea typeface="Arial"/>
+              </a:rPr>
+              <a:t> </a:t>
+            </a:r>
+            <a:r>
+              <a:rPr b="0" lang="it-IT" sz="1300" spc="-1" strike="noStrike">
+                <a:solidFill>
+                  <a:srgbClr val="3b78e7"/>
+                </a:solidFill>
+                <a:latin typeface="Times New Roman"/>
+                <a:ea typeface="Arial"/>
+              </a:rPr>
+              <a:t>&gt;</a:t>
+            </a:r>
+            <a:br/>
+            <a:r>
+              <a:rPr b="0" lang="it-IT" sz="1300" spc="-1" strike="noStrike">
+                <a:solidFill>
+                  <a:srgbClr val="37474f"/>
+                </a:solidFill>
+                <a:latin typeface="Times New Roman"/>
+                <a:ea typeface="Arial"/>
+              </a:rPr>
+              <a:t>                </a:t>
+            </a:r>
+            <a:r>
+              <a:rPr b="0" lang="it-IT" sz="1300" spc="-1" strike="noStrike">
+                <a:solidFill>
+                  <a:srgbClr val="3b78e7"/>
+                </a:solidFill>
+                <a:latin typeface="Times New Roman"/>
+                <a:ea typeface="Arial"/>
+              </a:rPr>
+              <a:t>&lt;action</a:t>
+            </a:r>
+            <a:r>
+              <a:rPr b="0" lang="it-IT" sz="1300" spc="-1" strike="noStrike">
+                <a:solidFill>
+                  <a:srgbClr val="37474f"/>
+                </a:solidFill>
+                <a:latin typeface="Times New Roman"/>
+                <a:ea typeface="Arial"/>
+              </a:rPr>
+              <a:t> </a:t>
+            </a:r>
+            <a:r>
+              <a:rPr b="0" lang="it-IT" sz="1300" spc="-1" strike="noStrike">
+                <a:solidFill>
+                  <a:srgbClr val="9c27b0"/>
+                </a:solidFill>
+                <a:latin typeface="Times New Roman"/>
+                <a:ea typeface="Arial"/>
+              </a:rPr>
+              <a:t>android:name</a:t>
+            </a:r>
+            <a:r>
+              <a:rPr b="0" lang="it-IT" sz="1300" spc="-1" strike="noStrike">
+                <a:solidFill>
+                  <a:srgbClr val="37474f"/>
+                </a:solidFill>
+                <a:latin typeface="Times New Roman"/>
+                <a:ea typeface="Arial"/>
+              </a:rPr>
+              <a:t>=</a:t>
+            </a:r>
+            <a:r>
+              <a:rPr b="0" lang="it-IT" sz="1300" spc="-1" strike="noStrike">
+                <a:solidFill>
+                  <a:srgbClr val="0d904f"/>
+                </a:solidFill>
+                <a:latin typeface="Times New Roman"/>
+                <a:ea typeface="Arial"/>
+              </a:rPr>
+              <a:t>"android.intent.action.MAIN"</a:t>
+            </a:r>
+            <a:r>
+              <a:rPr b="0" lang="it-IT" sz="1300" spc="-1" strike="noStrike">
+                <a:solidFill>
+                  <a:srgbClr val="37474f"/>
+                </a:solidFill>
+                <a:latin typeface="Times New Roman"/>
+                <a:ea typeface="Arial"/>
+              </a:rPr>
+              <a:t> </a:t>
+            </a:r>
+            <a:r>
+              <a:rPr b="0" lang="it-IT" sz="1300" spc="-1" strike="noStrike">
+                <a:solidFill>
+                  <a:srgbClr val="3b78e7"/>
+                </a:solidFill>
+                <a:latin typeface="Times New Roman"/>
+                <a:ea typeface="Arial"/>
+              </a:rPr>
+              <a:t>/&gt;</a:t>
+            </a:r>
+            <a:br/>
+            <a:r>
+              <a:rPr b="0" lang="it-IT" sz="1300" spc="-1" strike="noStrike">
+                <a:solidFill>
+                  <a:srgbClr val="37474f"/>
+                </a:solidFill>
+                <a:latin typeface="Times New Roman"/>
+                <a:ea typeface="Arial"/>
+              </a:rPr>
+              <a:t>            </a:t>
+            </a:r>
+            <a:r>
+              <a:rPr b="0" lang="it-IT" sz="1300" spc="-1" strike="noStrike">
+                <a:solidFill>
+                  <a:srgbClr val="3b78e7"/>
+                </a:solidFill>
+                <a:latin typeface="Times New Roman"/>
+                <a:ea typeface="Arial"/>
+              </a:rPr>
+              <a:t>&lt;/intent-filter&gt;</a:t>
+            </a:r>
+            <a:br/>
+            <a:r>
+              <a:rPr b="0" lang="it-IT" sz="1300" spc="-1" strike="noStrike">
+                <a:solidFill>
+                  <a:srgbClr val="37474f"/>
+                </a:solidFill>
+                <a:latin typeface="Times New Roman"/>
+                <a:ea typeface="Arial"/>
+              </a:rPr>
+              <a:t>        </a:t>
+            </a:r>
+            <a:r>
+              <a:rPr b="0" lang="it-IT" sz="1300" spc="-1" strike="noStrike">
+                <a:solidFill>
+                  <a:srgbClr val="3b78e7"/>
+                </a:solidFill>
+                <a:latin typeface="Times New Roman"/>
+                <a:ea typeface="Arial"/>
+              </a:rPr>
+              <a:t>&lt;/activity&gt;</a:t>
+            </a:r>
+            <a:br/>
+            <a:r>
+              <a:rPr b="0" lang="it-IT" sz="1300" spc="-1" strike="noStrike">
+                <a:solidFill>
+                  <a:srgbClr val="37474f"/>
+                </a:solidFill>
+                <a:latin typeface="Times New Roman"/>
+                <a:ea typeface="Arial"/>
+              </a:rPr>
+              <a:t>    </a:t>
+            </a:r>
+            <a:r>
+              <a:rPr b="0" lang="it-IT" sz="1300" spc="-1" strike="noStrike">
+                <a:solidFill>
+                  <a:srgbClr val="3b78e7"/>
+                </a:solidFill>
+                <a:latin typeface="Times New Roman"/>
+                <a:ea typeface="Arial"/>
+              </a:rPr>
+              <a:t>&lt;/application&gt;</a:t>
+            </a:r>
+            <a:br/>
+            <a:r>
+              <a:rPr b="0" lang="it-IT" sz="1300" spc="-1" strike="noStrike">
+                <a:solidFill>
+                  <a:srgbClr val="3b78e7"/>
+                </a:solidFill>
+                <a:latin typeface="Times New Roman"/>
+                <a:ea typeface="Arial"/>
+              </a:rPr>
+              <a:t>&lt;/manifest&gt;</a:t>
+            </a:r>
+            <a:endParaRPr b="0" lang="it-IT" sz="1300" spc="-1" strike="noStrike">
+              <a:latin typeface="Arial"/>
+            </a:endParaRPr>
+          </a:p>
+        </p:txBody>
+      </p:sp>
+      <p:sp>
+        <p:nvSpPr>
+          <p:cNvPr id="155" name="CustomShape 5"/>
+          <p:cNvSpPr/>
+          <p:nvPr/>
+        </p:nvSpPr>
+        <p:spPr>
+          <a:xfrm>
+            <a:off x="2715840" y="5688000"/>
+            <a:ext cx="5923800" cy="576360"/>
+          </a:xfrm>
+          <a:prstGeom prst="rect">
+            <a:avLst/>
+          </a:prstGeom>
+          <a:noFill/>
+          <a:ln>
+            <a:noFill/>
+          </a:ln>
+        </p:spPr>
+        <p:style>
+          <a:lnRef idx="0"/>
+          <a:fillRef idx="0"/>
+          <a:effectRef idx="0"/>
+          <a:fontRef idx="minor"/>
+        </p:style>
+        <p:txBody>
+          <a:bodyPr lIns="90000" rIns="90000" tIns="45000" bIns="45000">
+            <a:spAutoFit/>
+          </a:bodyPr>
+          <a:p>
+            <a:pPr>
+              <a:lnSpc>
+                <a:spcPct val="100000"/>
+              </a:lnSpc>
+            </a:pPr>
+            <a:r>
+              <a:rPr b="0" lang="it-IT" sz="1600" spc="-1" strike="noStrike">
+                <a:solidFill>
+                  <a:srgbClr val="000000"/>
+                </a:solidFill>
+                <a:latin typeface="Times New Roman"/>
+                <a:ea typeface="Arial"/>
+              </a:rPr>
+              <a:t>Il file manifesto definisce l'applicazione, il servizio e l'attività per il controllo delle impostazioni.</a:t>
+            </a:r>
+            <a:endParaRPr b="0" lang="it-IT" sz="1600" spc="-1" strike="noStrike">
+              <a:latin typeface="Arial"/>
+            </a:endParaRPr>
+          </a:p>
+        </p:txBody>
+      </p:sp>
+    </p:spTree>
+  </p:cSld>
+  <mc:AlternateContent>
+    <mc:Choice Requires="p14">
+      <p:transition spd="slow" p14:dur="2000"/>
+    </mc:Choice>
+    <mc:Fallback>
+      <p:transition spd="slow"/>
+    </mc:Fallback>
+  </mc:AlternateContent>
+  <p:timing>
+    <p:tnLst>
+      <p:par>
+        <p:cTn id="25" dur="indefinite" restart="never" nodeType="tmRoot">
+          <p:childTnLst>
+            <p:seq>
+              <p:cTn id="26" dur="indefinite" nodeType="mainSeq"/>
+              <p:prevCondLst>
+                <p:cond delay="0" evt="onPrev">
+                  <p:tgtEl>
+                    <p:sldTgt/>
+                  </p:tgtEl>
+                </p:cond>
+              </p:prevCondLst>
+              <p:nextCondLst>
+                <p:cond delay="0" evt="onNext">
+                  <p:tgtEl>
+                    <p:sldTgt/>
+                  </p:tgtEl>
+                </p:cond>
+              </p:nextCondLst>
+            </p:seq>
+          </p:childTnLst>
+        </p:cTn>
+      </p:par>
+    </p:tnLst>
+  </p:timing>
+</p:sld>
+</file>
+
+<file path=ppt/slides/slide14.xml><?xml version="1.0" encoding="utf-8"?>
+<p:sld xmlns:a="http://schemas.openxmlformats.org/drawingml/2006/main" xmlns:p="http://schemas.openxmlformats.org/presentationml/2006/main" xmlns:r="http://schemas.openxmlformats.org/officeDocument/2006/relationships" xmlns:p14="http://schemas.microsoft.com/office/powerpoint/2010/main" xmlns:p15="http://schemas.microsoft.com/office/powerpoint/2012/main" xmlns:mc="http://schemas.openxmlformats.org/markup-compatibility/2006">
+  <p:cSld>
+    <p:spTree>
+      <p:nvGrpSpPr>
+        <p:cNvPr id="1" name=""/>
+        <p:cNvGrpSpPr/>
+        <p:nvPr/>
+      </p:nvGrpSpPr>
+      <p:grpSpPr>
+        <a:xfrm>
+          <a:off x="0" y="0"/>
+          <a:ext cx="0" cy="0"/>
+          <a:chOff x="0" y="0"/>
+          <a:chExt cx="0" cy="0"/>
+        </a:xfrm>
+      </p:grpSpPr>
+      <p:sp>
+        <p:nvSpPr>
+          <p:cNvPr id="156" name="CustomShape 1"/>
+          <p:cNvSpPr/>
+          <p:nvPr/>
+        </p:nvSpPr>
+        <p:spPr>
+          <a:xfrm>
+            <a:off x="868680" y="6480000"/>
+            <a:ext cx="570960" cy="455400"/>
+          </a:xfrm>
+          <a:prstGeom prst="rect">
+            <a:avLst/>
+          </a:prstGeom>
+          <a:noFill/>
+          <a:ln>
+            <a:noFill/>
+          </a:ln>
+        </p:spPr>
+        <p:style>
+          <a:lnRef idx="0"/>
+          <a:fillRef idx="0"/>
+          <a:effectRef idx="0"/>
+          <a:fontRef idx="minor"/>
+        </p:style>
+        <p:txBody>
+          <a:bodyPr lIns="90000" rIns="90000" tIns="45000" bIns="45000">
+            <a:spAutoFit/>
+          </a:bodyPr>
+          <a:p>
+            <a:pPr>
+              <a:lnSpc>
+                <a:spcPct val="100000"/>
+              </a:lnSpc>
+            </a:pPr>
+            <a:fld id="{4DB18B33-7759-4139-ACF6-6816C605F4A4}" type="slidenum">
+              <a:rPr b="0" lang="it-IT" sz="2400" spc="-1" strike="noStrike">
+                <a:solidFill>
+                  <a:srgbClr val="000000"/>
+                </a:solidFill>
+                <a:latin typeface="Times New Roman"/>
+                <a:ea typeface="DejaVu Sans"/>
+              </a:rPr>
+              <a:t>1</a:t>
+            </a:fld>
+            <a:endParaRPr b="0" lang="it-IT" sz="2400" spc="-1" strike="noStrike">
+              <a:latin typeface="Arial"/>
+            </a:endParaRPr>
+          </a:p>
+        </p:txBody>
+      </p:sp>
+      <p:pic>
+        <p:nvPicPr>
+          <p:cNvPr id="157" name="" descr=""/>
+          <p:cNvPicPr/>
+          <p:nvPr/>
+        </p:nvPicPr>
+        <p:blipFill>
+          <a:blip r:embed="rId1"/>
+          <a:stretch/>
+        </p:blipFill>
+        <p:spPr>
+          <a:xfrm>
+            <a:off x="8140680" y="720000"/>
+            <a:ext cx="930960" cy="934560"/>
+          </a:xfrm>
+          <a:prstGeom prst="rect">
+            <a:avLst/>
+          </a:prstGeom>
+          <a:ln>
+            <a:noFill/>
+          </a:ln>
+        </p:spPr>
+      </p:pic>
+      <p:sp>
+        <p:nvSpPr>
+          <p:cNvPr id="158" name="CustomShape 2"/>
+          <p:cNvSpPr/>
+          <p:nvPr/>
+        </p:nvSpPr>
+        <p:spPr>
+          <a:xfrm>
+            <a:off x="3676680" y="6558120"/>
+            <a:ext cx="2662560" cy="273960"/>
+          </a:xfrm>
+          <a:prstGeom prst="rect">
+            <a:avLst/>
+          </a:prstGeom>
+          <a:noFill/>
+          <a:ln>
+            <a:noFill/>
+          </a:ln>
+        </p:spPr>
+        <p:style>
+          <a:lnRef idx="0"/>
+          <a:fillRef idx="0"/>
+          <a:effectRef idx="0"/>
+          <a:fontRef idx="minor"/>
+        </p:style>
+        <p:txBody>
+          <a:bodyPr lIns="0" rIns="0" tIns="0" bIns="0" anchor="ctr">
+            <a:spAutoFit/>
+          </a:bodyPr>
+          <a:p>
+            <a:pPr algn="ctr">
+              <a:lnSpc>
+                <a:spcPct val="100000"/>
+              </a:lnSpc>
+            </a:pPr>
+            <a:r>
+              <a:rPr b="0" lang="it-IT" sz="1800" spc="-1" strike="noStrike">
+                <a:solidFill>
+                  <a:srgbClr val="999999"/>
+                </a:solidFill>
+                <a:latin typeface="Times New Roman"/>
+                <a:ea typeface="DejaVu Sans"/>
+              </a:rPr>
+              <a:t>Mobile Programming 2021</a:t>
+            </a:r>
+            <a:endParaRPr b="0" lang="it-IT" sz="1800" spc="-1" strike="noStrike">
+              <a:latin typeface="Arial"/>
+            </a:endParaRPr>
+          </a:p>
+        </p:txBody>
+      </p:sp>
+      <p:sp>
+        <p:nvSpPr>
+          <p:cNvPr id="159" name="CustomShape 3"/>
+          <p:cNvSpPr/>
+          <p:nvPr/>
+        </p:nvSpPr>
+        <p:spPr>
+          <a:xfrm>
+            <a:off x="3816000" y="2016000"/>
+            <a:ext cx="5039640" cy="819720"/>
+          </a:xfrm>
+          <a:prstGeom prst="rect">
+            <a:avLst/>
+          </a:prstGeom>
+          <a:noFill/>
+          <a:ln>
+            <a:noFill/>
+          </a:ln>
+        </p:spPr>
+        <p:style>
+          <a:lnRef idx="0"/>
+          <a:fillRef idx="0"/>
+          <a:effectRef idx="0"/>
+          <a:fontRef idx="minor"/>
+        </p:style>
+        <p:txBody>
+          <a:bodyPr lIns="90000" rIns="90000" tIns="45000" bIns="45000">
+            <a:spAutoFit/>
+          </a:bodyPr>
+          <a:p>
+            <a:pPr>
+              <a:lnSpc>
+                <a:spcPct val="100000"/>
+              </a:lnSpc>
+            </a:pPr>
+            <a:r>
+              <a:rPr b="0" lang="it-IT" sz="1600" spc="-1" strike="noStrike">
+                <a:solidFill>
+                  <a:srgbClr val="202124"/>
+                </a:solidFill>
+                <a:latin typeface="Times New Roman"/>
+                <a:ea typeface="Arial"/>
+              </a:rPr>
+              <a:t>Le applicazioni che usano le visualizzazioni beneficiano automaticamente del controllo ortografico, perché usa automaticamente un correttore ortografico.</a:t>
+            </a:r>
+            <a:endParaRPr b="0" lang="it-IT" sz="1600" spc="-1" strike="noStrike">
+              <a:latin typeface="Arial"/>
+            </a:endParaRPr>
+          </a:p>
+        </p:txBody>
+      </p:sp>
+      <p:pic>
+        <p:nvPicPr>
+          <p:cNvPr id="160" name="" descr=""/>
+          <p:cNvPicPr/>
+          <p:nvPr/>
+        </p:nvPicPr>
+        <p:blipFill>
+          <a:blip r:embed="rId2"/>
+          <a:stretch/>
+        </p:blipFill>
+        <p:spPr>
+          <a:xfrm>
+            <a:off x="4608000" y="2938320"/>
+            <a:ext cx="2879640" cy="1741320"/>
+          </a:xfrm>
+          <a:prstGeom prst="rect">
+            <a:avLst/>
+          </a:prstGeom>
+          <a:ln>
+            <a:noFill/>
+          </a:ln>
+        </p:spPr>
+      </p:pic>
+      <p:sp>
+        <p:nvSpPr>
+          <p:cNvPr id="161" name="CustomShape 4"/>
+          <p:cNvSpPr/>
+          <p:nvPr/>
+        </p:nvSpPr>
+        <p:spPr>
+          <a:xfrm>
+            <a:off x="3837600" y="4968000"/>
+            <a:ext cx="5378040" cy="1063800"/>
+          </a:xfrm>
+          <a:prstGeom prst="rect">
+            <a:avLst/>
+          </a:prstGeom>
+          <a:noFill/>
+          <a:ln>
+            <a:noFill/>
+          </a:ln>
+        </p:spPr>
+        <p:style>
+          <a:lnRef idx="0"/>
+          <a:fillRef idx="0"/>
+          <a:effectRef idx="0"/>
+          <a:fontRef idx="minor"/>
+        </p:style>
+        <p:txBody>
+          <a:bodyPr lIns="90000" rIns="90000" tIns="45000" bIns="45000">
+            <a:spAutoFit/>
+          </a:bodyPr>
+          <a:p>
+            <a:pPr>
+              <a:lnSpc>
+                <a:spcPct val="100000"/>
+              </a:lnSpc>
+            </a:pPr>
+            <a:r>
+              <a:rPr b="0" lang="it-IT" sz="1600" spc="-1" strike="noStrike">
+                <a:solidFill>
+                  <a:srgbClr val="000000"/>
+                </a:solidFill>
+                <a:latin typeface="Times New Roman"/>
+                <a:ea typeface="Courier New"/>
+              </a:rPr>
+              <a:t>Tuttavia, potresti voler interagire direttamente con un servizio di controllo ortografico anche in altri casi. Il diagramma seguente mostra il flusso di controllo per l'interazione con un servizio di controllo ortografico.</a:t>
+            </a:r>
+            <a:endParaRPr b="0" lang="it-IT" sz="1600" spc="-1" strike="noStrike">
+              <a:latin typeface="Arial"/>
+            </a:endParaRPr>
+          </a:p>
+        </p:txBody>
+      </p:sp>
+      <p:pic>
+        <p:nvPicPr>
+          <p:cNvPr id="162" name="" descr=""/>
+          <p:cNvPicPr/>
+          <p:nvPr/>
+        </p:nvPicPr>
+        <p:blipFill>
+          <a:blip r:embed="rId3"/>
+          <a:stretch/>
+        </p:blipFill>
+        <p:spPr>
+          <a:xfrm>
+            <a:off x="922320" y="1440000"/>
+            <a:ext cx="2605320" cy="5171760"/>
+          </a:xfrm>
+          <a:prstGeom prst="rect">
+            <a:avLst/>
+          </a:prstGeom>
+          <a:ln>
+            <a:noFill/>
+          </a:ln>
+        </p:spPr>
+      </p:pic>
+      <p:sp>
+        <p:nvSpPr>
+          <p:cNvPr id="163" name="CustomShape 5"/>
+          <p:cNvSpPr/>
+          <p:nvPr/>
+        </p:nvSpPr>
+        <p:spPr>
+          <a:xfrm>
+            <a:off x="750600" y="576000"/>
+            <a:ext cx="7025040" cy="1004040"/>
+          </a:xfrm>
+          <a:prstGeom prst="rect">
+            <a:avLst/>
+          </a:prstGeom>
+          <a:noFill/>
+          <a:ln>
+            <a:noFill/>
+          </a:ln>
+        </p:spPr>
+        <p:style>
+          <a:lnRef idx="0"/>
+          <a:fillRef idx="0"/>
+          <a:effectRef idx="0"/>
+          <a:fontRef idx="minor"/>
+        </p:style>
+        <p:txBody>
+          <a:bodyPr lIns="90000" rIns="90000" tIns="45000" bIns="45000">
+            <a:spAutoFit/>
+          </a:bodyPr>
+          <a:p>
+            <a:pPr>
+              <a:lnSpc>
+                <a:spcPct val="100000"/>
+              </a:lnSpc>
+            </a:pPr>
+            <a:r>
+              <a:rPr b="1" i="1" lang="it-IT" sz="3000" spc="-1" strike="noStrike">
+                <a:solidFill>
+                  <a:srgbClr val="996633"/>
+                </a:solidFill>
+                <a:latin typeface="Times New Roman"/>
+                <a:ea typeface="DejaVu Sans"/>
+              </a:rPr>
+              <a:t>Accedere al servizio di controllo ortografico da un client</a:t>
+            </a:r>
+            <a:endParaRPr b="0" lang="it-IT" sz="3000" spc="-1" strike="noStrike">
+              <a:latin typeface="Arial"/>
+            </a:endParaRPr>
+          </a:p>
+        </p:txBody>
+      </p:sp>
+    </p:spTree>
+  </p:cSld>
+  <mc:AlternateContent>
+    <mc:Choice Requires="p14">
+      <p:transition spd="slow" p14:dur="2000"/>
+    </mc:Choice>
+    <mc:Fallback>
+      <p:transition spd="slow"/>
+    </mc:Fallback>
+  </mc:AlternateContent>
+  <p:timing>
+    <p:tnLst>
+      <p:par>
+        <p:cTn id="27" dur="indefinite" restart="never" nodeType="tmRoot">
+          <p:childTnLst>
+            <p:seq>
+              <p:cTn id="28" dur="indefinite" nodeType="mainSeq"/>
+              <p:prevCondLst>
+                <p:cond delay="0" evt="onPrev">
+                  <p:tgtEl>
+                    <p:sldTgt/>
+                  </p:tgtEl>
+                </p:cond>
+              </p:prevCondLst>
+              <p:nextCondLst>
+                <p:cond delay="0" evt="onNext">
+                  <p:tgtEl>
+                    <p:sldTgt/>
+                  </p:tgtEl>
+                </p:cond>
+              </p:nextCondLst>
+            </p:seq>
+          </p:childTnLst>
+        </p:cTn>
+      </p:par>
+    </p:tnLst>
+  </p:timing>
+</p:sld>
+</file>
+
+<file path=ppt/slides/slide15.xml><?xml version="1.0" encoding="utf-8"?>
+<p:sld xmlns:a="http://schemas.openxmlformats.org/drawingml/2006/main" xmlns:p="http://schemas.openxmlformats.org/presentationml/2006/main" xmlns:r="http://schemas.openxmlformats.org/officeDocument/2006/relationships" xmlns:p14="http://schemas.microsoft.com/office/powerpoint/2010/main" xmlns:p15="http://schemas.microsoft.com/office/powerpoint/2012/main" xmlns:mc="http://schemas.openxmlformats.org/markup-compatibility/2006">
+  <p:cSld>
+    <p:spTree>
+      <p:nvGrpSpPr>
+        <p:cNvPr id="1" name=""/>
+        <p:cNvGrpSpPr/>
+        <p:nvPr/>
+      </p:nvGrpSpPr>
+      <p:grpSpPr>
+        <a:xfrm>
+          <a:off x="0" y="0"/>
+          <a:ext cx="0" cy="0"/>
+          <a:chOff x="0" y="0"/>
+          <a:chExt cx="0" cy="0"/>
+        </a:xfrm>
+      </p:grpSpPr>
+      <p:sp>
+        <p:nvSpPr>
+          <p:cNvPr id="164" name="CustomShape 1"/>
+          <p:cNvSpPr/>
+          <p:nvPr/>
+        </p:nvSpPr>
+        <p:spPr>
+          <a:xfrm>
+            <a:off x="868680" y="6480000"/>
+            <a:ext cx="570960" cy="455400"/>
+          </a:xfrm>
+          <a:prstGeom prst="rect">
+            <a:avLst/>
+          </a:prstGeom>
+          <a:noFill/>
+          <a:ln>
+            <a:noFill/>
+          </a:ln>
+        </p:spPr>
+        <p:style>
+          <a:lnRef idx="0"/>
+          <a:fillRef idx="0"/>
+          <a:effectRef idx="0"/>
+          <a:fontRef idx="minor"/>
+        </p:style>
+        <p:txBody>
+          <a:bodyPr lIns="90000" rIns="90000" tIns="45000" bIns="45000">
+            <a:spAutoFit/>
+          </a:bodyPr>
+          <a:p>
+            <a:pPr>
+              <a:lnSpc>
+                <a:spcPct val="100000"/>
+              </a:lnSpc>
+            </a:pPr>
+            <a:fld id="{F474627D-70A9-4AAF-86A7-111B1C79DE8B}" type="slidenum">
+              <a:rPr b="0" lang="it-IT" sz="2400" spc="-1" strike="noStrike">
+                <a:solidFill>
+                  <a:srgbClr val="000000"/>
+                </a:solidFill>
+                <a:latin typeface="Times New Roman"/>
+                <a:ea typeface="DejaVu Sans"/>
+              </a:rPr>
+              <a:t>1</a:t>
+            </a:fld>
+            <a:endParaRPr b="0" lang="it-IT" sz="2400" spc="-1" strike="noStrike">
+              <a:latin typeface="Arial"/>
+            </a:endParaRPr>
+          </a:p>
+        </p:txBody>
+      </p:sp>
+      <p:pic>
+        <p:nvPicPr>
+          <p:cNvPr id="165" name="" descr=""/>
+          <p:cNvPicPr/>
+          <p:nvPr/>
+        </p:nvPicPr>
+        <p:blipFill>
+          <a:blip r:embed="rId1"/>
+          <a:stretch/>
+        </p:blipFill>
+        <p:spPr>
+          <a:xfrm>
+            <a:off x="8140680" y="720000"/>
+            <a:ext cx="930960" cy="934560"/>
+          </a:xfrm>
+          <a:prstGeom prst="rect">
+            <a:avLst/>
+          </a:prstGeom>
+          <a:ln>
+            <a:noFill/>
+          </a:ln>
+        </p:spPr>
+      </p:pic>
+      <p:sp>
+        <p:nvSpPr>
+          <p:cNvPr id="166" name="CustomShape 2"/>
+          <p:cNvSpPr/>
+          <p:nvPr/>
+        </p:nvSpPr>
+        <p:spPr>
+          <a:xfrm>
+            <a:off x="3676680" y="6558120"/>
+            <a:ext cx="2662560" cy="273960"/>
+          </a:xfrm>
+          <a:prstGeom prst="rect">
+            <a:avLst/>
+          </a:prstGeom>
+          <a:noFill/>
+          <a:ln>
+            <a:noFill/>
+          </a:ln>
+        </p:spPr>
+        <p:style>
+          <a:lnRef idx="0"/>
+          <a:fillRef idx="0"/>
+          <a:effectRef idx="0"/>
+          <a:fontRef idx="minor"/>
+        </p:style>
+        <p:txBody>
+          <a:bodyPr lIns="0" rIns="0" tIns="0" bIns="0" anchor="ctr">
+            <a:spAutoFit/>
+          </a:bodyPr>
+          <a:p>
+            <a:pPr algn="ctr">
+              <a:lnSpc>
+                <a:spcPct val="100000"/>
+              </a:lnSpc>
+            </a:pPr>
+            <a:r>
+              <a:rPr b="0" lang="it-IT" sz="1800" spc="-1" strike="noStrike">
+                <a:solidFill>
+                  <a:srgbClr val="999999"/>
+                </a:solidFill>
+                <a:latin typeface="Times New Roman"/>
+                <a:ea typeface="DejaVu Sans"/>
+              </a:rPr>
+              <a:t>Mobile Programming 2021</a:t>
+            </a:r>
+            <a:endParaRPr b="0" lang="it-IT" sz="1800" spc="-1" strike="noStrike">
+              <a:latin typeface="Arial"/>
+            </a:endParaRPr>
+          </a:p>
+        </p:txBody>
+      </p:sp>
+    </p:spTree>
+  </p:cSld>
+  <mc:AlternateContent>
+    <mc:Choice Requires="p14">
+      <p:transition spd="slow" p14:dur="2000"/>
+    </mc:Choice>
+    <mc:Fallback>
+      <p:transition spd="slow"/>
+    </mc:Fallback>
+  </mc:AlternateContent>
+  <p:timing>
+    <p:tnLst>
+      <p:par>
+        <p:cTn id="29" dur="indefinite" restart="never" nodeType="tmRoot">
+          <p:childTnLst>
+            <p:seq>
+              <p:cTn id="30" dur="indefinite" nodeType="mainSeq"/>
+              <p:prevCondLst>
+                <p:cond delay="0" evt="onPrev">
+                  <p:tgtEl>
+                    <p:sldTgt/>
+                  </p:tgtEl>
+                </p:cond>
+              </p:prevCondLst>
+              <p:nextCondLst>
+                <p:cond delay="0" evt="onNext">
+                  <p:tgtEl>
+                    <p:sldTgt/>
+                  </p:tgtEl>
+                </p:cond>
+              </p:nextCondLst>
+            </p:seq>
+          </p:childTnLst>
+        </p:cTn>
+      </p:par>
+    </p:tnLst>
+  </p:timing>
+</p:sld>
+</file>
+
 <file path=ppt/slides/slide2.xml><?xml version="1.0" encoding="utf-8"?>
 <p:sld xmlns:a="http://schemas.openxmlformats.org/drawingml/2006/main" xmlns:p="http://schemas.openxmlformats.org/presentationml/2006/main" xmlns:r="http://schemas.openxmlformats.org/officeDocument/2006/relationships" xmlns:p14="http://schemas.microsoft.com/office/powerpoint/2010/main" xmlns:p15="http://schemas.microsoft.com/office/powerpoint/2012/main" xmlns:mc="http://schemas.openxmlformats.org/markup-compatibility/2006">
   <p:cSld>
@@ -2124,14 +6998,14 @@
       </p:grpSpPr>
       <p:sp>
         <p:nvSpPr>
-          <p:cNvPr id="44" name="TextShape 1"/>
-          <p:cNvSpPr txBox="1"/>
+          <p:cNvPr id="83" name="CustomShape 1"/>
+          <p:cNvSpPr/>
           <p:nvPr/>
         </p:nvSpPr>
         <p:spPr>
           <a:xfrm>
             <a:off x="864000" y="6480000"/>
-            <a:ext cx="432000" cy="427320"/>
+            <a:ext cx="430560" cy="455400"/>
           </a:xfrm>
           <a:prstGeom prst="rect">
             <a:avLst/>
@@ -2141,26 +7015,41 @@
             <a:noFill/>
           </a:ln>
         </p:spPr>
+        <p:style>
+          <a:lnRef idx="0"/>
+          <a:fillRef idx="0"/>
+          <a:effectRef idx="0"/>
+          <a:fontRef idx="minor"/>
+        </p:style>
         <p:txBody>
           <a:bodyPr lIns="90000" rIns="90000" tIns="45000" bIns="45000">
             <a:spAutoFit/>
           </a:bodyPr>
           <a:p>
-            <a:fld id="{93E6BFC9-2BF4-4ABD-BF71-85C61D067B5C}" type="slidenum">
+            <a:pPr>
+              <a:lnSpc>
+                <a:spcPct val="100000"/>
+              </a:lnSpc>
+            </a:pPr>
+            <a:fld id="{62F70A05-F76B-4F72-9756-DC7396D5D68C}" type="slidenum">
               <a:rPr b="0" lang="it-IT" sz="2400" spc="-1" strike="noStrike">
-                <a:latin typeface="Times New Roman"/>
+                <a:solidFill>
+                  <a:srgbClr val="000000"/>
+                </a:solidFill>
+                <a:latin typeface="Times New Roman"/>
+                <a:ea typeface="DejaVu Sans"/>
               </a:rPr>
               <a:t>1</a:t>
             </a:fld>
             <a:endParaRPr b="0" lang="it-IT" sz="2400" spc="-1" strike="noStrike">
-              <a:latin typeface="Times New Roman"/>
+              <a:latin typeface="Arial"/>
             </a:endParaRPr>
           </a:p>
         </p:txBody>
       </p:sp>
       <p:pic>
         <p:nvPicPr>
-          <p:cNvPr id="45" name="" descr=""/>
+          <p:cNvPr id="84" name="" descr=""/>
           <p:cNvPicPr/>
           <p:nvPr/>
         </p:nvPicPr>
@@ -2171,7 +7060,7 @@
         <p:spPr>
           <a:xfrm>
             <a:off x="8136000" y="720000"/>
-            <a:ext cx="932400" cy="936000"/>
+            <a:ext cx="930960" cy="934560"/>
           </a:xfrm>
           <a:prstGeom prst="rect">
             <a:avLst/>
@@ -2183,14 +7072,14 @@
       </p:pic>
       <p:sp>
         <p:nvSpPr>
-          <p:cNvPr id="46" name="TextShape 2"/>
-          <p:cNvSpPr txBox="1"/>
+          <p:cNvPr id="85" name="CustomShape 2"/>
+          <p:cNvSpPr/>
           <p:nvPr/>
         </p:nvSpPr>
         <p:spPr>
           <a:xfrm>
-            <a:off x="3672000" y="6552000"/>
-            <a:ext cx="2664000" cy="288000"/>
+            <a:off x="3672000" y="6558120"/>
+            <a:ext cx="2662560" cy="273960"/>
           </a:xfrm>
           <a:prstGeom prst="rect">
             <a:avLst/>
@@ -2200,40 +7089,48 @@
             <a:noFill/>
           </a:ln>
         </p:spPr>
+        <p:style>
+          <a:lnRef idx="0"/>
+          <a:fillRef idx="0"/>
+          <a:effectRef idx="0"/>
+          <a:fontRef idx="minor"/>
+        </p:style>
         <p:txBody>
           <a:bodyPr lIns="0" rIns="0" tIns="0" bIns="0" anchor="ctr">
             <a:spAutoFit/>
           </a:bodyPr>
           <a:p>
-            <a:pPr algn="ctr"/>
+            <a:pPr algn="ctr">
+              <a:lnSpc>
+                <a:spcPct val="100000"/>
+              </a:lnSpc>
+            </a:pPr>
             <a:r>
               <a:rPr b="0" lang="it-IT" sz="1800" spc="-1" strike="noStrike">
                 <a:solidFill>
                   <a:srgbClr val="999999"/>
                 </a:solidFill>
                 <a:latin typeface="Times New Roman"/>
+                <a:ea typeface="DejaVu Sans"/>
               </a:rPr>
               <a:t>Mobile Programming 2021</a:t>
             </a:r>
             <a:endParaRPr b="0" lang="it-IT" sz="1800" spc="-1" strike="noStrike">
-              <a:solidFill>
-                <a:srgbClr val="999999"/>
-              </a:solidFill>
-              <a:latin typeface="Times New Roman"/>
-            </a:endParaRPr>
-          </a:p>
-        </p:txBody>
-      </p:sp>
-      <p:sp>
-        <p:nvSpPr>
-          <p:cNvPr id="47" name="TextShape 3"/>
-          <p:cNvSpPr txBox="1"/>
+              <a:latin typeface="Arial"/>
+            </a:endParaRPr>
+          </a:p>
+        </p:txBody>
+      </p:sp>
+      <p:sp>
+        <p:nvSpPr>
+          <p:cNvPr id="86" name="CustomShape 3"/>
+          <p:cNvSpPr/>
           <p:nvPr/>
         </p:nvSpPr>
         <p:spPr>
           <a:xfrm>
-            <a:off x="1080000" y="2016000"/>
-            <a:ext cx="7776000" cy="3096000"/>
+            <a:off x="1009440" y="3240000"/>
+            <a:ext cx="7774560" cy="1878840"/>
           </a:xfrm>
           <a:prstGeom prst="rect">
             <a:avLst/>
@@ -2243,110 +7140,23 @@
             <a:noFill/>
           </a:ln>
         </p:spPr>
-        <p:txBody>
-          <a:bodyPr lIns="0" rIns="0" tIns="0" bIns="0" anchor="ctr">
-            <a:spAutoFit/>
-          </a:bodyPr>
-          <a:p>
-            <a:pPr>
-              <a:lnSpc>
-                <a:spcPts val="1800"/>
-              </a:lnSpc>
-              <a:spcAft>
-                <a:spcPts val="799"/>
-              </a:spcAft>
-            </a:pPr>
-            <a:r>
-              <a:rPr b="0" lang="it-IT" sz="1800" spc="-1" strike="noStrike">
-                <a:solidFill>
-                  <a:srgbClr val="000000"/>
-                </a:solidFill>
-                <a:latin typeface="Times New Roman"/>
-              </a:rPr>
-              <a:t>A partire da Android 1.5, la piattaforma Android offre un Framework del metodo di input (IMF) che consente di creare metodi di input sullo schermo come le tastiere software. </a:t>
-            </a:r>
-            <a:endParaRPr b="0" lang="it-IT" sz="1800" spc="-1" strike="noStrike">
-              <a:latin typeface="Arial"/>
-            </a:endParaRPr>
-          </a:p>
-          <a:p>
-            <a:pPr algn="ctr">
-              <a:lnSpc>
-                <a:spcPts val="1800"/>
-              </a:lnSpc>
-              <a:spcAft>
-                <a:spcPts val="1199"/>
-              </a:spcAft>
-            </a:pPr>
-            <a:r>
-              <a:rPr b="0" lang="it-IT" sz="1800" spc="-1" strike="noStrike">
-                <a:solidFill>
-                  <a:srgbClr val="000000"/>
-                </a:solidFill>
-                <a:latin typeface="Times New Roman"/>
-              </a:rPr>
-              <a:t>Che cos'è un metodo di input?</a:t>
-            </a:r>
-            <a:endParaRPr b="0" lang="it-IT" sz="1800" spc="-1" strike="noStrike">
-              <a:latin typeface="Arial"/>
-            </a:endParaRPr>
-          </a:p>
-          <a:p>
-            <a:pPr>
-              <a:lnSpc>
-                <a:spcPts val="1800"/>
-              </a:lnSpc>
-            </a:pPr>
-            <a:r>
-              <a:rPr b="0" lang="it-IT" sz="1800" spc="-1" strike="noStrike">
-                <a:solidFill>
-                  <a:srgbClr val="000000"/>
-                </a:solidFill>
-                <a:latin typeface="Times New Roman"/>
-              </a:rPr>
-              <a:t>Android IMF è progettato per supportare una varietà di IMI, tra cui tastiera morbida, riconoscimento della scrittura a mano e traduttori hard keyboard. Il nostro focus, tuttavia, sarà sulle tastiere morbide, poiché questo è il tipo di metodo di input che attualmente fa parte della piattaforma.</a:t>
-            </a:r>
-            <a:endParaRPr b="0" lang="it-IT" sz="1800" spc="-1" strike="noStrike">
-              <a:latin typeface="Arial"/>
-            </a:endParaRPr>
-          </a:p>
-          <a:p>
-            <a:pPr>
-              <a:lnSpc>
-                <a:spcPts val="1800"/>
-              </a:lnSpc>
-              <a:spcBef>
-                <a:spcPts val="1400"/>
-              </a:spcBef>
-              <a:spcAft>
-                <a:spcPts val="1400"/>
-              </a:spcAft>
-            </a:pPr>
-            <a:r>
-              <a:rPr b="0" lang="it-IT" sz="1800" spc="-1" strike="noStrike">
-                <a:solidFill>
-                  <a:srgbClr val="000000"/>
-                </a:solidFill>
-                <a:latin typeface="Times New Roman"/>
-              </a:rPr>
-              <a:t>Un utente accede in genere all'IME corrente toccando una visualizzazione di testo da modificare, come mostrato qui nella schermata iniziale:</a:t>
-            </a:r>
-            <a:endParaRPr b="0" lang="it-IT" sz="1800" spc="-1" strike="noStrike">
-              <a:latin typeface="Arial"/>
-            </a:endParaRPr>
-          </a:p>
-        </p:txBody>
-      </p:sp>
-      <p:sp>
-        <p:nvSpPr>
-          <p:cNvPr id="48" name="TextShape 4"/>
-          <p:cNvSpPr txBox="1"/>
+        <p:style>
+          <a:lnRef idx="0"/>
+          <a:fillRef idx="0"/>
+          <a:effectRef idx="0"/>
+          <a:fontRef idx="minor"/>
+        </p:style>
+      </p:sp>
+      <p:sp>
+        <p:nvSpPr>
+          <p:cNvPr id="87" name="CustomShape 4"/>
+          <p:cNvSpPr/>
           <p:nvPr/>
         </p:nvSpPr>
         <p:spPr>
           <a:xfrm>
-            <a:off x="1368000" y="874800"/>
-            <a:ext cx="6624000" cy="709200"/>
+            <a:off x="1512000" y="1028160"/>
+            <a:ext cx="6048000" cy="699840"/>
           </a:xfrm>
           <a:prstGeom prst="rect">
             <a:avLst/>
@@ -2356,22 +7166,206 @@
             <a:noFill/>
           </a:ln>
         </p:spPr>
+        <p:style>
+          <a:lnRef idx="0"/>
+          <a:fillRef idx="0"/>
+          <a:effectRef idx="0"/>
+          <a:fontRef idx="minor"/>
+        </p:style>
         <p:txBody>
           <a:bodyPr lIns="90000" rIns="90000" tIns="45000" bIns="45000">
             <a:spAutoFit/>
           </a:bodyPr>
           <a:p>
-            <a:r>
-              <a:rPr b="1" i="1" lang="it-IT" sz="4400" spc="-1" strike="noStrike">
+            <a:pPr>
+              <a:lnSpc>
+                <a:spcPct val="100000"/>
+              </a:lnSpc>
+            </a:pPr>
+            <a:r>
+              <a:rPr b="1" i="1" lang="it-IT" sz="4000" spc="-1" strike="noStrike">
                 <a:solidFill>
                   <a:srgbClr val="996633"/>
                 </a:solidFill>
                 <a:latin typeface="Times New Roman"/>
+                <a:ea typeface="DejaVu Sans"/>
               </a:rPr>
               <a:t>Metodo di Input su schermo</a:t>
             </a:r>
-            <a:endParaRPr b="0" lang="it-IT" sz="4400" spc="-1" strike="noStrike">
-              <a:latin typeface="Arial"/>
+            <a:endParaRPr b="0" lang="it-IT" sz="4000" spc="-1" strike="noStrike">
+              <a:latin typeface="Arial"/>
+            </a:endParaRPr>
+          </a:p>
+        </p:txBody>
+      </p:sp>
+      <p:sp>
+        <p:nvSpPr>
+          <p:cNvPr id="88" name="CustomShape 5"/>
+          <p:cNvSpPr/>
+          <p:nvPr/>
+        </p:nvSpPr>
+        <p:spPr>
+          <a:xfrm>
+            <a:off x="864000" y="2304000"/>
+            <a:ext cx="8279280" cy="3124440"/>
+          </a:xfrm>
+          <a:prstGeom prst="rect">
+            <a:avLst/>
+          </a:prstGeom>
+          <a:noFill/>
+          <a:ln>
+            <a:noFill/>
+          </a:ln>
+        </p:spPr>
+        <p:style>
+          <a:lnRef idx="0"/>
+          <a:fillRef idx="0"/>
+          <a:effectRef idx="0"/>
+          <a:fontRef idx="minor"/>
+        </p:style>
+        <p:txBody>
+          <a:bodyPr lIns="90000" rIns="90000" tIns="45000" bIns="45000">
+            <a:spAutoFit/>
+          </a:bodyPr>
+          <a:p>
+            <a:pPr marL="216000" indent="-216000">
+              <a:lnSpc>
+                <a:spcPct val="100000"/>
+              </a:lnSpc>
+              <a:buClr>
+                <a:srgbClr val="000000"/>
+              </a:buClr>
+              <a:buFont typeface="Symbol" charset="2"/>
+              <a:buChar char=""/>
+            </a:pPr>
+            <a:r>
+              <a:rPr b="0" lang="it-IT" sz="1600" spc="-1" strike="noStrike">
+                <a:solidFill>
+                  <a:srgbClr val="000000"/>
+                </a:solidFill>
+                <a:latin typeface="Times New Roman"/>
+                <a:ea typeface="DejaVu Sans"/>
+              </a:rPr>
+              <a:t>A partire da Android 1.5, la piattaforma Android offre un Framework del metodo di input (IMF) che consente di creare metodi di input sullo schermo come le tastiere software.</a:t>
+            </a:r>
+            <a:endParaRPr b="0" lang="it-IT" sz="1600" spc="-1" strike="noStrike">
+              <a:latin typeface="Times New Roman"/>
+            </a:endParaRPr>
+          </a:p>
+          <a:p>
+            <a:pPr marL="216000" indent="-216000">
+              <a:lnSpc>
+                <a:spcPct val="100000"/>
+              </a:lnSpc>
+              <a:buClr>
+                <a:srgbClr val="000000"/>
+              </a:buClr>
+              <a:buFont typeface="Symbol" charset="2"/>
+              <a:buChar char=""/>
+            </a:pPr>
+            <a:endParaRPr b="0" lang="it-IT" sz="1600" spc="-1" strike="noStrike">
+              <a:latin typeface="Times New Roman"/>
+            </a:endParaRPr>
+          </a:p>
+          <a:p>
+            <a:pPr marL="216000" indent="-216000">
+              <a:lnSpc>
+                <a:spcPct val="100000"/>
+              </a:lnSpc>
+              <a:buClr>
+                <a:srgbClr val="000000"/>
+              </a:buClr>
+              <a:buFont typeface="Symbol" charset="2"/>
+              <a:buChar char=""/>
+            </a:pPr>
+            <a:endParaRPr b="0" lang="it-IT" sz="1600" spc="-1" strike="noStrike">
+              <a:latin typeface="Times New Roman"/>
+            </a:endParaRPr>
+          </a:p>
+          <a:p>
+            <a:pPr marL="216000" indent="-216000">
+              <a:lnSpc>
+                <a:spcPts val="1800"/>
+              </a:lnSpc>
+              <a:spcAft>
+                <a:spcPts val="799"/>
+              </a:spcAft>
+              <a:buClr>
+                <a:srgbClr val="000000"/>
+              </a:buClr>
+              <a:buFont typeface="Symbol" charset="2"/>
+              <a:buChar char=""/>
+            </a:pPr>
+            <a:r>
+              <a:rPr b="0" lang="it-IT" sz="1600" spc="-1" strike="noStrike">
+                <a:solidFill>
+                  <a:srgbClr val="000000"/>
+                </a:solidFill>
+                <a:latin typeface="Times New Roman"/>
+                <a:ea typeface="DejaVu Sans"/>
+              </a:rPr>
+              <a:t>Android IMF è progettato per supportare una varietà di IMI, tra cui tastiera morbida, riconoscimento della scrittura a mano e traduttori hard keyboard. Il nostro focus, tuttavia, sarà sulle tastiere morbide, poiché questo è il tipo di metodo di input che attualmente fa parte della piattaforma.</a:t>
+            </a:r>
+            <a:endParaRPr b="0" lang="it-IT" sz="1600" spc="-1" strike="noStrike">
+              <a:latin typeface="Times New Roman"/>
+            </a:endParaRPr>
+          </a:p>
+          <a:p>
+            <a:pPr marL="216000" indent="-216000">
+              <a:lnSpc>
+                <a:spcPts val="1800"/>
+              </a:lnSpc>
+              <a:spcAft>
+                <a:spcPts val="799"/>
+              </a:spcAft>
+              <a:buClr>
+                <a:srgbClr val="000000"/>
+              </a:buClr>
+              <a:buFont typeface="Symbol" charset="2"/>
+              <a:buChar char=""/>
+            </a:pPr>
+            <a:endParaRPr b="0" lang="it-IT" sz="1600" spc="-1" strike="noStrike">
+              <a:latin typeface="Times New Roman"/>
+            </a:endParaRPr>
+          </a:p>
+          <a:p>
+            <a:pPr marL="216000" indent="-216000">
+              <a:lnSpc>
+                <a:spcPts val="1800"/>
+              </a:lnSpc>
+              <a:buClr>
+                <a:srgbClr val="000000"/>
+              </a:buClr>
+              <a:buFont typeface="Symbol" charset="2"/>
+              <a:buChar char=""/>
+            </a:pPr>
+            <a:endParaRPr b="0" lang="it-IT" sz="1600" spc="-1" strike="noStrike">
+              <a:latin typeface="Times New Roman"/>
+            </a:endParaRPr>
+          </a:p>
+          <a:p>
+            <a:pPr marL="216000" indent="-216000">
+              <a:lnSpc>
+                <a:spcPct val="100000"/>
+              </a:lnSpc>
+              <a:buClr>
+                <a:srgbClr val="000000"/>
+              </a:buClr>
+              <a:buFont typeface="Symbol" charset="2"/>
+              <a:buChar char=""/>
+            </a:pPr>
+            <a:r>
+              <a:rPr b="0" lang="it-IT" sz="1600" spc="-1" strike="noStrike">
+                <a:solidFill>
+                  <a:srgbClr val="000000"/>
+                </a:solidFill>
+                <a:latin typeface="Times New Roman"/>
+                <a:ea typeface="DejaVu Sans"/>
+              </a:rPr>
+              <a:t>Un utente accede in genere all'IME corrente toccando una visualizzazione di testo da modificare, come mostrato qui nella schermata iniziale:</a:t>
+            </a:r>
+            <a:endParaRPr b="0" lang="it-IT" sz="1600" spc="-1" strike="noStrike">
+              <a:latin typeface="Times New Roman"/>
             </a:endParaRPr>
           </a:p>
         </p:txBody>
@@ -2435,14 +7429,14 @@
       </p:grpSpPr>
       <p:sp>
         <p:nvSpPr>
-          <p:cNvPr id="49" name="TextShape 1"/>
-          <p:cNvSpPr txBox="1"/>
+          <p:cNvPr id="89" name="CustomShape 1"/>
+          <p:cNvSpPr/>
           <p:nvPr/>
         </p:nvSpPr>
         <p:spPr>
           <a:xfrm>
             <a:off x="864000" y="6480360"/>
-            <a:ext cx="432000" cy="427320"/>
+            <a:ext cx="430560" cy="455400"/>
           </a:xfrm>
           <a:prstGeom prst="rect">
             <a:avLst/>
@@ -2452,26 +7446,41 @@
             <a:noFill/>
           </a:ln>
         </p:spPr>
+        <p:style>
+          <a:lnRef idx="0"/>
+          <a:fillRef idx="0"/>
+          <a:effectRef idx="0"/>
+          <a:fontRef idx="minor"/>
+        </p:style>
         <p:txBody>
           <a:bodyPr lIns="90000" rIns="90000" tIns="45000" bIns="45000">
             <a:spAutoFit/>
           </a:bodyPr>
           <a:p>
-            <a:fld id="{12821DBF-2471-4656-A7D9-0F89F99355F2}" type="slidenum">
+            <a:pPr>
+              <a:lnSpc>
+                <a:spcPct val="100000"/>
+              </a:lnSpc>
+            </a:pPr>
+            <a:fld id="{2C5E14F8-C1D5-4844-B12B-1DF15DAB39F5}" type="slidenum">
               <a:rPr b="0" lang="it-IT" sz="2400" spc="-1" strike="noStrike">
-                <a:latin typeface="Times New Roman"/>
-              </a:rPr>
-              <a:t>&lt;numero&gt;</a:t>
+                <a:solidFill>
+                  <a:srgbClr val="000000"/>
+                </a:solidFill>
+                <a:latin typeface="Times New Roman"/>
+                <a:ea typeface="DejaVu Sans"/>
+              </a:rPr>
+              <a:t>1</a:t>
             </a:fld>
             <a:endParaRPr b="0" lang="it-IT" sz="2400" spc="-1" strike="noStrike">
-              <a:latin typeface="Times New Roman"/>
+              <a:latin typeface="Arial"/>
             </a:endParaRPr>
           </a:p>
         </p:txBody>
       </p:sp>
       <p:pic>
         <p:nvPicPr>
-          <p:cNvPr id="50" name="" descr=""/>
+          <p:cNvPr id="90" name="" descr=""/>
           <p:cNvPicPr/>
           <p:nvPr/>
         </p:nvPicPr>
@@ -2482,7 +7491,7 @@
         <p:spPr>
           <a:xfrm>
             <a:off x="8136000" y="720360"/>
-            <a:ext cx="932400" cy="936000"/>
+            <a:ext cx="930960" cy="934560"/>
           </a:xfrm>
           <a:prstGeom prst="rect">
             <a:avLst/>
@@ -2494,14 +7503,14 @@
       </p:pic>
       <p:sp>
         <p:nvSpPr>
-          <p:cNvPr id="51" name="TextShape 2"/>
-          <p:cNvSpPr txBox="1"/>
+          <p:cNvPr id="91" name="CustomShape 2"/>
+          <p:cNvSpPr/>
           <p:nvPr/>
         </p:nvSpPr>
         <p:spPr>
           <a:xfrm>
-            <a:off x="3672000" y="6552360"/>
-            <a:ext cx="2664000" cy="288000"/>
+            <a:off x="3672000" y="6558480"/>
+            <a:ext cx="2662560" cy="273960"/>
           </a:xfrm>
           <a:prstGeom prst="rect">
             <a:avLst/>
@@ -2511,40 +7520,48 @@
             <a:noFill/>
           </a:ln>
         </p:spPr>
+        <p:style>
+          <a:lnRef idx="0"/>
+          <a:fillRef idx="0"/>
+          <a:effectRef idx="0"/>
+          <a:fontRef idx="minor"/>
+        </p:style>
         <p:txBody>
           <a:bodyPr lIns="0" rIns="0" tIns="0" bIns="0" anchor="ctr">
             <a:spAutoFit/>
           </a:bodyPr>
           <a:p>
-            <a:pPr algn="ctr"/>
+            <a:pPr algn="ctr">
+              <a:lnSpc>
+                <a:spcPct val="100000"/>
+              </a:lnSpc>
+            </a:pPr>
             <a:r>
               <a:rPr b="0" lang="it-IT" sz="1800" spc="-1" strike="noStrike">
                 <a:solidFill>
                   <a:srgbClr val="999999"/>
                 </a:solidFill>
                 <a:latin typeface="Times New Roman"/>
+                <a:ea typeface="DejaVu Sans"/>
               </a:rPr>
               <a:t>Mobile Programming 2021</a:t>
             </a:r>
             <a:endParaRPr b="0" lang="it-IT" sz="1800" spc="-1" strike="noStrike">
-              <a:solidFill>
-                <a:srgbClr val="999999"/>
-              </a:solidFill>
-              <a:latin typeface="Times New Roman"/>
-            </a:endParaRPr>
-          </a:p>
-        </p:txBody>
-      </p:sp>
-      <p:sp>
-        <p:nvSpPr>
-          <p:cNvPr id="52" name="TextShape 3"/>
-          <p:cNvSpPr txBox="1"/>
+              <a:latin typeface="Arial"/>
+            </a:endParaRPr>
+          </a:p>
+        </p:txBody>
+      </p:sp>
+      <p:sp>
+        <p:nvSpPr>
+          <p:cNvPr id="92" name="CustomShape 3"/>
+          <p:cNvSpPr/>
           <p:nvPr/>
         </p:nvSpPr>
         <p:spPr>
           <a:xfrm>
-            <a:off x="1080000" y="787320"/>
-            <a:ext cx="6624000" cy="1012680"/>
+            <a:off x="3960000" y="1402920"/>
+            <a:ext cx="3814920" cy="685080"/>
           </a:xfrm>
           <a:prstGeom prst="rect">
             <a:avLst/>
@@ -2554,6 +7571,12 @@
             <a:noFill/>
           </a:ln>
         </p:spPr>
+        <p:style>
+          <a:lnRef idx="0"/>
+          <a:fillRef idx="0"/>
+          <a:effectRef idx="0"/>
+          <a:fontRef idx="minor"/>
+        </p:style>
         <p:txBody>
           <a:bodyPr lIns="0" rIns="0" tIns="0" bIns="0" anchor="ctr">
             <a:spAutoFit/>
@@ -2568,15 +7591,97 @@
               </a:spcAft>
             </a:pPr>
             <a:r>
-              <a:rPr b="0" lang="it-IT" sz="1800" spc="-1" strike="noStrike">
+              <a:rPr b="0" lang="it-IT" sz="1600" spc="-1" strike="noStrike">
                 <a:solidFill>
                   <a:srgbClr val="000000"/>
                 </a:solidFill>
                 <a:latin typeface="Times New Roman"/>
-              </a:rPr>
-              <a:t>Un utente accede in genere all'IME corrente toccando una visualizzazione di testo da modificare, come mostrato qui nella schermata iniziale:</a:t>
-            </a:r>
-            <a:endParaRPr b="0" lang="it-IT" sz="1800" spc="-1" strike="noStrike">
+                <a:ea typeface="Noto Sans CJK SC Regular"/>
+              </a:rPr>
+              <a:t>Un utente accede in genere all'IME corrente toccando una visualizzazione di testo da modificare, come nell’esempio.</a:t>
+            </a:r>
+            <a:endParaRPr b="0" lang="it-IT" sz="1600" spc="-1" strike="noStrike">
+              <a:latin typeface="Times New Roman"/>
+            </a:endParaRPr>
+          </a:p>
+        </p:txBody>
+      </p:sp>
+      <p:sp>
+        <p:nvSpPr>
+          <p:cNvPr id="93" name="CustomShape 4"/>
+          <p:cNvSpPr/>
+          <p:nvPr/>
+        </p:nvSpPr>
+        <p:spPr>
+          <a:xfrm>
+            <a:off x="3816000" y="2526120"/>
+            <a:ext cx="2735280" cy="1793160"/>
+          </a:xfrm>
+          <a:prstGeom prst="rect">
+            <a:avLst/>
+          </a:prstGeom>
+          <a:noFill/>
+          <a:ln>
+            <a:noFill/>
+          </a:ln>
+        </p:spPr>
+        <p:style>
+          <a:lnRef idx="0"/>
+          <a:fillRef idx="0"/>
+          <a:effectRef idx="0"/>
+          <a:fontRef idx="minor"/>
+        </p:style>
+        <p:txBody>
+          <a:bodyPr lIns="90000" rIns="90000" tIns="45000" bIns="45000">
+            <a:spAutoFit/>
+          </a:bodyPr>
+          <a:p>
+            <a:pPr>
+              <a:lnSpc>
+                <a:spcPct val="100000"/>
+              </a:lnSpc>
+            </a:pPr>
+            <a:r>
+              <a:rPr b="0" lang="it-IT" sz="1600" spc="-1" strike="noStrike">
+                <a:solidFill>
+                  <a:srgbClr val="000000"/>
+                </a:solidFill>
+                <a:latin typeface="Times New Roman"/>
+                <a:ea typeface="Noto Sans CJK SC Regular"/>
+              </a:rPr>
+              <a:t>L’approccio usato è chiamato</a:t>
+            </a:r>
+            <a:r>
+              <a:rPr b="0" lang="it-IT" sz="1600" spc="-1" strike="noStrike">
+                <a:solidFill>
+                  <a:srgbClr val="000000"/>
+                </a:solidFill>
+                <a:latin typeface="Times New Roman"/>
+                <a:ea typeface="Arial"/>
+              </a:rPr>
+              <a:t> </a:t>
+            </a:r>
+            <a:r>
+              <a:rPr b="0" i="1" lang="it-IT" sz="1600" spc="-1" strike="noStrike">
+                <a:solidFill>
+                  <a:srgbClr val="000000"/>
+                </a:solidFill>
+                <a:latin typeface="Times New Roman"/>
+                <a:ea typeface="Arial"/>
+              </a:rPr>
+              <a:t>pan and scan</a:t>
+            </a:r>
+            <a:r>
+              <a:rPr b="0" lang="it-IT" sz="1600" spc="-1" strike="noStrike">
+                <a:solidFill>
+                  <a:srgbClr val="000000"/>
+                </a:solidFill>
+                <a:latin typeface="Times New Roman"/>
+                <a:ea typeface="Arial"/>
+              </a:rPr>
+              <a:t>e. Che comporta semplicemente lo scorrimento della finestra dell'applicazione in modo che la visualizzazione attualmente focalizzata sia visibile.</a:t>
+            </a:r>
+            <a:endParaRPr b="0" lang="it-IT" sz="1600" spc="-1" strike="noStrike">
               <a:latin typeface="Arial"/>
             </a:endParaRPr>
           </a:p>
@@ -2584,7 +7689,7 @@
       </p:sp>
       <p:pic>
         <p:nvPicPr>
-          <p:cNvPr id="53" name="" descr=""/>
+          <p:cNvPr id="94" name="" descr=""/>
           <p:cNvPicPr/>
           <p:nvPr/>
         </p:nvPicPr>
@@ -2594,8 +7699,8 @@
         </p:blipFill>
         <p:spPr>
           <a:xfrm>
-            <a:off x="1680120" y="1944000"/>
-            <a:ext cx="2639880" cy="3960000"/>
+            <a:off x="1224000" y="1152000"/>
+            <a:ext cx="2362320" cy="3544560"/>
           </a:xfrm>
           <a:prstGeom prst="rect">
             <a:avLst/>
@@ -2607,7 +7712,7 @@
       </p:pic>
       <p:pic>
         <p:nvPicPr>
-          <p:cNvPr id="54" name="" descr=""/>
+          <p:cNvPr id="95" name="" descr=""/>
           <p:cNvPicPr/>
           <p:nvPr/>
         </p:nvPicPr>
@@ -2617,8 +7722,8 @@
         </p:blipFill>
         <p:spPr>
           <a:xfrm>
-            <a:off x="5472000" y="2016000"/>
-            <a:ext cx="2592000" cy="3888000"/>
+            <a:off x="6719760" y="2448000"/>
+            <a:ext cx="2351160" cy="3526920"/>
           </a:xfrm>
           <a:prstGeom prst="rect">
             <a:avLst/>
@@ -2628,6 +7733,57 @@
           </a:ln>
         </p:spPr>
       </p:pic>
+      <p:sp>
+        <p:nvSpPr>
+          <p:cNvPr id="96" name="CustomShape 5"/>
+          <p:cNvSpPr/>
+          <p:nvPr/>
+        </p:nvSpPr>
+        <p:spPr>
+          <a:xfrm>
+            <a:off x="1728000" y="5112000"/>
+            <a:ext cx="4497840" cy="1063080"/>
+          </a:xfrm>
+          <a:prstGeom prst="rect">
+            <a:avLst/>
+          </a:prstGeom>
+          <a:noFill/>
+          <a:ln>
+            <a:noFill/>
+          </a:ln>
+        </p:spPr>
+        <p:style>
+          <a:lnRef idx="0"/>
+          <a:fillRef idx="0"/>
+          <a:effectRef idx="0"/>
+          <a:fontRef idx="minor"/>
+        </p:style>
+        <p:txBody>
+          <a:bodyPr lIns="90000" rIns="90000" tIns="45000" bIns="45000">
+            <a:spAutoFit/>
+          </a:bodyPr>
+          <a:p>
+            <a:pPr>
+              <a:lnSpc>
+                <a:spcPct val="100000"/>
+              </a:lnSpc>
+            </a:pPr>
+            <a:r>
+              <a:rPr b="0" lang="it-IT" sz="1600" spc="-1" strike="noStrike">
+                <a:solidFill>
+                  <a:srgbClr val="202124"/>
+                </a:solidFill>
+                <a:latin typeface="Times New Roman"/>
+                <a:ea typeface="Arial"/>
+              </a:rPr>
+              <a:t>Le dimensioni della finestra dell'applicazione vengono modificate in modo che nessuna di essa sia nascosta dall'IME, consentendo l'accesso completo sia all'applicazione che all'IME.</a:t>
+            </a:r>
+            <a:endParaRPr b="0" lang="it-IT" sz="1600" spc="-1" strike="noStrike">
+              <a:latin typeface="Arial"/>
+            </a:endParaRPr>
+          </a:p>
+        </p:txBody>
+      </p:sp>
     </p:spTree>
   </p:cSld>
   <mc:AlternateContent>
@@ -2685,9 +7841,151 @@
           <a:chExt cx="0" cy="0"/>
         </a:xfrm>
       </p:grpSpPr>
+      <p:sp>
+        <p:nvSpPr>
+          <p:cNvPr id="97" name="CustomShape 1"/>
+          <p:cNvSpPr/>
+          <p:nvPr/>
+        </p:nvSpPr>
+        <p:spPr>
+          <a:xfrm>
+            <a:off x="5256000" y="2129400"/>
+            <a:ext cx="3526920" cy="486360"/>
+          </a:xfrm>
+          <a:prstGeom prst="rect">
+            <a:avLst/>
+          </a:prstGeom>
+          <a:noFill/>
+          <a:ln>
+            <a:noFill/>
+          </a:ln>
+        </p:spPr>
+        <p:style>
+          <a:lnRef idx="0"/>
+          <a:fillRef idx="0"/>
+          <a:effectRef idx="0"/>
+          <a:fontRef idx="minor"/>
+        </p:style>
+        <p:txBody>
+          <a:bodyPr lIns="0" rIns="0" tIns="0" bIns="0">
+            <a:spAutoFit/>
+          </a:bodyPr>
+          <a:p>
+            <a:pPr>
+              <a:lnSpc>
+                <a:spcPct val="100000"/>
+              </a:lnSpc>
+            </a:pPr>
+            <a:r>
+              <a:rPr b="0" lang="it-IT" sz="1600" spc="-1" strike="noStrike">
+                <a:solidFill>
+                  <a:srgbClr val="202124"/>
+                </a:solidFill>
+                <a:latin typeface="Times New Roman"/>
+                <a:ea typeface="Arial"/>
+              </a:rPr>
+              <a:t>L'ultima modalità principale è </a:t>
+            </a:r>
+            <a:r>
+              <a:rPr b="0" i="1" lang="it-IT" sz="1600" spc="-1" strike="noStrike">
+                <a:solidFill>
+                  <a:srgbClr val="202124"/>
+                </a:solidFill>
+                <a:latin typeface="Times New Roman"/>
+                <a:ea typeface="Arial"/>
+              </a:rPr>
+              <a:t>la modalità a schermo</a:t>
+            </a:r>
+            <a:r>
+              <a:rPr b="0" lang="it-IT" sz="1600" spc="-1" strike="noStrike">
+                <a:solidFill>
+                  <a:srgbClr val="202124"/>
+                </a:solidFill>
+                <a:latin typeface="Times New Roman"/>
+                <a:ea typeface="Arial"/>
+              </a:rPr>
+              <a:t> intero o </a:t>
+            </a:r>
+            <a:r>
+              <a:rPr b="0" i="1" lang="it-IT" sz="1600" spc="-1" strike="noStrike">
+                <a:solidFill>
+                  <a:srgbClr val="202124"/>
+                </a:solidFill>
+                <a:latin typeface="Times New Roman"/>
+                <a:ea typeface="Arial"/>
+              </a:rPr>
+              <a:t>di</a:t>
+            </a:r>
+            <a:r>
+              <a:rPr b="0" lang="it-IT" sz="1600" spc="-1" strike="noStrike">
+                <a:solidFill>
+                  <a:srgbClr val="202124"/>
+                </a:solidFill>
+                <a:latin typeface="Times New Roman"/>
+                <a:ea typeface="Arial"/>
+              </a:rPr>
+              <a:t> estrazione.</a:t>
+            </a:r>
+            <a:endParaRPr b="0" lang="it-IT" sz="1600" spc="-1" strike="noStrike">
+              <a:latin typeface="Arial"/>
+            </a:endParaRPr>
+          </a:p>
+        </p:txBody>
+      </p:sp>
+      <p:sp>
+        <p:nvSpPr>
+          <p:cNvPr id="98" name="CustomShape 2"/>
+          <p:cNvSpPr/>
+          <p:nvPr/>
+        </p:nvSpPr>
+        <p:spPr>
+          <a:xfrm>
+            <a:off x="864360" y="6480000"/>
+            <a:ext cx="718560" cy="455400"/>
+          </a:xfrm>
+          <a:prstGeom prst="rect">
+            <a:avLst/>
+          </a:prstGeom>
+          <a:noFill/>
+          <a:ln>
+            <a:noFill/>
+          </a:ln>
+        </p:spPr>
+        <p:style>
+          <a:lnRef idx="0"/>
+          <a:fillRef idx="0"/>
+          <a:effectRef idx="0"/>
+          <a:fontRef idx="minor"/>
+        </p:style>
+        <p:txBody>
+          <a:bodyPr lIns="90000" rIns="90000" tIns="45000" bIns="45000">
+            <a:spAutoFit/>
+          </a:bodyPr>
+          <a:p>
+            <a:pPr>
+              <a:lnSpc>
+                <a:spcPct val="100000"/>
+              </a:lnSpc>
+            </a:pPr>
+            <a:fld id="{68BE610C-25A7-467D-8D79-2801824B9CB3}" type="slidenum">
+              <a:rPr b="0" lang="it-IT" sz="2400" spc="-1" strike="noStrike">
+                <a:solidFill>
+                  <a:srgbClr val="000000"/>
+                </a:solidFill>
+                <a:latin typeface="Times New Roman"/>
+                <a:ea typeface="DejaVu Sans"/>
+              </a:rPr>
+              <a:t>1</a:t>
+            </a:fld>
+            <a:endParaRPr b="0" lang="it-IT" sz="2400" spc="-1" strike="noStrike">
+              <a:latin typeface="Arial"/>
+            </a:endParaRPr>
+          </a:p>
+        </p:txBody>
+      </p:sp>
       <p:pic>
         <p:nvPicPr>
-          <p:cNvPr id="55" name="" descr=""/>
+          <p:cNvPr id="99" name="" descr=""/>
           <p:cNvPicPr/>
           <p:nvPr/>
         </p:nvPicPr>
@@ -2697,8 +7995,8 @@
         </p:blipFill>
         <p:spPr>
           <a:xfrm>
-            <a:off x="556200" y="621360"/>
-            <a:ext cx="9524520" cy="5714640"/>
+            <a:off x="8136360" y="720000"/>
+            <a:ext cx="930960" cy="934560"/>
           </a:xfrm>
           <a:prstGeom prst="rect">
             <a:avLst/>
@@ -2708,6 +8006,154 @@
           </a:ln>
         </p:spPr>
       </p:pic>
+      <p:sp>
+        <p:nvSpPr>
+          <p:cNvPr id="100" name="CustomShape 3"/>
+          <p:cNvSpPr/>
+          <p:nvPr/>
+        </p:nvSpPr>
+        <p:spPr>
+          <a:xfrm>
+            <a:off x="3672360" y="6558120"/>
+            <a:ext cx="2662560" cy="273960"/>
+          </a:xfrm>
+          <a:prstGeom prst="rect">
+            <a:avLst/>
+          </a:prstGeom>
+          <a:noFill/>
+          <a:ln>
+            <a:noFill/>
+          </a:ln>
+        </p:spPr>
+        <p:style>
+          <a:lnRef idx="0"/>
+          <a:fillRef idx="0"/>
+          <a:effectRef idx="0"/>
+          <a:fontRef idx="minor"/>
+        </p:style>
+        <p:txBody>
+          <a:bodyPr lIns="0" rIns="0" tIns="0" bIns="0" anchor="ctr">
+            <a:spAutoFit/>
+          </a:bodyPr>
+          <a:p>
+            <a:pPr algn="ctr">
+              <a:lnSpc>
+                <a:spcPct val="100000"/>
+              </a:lnSpc>
+            </a:pPr>
+            <a:r>
+              <a:rPr b="0" lang="it-IT" sz="1800" spc="-1" strike="noStrike">
+                <a:solidFill>
+                  <a:srgbClr val="999999"/>
+                </a:solidFill>
+                <a:latin typeface="Times New Roman"/>
+                <a:ea typeface="DejaVu Sans"/>
+              </a:rPr>
+              <a:t>Mobile Programming 2021</a:t>
+            </a:r>
+            <a:endParaRPr b="0" lang="it-IT" sz="1800" spc="-1" strike="noStrike">
+              <a:latin typeface="Arial"/>
+            </a:endParaRPr>
+          </a:p>
+        </p:txBody>
+      </p:sp>
+      <p:pic>
+        <p:nvPicPr>
+          <p:cNvPr id="101" name="" descr=""/>
+          <p:cNvPicPr/>
+          <p:nvPr/>
+        </p:nvPicPr>
+        <p:blipFill>
+          <a:blip r:embed="rId2"/>
+          <a:stretch/>
+        </p:blipFill>
+        <p:spPr>
+          <a:xfrm>
+            <a:off x="1512000" y="1512000"/>
+            <a:ext cx="3346920" cy="2230920"/>
+          </a:xfrm>
+          <a:prstGeom prst="rect">
+            <a:avLst/>
+          </a:prstGeom>
+          <a:ln>
+            <a:noFill/>
+          </a:ln>
+        </p:spPr>
+      </p:pic>
+      <p:pic>
+        <p:nvPicPr>
+          <p:cNvPr id="102" name="" descr=""/>
+          <p:cNvPicPr/>
+          <p:nvPr/>
+        </p:nvPicPr>
+        <p:blipFill>
+          <a:blip r:embed="rId3"/>
+          <a:stretch/>
+        </p:blipFill>
+        <p:spPr>
+          <a:xfrm>
+            <a:off x="5400000" y="3456360"/>
+            <a:ext cx="3346920" cy="2230920"/>
+          </a:xfrm>
+          <a:prstGeom prst="rect">
+            <a:avLst/>
+          </a:prstGeom>
+          <a:ln>
+            <a:noFill/>
+          </a:ln>
+        </p:spPr>
+      </p:pic>
+      <p:sp>
+        <p:nvSpPr>
+          <p:cNvPr id="103" name="CustomShape 4"/>
+          <p:cNvSpPr/>
+          <p:nvPr/>
+        </p:nvSpPr>
+        <p:spPr>
+          <a:xfrm>
+            <a:off x="1224000" y="4176000"/>
+            <a:ext cx="3814920" cy="1063080"/>
+          </a:xfrm>
+          <a:prstGeom prst="rect">
+            <a:avLst/>
+          </a:prstGeom>
+          <a:noFill/>
+          <a:ln>
+            <a:noFill/>
+          </a:ln>
+        </p:spPr>
+        <p:style>
+          <a:lnRef idx="0"/>
+          <a:fillRef idx="0"/>
+          <a:effectRef idx="0"/>
+          <a:fontRef idx="minor"/>
+        </p:style>
+        <p:txBody>
+          <a:bodyPr lIns="90000" rIns="90000" tIns="45000" bIns="45000">
+            <a:spAutoFit/>
+          </a:bodyPr>
+          <a:p>
+            <a:pPr>
+              <a:lnSpc>
+                <a:spcPct val="100000"/>
+              </a:lnSpc>
+            </a:pPr>
+            <a:r>
+              <a:rPr b="0" lang="it-IT" sz="1600" spc="-1" strike="noStrike">
+                <a:solidFill>
+                  <a:srgbClr val="202124"/>
+                </a:solidFill>
+                <a:latin typeface="Times New Roman"/>
+                <a:ea typeface="Arial"/>
+              </a:rPr>
+              <a:t>In questo caso la finestra dell'applicazione viene lasciata così com'è e l'IME visualizza semplicemente lo schermo intero sopra di esso, come mostrato qui.</a:t>
+            </a:r>
+            <a:endParaRPr b="0" lang="it-IT" sz="1600" spc="-1" strike="noStrike">
+              <a:latin typeface="Times New Roman"/>
+            </a:endParaRPr>
+          </a:p>
+        </p:txBody>
+      </p:sp>
     </p:spTree>
   </p:cSld>
   <mc:AlternateContent>
@@ -2725,6 +8171,2591 @@
           <p:childTnLst>
             <p:seq>
               <p:cTn id="8" dur="indefinite" nodeType="mainSeq"/>
+              <p:prevCondLst>
+                <p:cond delay="0" evt="onPrev">
+                  <p:tgtEl>
+                    <p:sldTgt/>
+                  </p:tgtEl>
+                </p:cond>
+              </p:prevCondLst>
+              <p:nextCondLst>
+                <p:cond delay="0" evt="onNext">
+                  <p:tgtEl>
+                    <p:sldTgt/>
+                  </p:tgtEl>
+                </p:cond>
+              </p:nextCondLst>
+            </p:seq>
+          </p:childTnLst>
+        </p:cTn>
+      </p:par>
+    </p:tnLst>
+  </p:timing>
+</p:sld>
+</file>
+
+<file path=ppt/slides/slide5.xml><?xml version="1.0" encoding="utf-8"?>
+<p:sld xmlns:a="http://schemas.openxmlformats.org/drawingml/2006/main" xmlns:p="http://schemas.openxmlformats.org/presentationml/2006/main" xmlns:r="http://schemas.openxmlformats.org/officeDocument/2006/relationships" xmlns:p14="http://schemas.microsoft.com/office/powerpoint/2010/main" xmlns:p15="http://schemas.microsoft.com/office/powerpoint/2012/main" xmlns:mc="http://schemas.openxmlformats.org/markup-compatibility/2006">
+  <p:cSld>
+    <p:spTree>
+      <p:nvGrpSpPr>
+        <p:cNvPr id="1" name=""/>
+        <p:cNvGrpSpPr/>
+        <p:nvPr/>
+      </p:nvGrpSpPr>
+      <p:grpSpPr>
+        <a:xfrm>
+          <a:off x="0" y="0"/>
+          <a:ext cx="0" cy="0"/>
+          <a:chOff x="0" y="0"/>
+          <a:chExt cx="0" cy="0"/>
+        </a:xfrm>
+      </p:grpSpPr>
+      <p:pic>
+        <p:nvPicPr>
+          <p:cNvPr id="104" name="" descr=""/>
+          <p:cNvPicPr/>
+          <p:nvPr/>
+        </p:nvPicPr>
+        <p:blipFill>
+          <a:blip r:embed="rId1"/>
+          <a:stretch/>
+        </p:blipFill>
+        <p:spPr>
+          <a:xfrm>
+            <a:off x="556200" y="621360"/>
+            <a:ext cx="9523080" cy="5713200"/>
+          </a:xfrm>
+          <a:prstGeom prst="rect">
+            <a:avLst/>
+          </a:prstGeom>
+          <a:ln>
+            <a:noFill/>
+          </a:ln>
+        </p:spPr>
+      </p:pic>
+    </p:spTree>
+  </p:cSld>
+  <mc:AlternateContent>
+    <mc:Choice Requires="p14">
+      <p:transition spd="slow" p14:dur="2000"/>
+    </mc:Choice>
+    <mc:Fallback>
+      <p:transition spd="slow"/>
+    </mc:Fallback>
+  </mc:AlternateContent>
+  <p:timing>
+    <p:tnLst>
+      <p:par>
+        <p:cTn id="9" dur="indefinite" restart="never" nodeType="tmRoot">
+          <p:childTnLst>
+            <p:seq>
+              <p:cTn id="10" dur="indefinite" nodeType="mainSeq"/>
+              <p:prevCondLst>
+                <p:cond delay="0" evt="onPrev">
+                  <p:tgtEl>
+                    <p:sldTgt/>
+                  </p:tgtEl>
+                </p:cond>
+              </p:prevCondLst>
+              <p:nextCondLst>
+                <p:cond delay="0" evt="onNext">
+                  <p:tgtEl>
+                    <p:sldTgt/>
+                  </p:tgtEl>
+                </p:cond>
+              </p:nextCondLst>
+            </p:seq>
+          </p:childTnLst>
+        </p:cTn>
+      </p:par>
+    </p:tnLst>
+  </p:timing>
+</p:sld>
+</file>
+
+<file path=ppt/slides/slide6.xml><?xml version="1.0" encoding="utf-8"?>
+<p:sld xmlns:a="http://schemas.openxmlformats.org/drawingml/2006/main" xmlns:p="http://schemas.openxmlformats.org/presentationml/2006/main" xmlns:r="http://schemas.openxmlformats.org/officeDocument/2006/relationships" xmlns:p14="http://schemas.microsoft.com/office/powerpoint/2010/main" xmlns:p15="http://schemas.microsoft.com/office/powerpoint/2012/main" xmlns:mc="http://schemas.openxmlformats.org/markup-compatibility/2006">
+  <p:cSld>
+    <p:spTree>
+      <p:nvGrpSpPr>
+        <p:cNvPr id="1" name=""/>
+        <p:cNvGrpSpPr/>
+        <p:nvPr/>
+      </p:nvGrpSpPr>
+      <p:grpSpPr>
+        <a:xfrm>
+          <a:off x="0" y="0"/>
+          <a:ext cx="0" cy="0"/>
+          <a:chOff x="0" y="0"/>
+          <a:chExt cx="0" cy="0"/>
+        </a:xfrm>
+      </p:grpSpPr>
+      <p:pic>
+        <p:nvPicPr>
+          <p:cNvPr id="105" name="" descr=""/>
+          <p:cNvPicPr/>
+          <p:nvPr/>
+        </p:nvPicPr>
+        <p:blipFill>
+          <a:blip r:embed="rId1"/>
+          <a:stretch/>
+        </p:blipFill>
+        <p:spPr>
+          <a:xfrm>
+            <a:off x="1294920" y="715680"/>
+            <a:ext cx="3024720" cy="5972760"/>
+          </a:xfrm>
+          <a:prstGeom prst="rect">
+            <a:avLst/>
+          </a:prstGeom>
+          <a:ln>
+            <a:noFill/>
+          </a:ln>
+        </p:spPr>
+      </p:pic>
+      <p:sp>
+        <p:nvSpPr>
+          <p:cNvPr id="106" name="CustomShape 1"/>
+          <p:cNvSpPr/>
+          <p:nvPr/>
+        </p:nvSpPr>
+        <p:spPr>
+          <a:xfrm>
+            <a:off x="864000" y="6480000"/>
+            <a:ext cx="430560" cy="455400"/>
+          </a:xfrm>
+          <a:prstGeom prst="rect">
+            <a:avLst/>
+          </a:prstGeom>
+          <a:noFill/>
+          <a:ln>
+            <a:noFill/>
+          </a:ln>
+        </p:spPr>
+        <p:style>
+          <a:lnRef idx="0"/>
+          <a:fillRef idx="0"/>
+          <a:effectRef idx="0"/>
+          <a:fontRef idx="minor"/>
+        </p:style>
+        <p:txBody>
+          <a:bodyPr lIns="90000" rIns="90000" tIns="45000" bIns="45000">
+            <a:spAutoFit/>
+          </a:bodyPr>
+          <a:p>
+            <a:pPr>
+              <a:lnSpc>
+                <a:spcPct val="100000"/>
+              </a:lnSpc>
+            </a:pPr>
+            <a:fld id="{91DEEB3A-D628-4C2A-B5CC-567DD2A19CCF}" type="slidenum">
+              <a:rPr b="0" lang="it-IT" sz="2400" spc="-1" strike="noStrike">
+                <a:solidFill>
+                  <a:srgbClr val="000000"/>
+                </a:solidFill>
+                <a:latin typeface="Times New Roman"/>
+                <a:ea typeface="DejaVu Sans"/>
+              </a:rPr>
+              <a:t>1</a:t>
+            </a:fld>
+            <a:endParaRPr b="0" lang="it-IT" sz="2400" spc="-1" strike="noStrike">
+              <a:latin typeface="Arial"/>
+            </a:endParaRPr>
+          </a:p>
+        </p:txBody>
+      </p:sp>
+      <p:pic>
+        <p:nvPicPr>
+          <p:cNvPr id="107" name="" descr=""/>
+          <p:cNvPicPr/>
+          <p:nvPr/>
+        </p:nvPicPr>
+        <p:blipFill>
+          <a:blip r:embed="rId2"/>
+          <a:stretch/>
+        </p:blipFill>
+        <p:spPr>
+          <a:xfrm>
+            <a:off x="8136000" y="720000"/>
+            <a:ext cx="930960" cy="934560"/>
+          </a:xfrm>
+          <a:prstGeom prst="rect">
+            <a:avLst/>
+          </a:prstGeom>
+          <a:ln>
+            <a:noFill/>
+          </a:ln>
+        </p:spPr>
+      </p:pic>
+      <p:sp>
+        <p:nvSpPr>
+          <p:cNvPr id="108" name="CustomShape 2"/>
+          <p:cNvSpPr/>
+          <p:nvPr/>
+        </p:nvSpPr>
+        <p:spPr>
+          <a:xfrm>
+            <a:off x="3672000" y="6558120"/>
+            <a:ext cx="2662560" cy="273960"/>
+          </a:xfrm>
+          <a:prstGeom prst="rect">
+            <a:avLst/>
+          </a:prstGeom>
+          <a:noFill/>
+          <a:ln>
+            <a:noFill/>
+          </a:ln>
+        </p:spPr>
+        <p:style>
+          <a:lnRef idx="0"/>
+          <a:fillRef idx="0"/>
+          <a:effectRef idx="0"/>
+          <a:fontRef idx="minor"/>
+        </p:style>
+        <p:txBody>
+          <a:bodyPr lIns="0" rIns="0" tIns="0" bIns="0" anchor="ctr">
+            <a:spAutoFit/>
+          </a:bodyPr>
+          <a:p>
+            <a:pPr algn="ctr">
+              <a:lnSpc>
+                <a:spcPct val="100000"/>
+              </a:lnSpc>
+            </a:pPr>
+            <a:r>
+              <a:rPr b="0" lang="it-IT" sz="1800" spc="-1" strike="noStrike">
+                <a:solidFill>
+                  <a:srgbClr val="999999"/>
+                </a:solidFill>
+                <a:latin typeface="Times New Roman"/>
+                <a:ea typeface="DejaVu Sans"/>
+              </a:rPr>
+              <a:t>Mobile Programming 2021</a:t>
+            </a:r>
+            <a:endParaRPr b="0" lang="it-IT" sz="1800" spc="-1" strike="noStrike">
+              <a:latin typeface="Arial"/>
+            </a:endParaRPr>
+          </a:p>
+        </p:txBody>
+      </p:sp>
+      <p:sp>
+        <p:nvSpPr>
+          <p:cNvPr id="109" name="CustomShape 3"/>
+          <p:cNvSpPr/>
+          <p:nvPr/>
+        </p:nvSpPr>
+        <p:spPr>
+          <a:xfrm>
+            <a:off x="4320000" y="936000"/>
+            <a:ext cx="3671640" cy="546840"/>
+          </a:xfrm>
+          <a:prstGeom prst="rect">
+            <a:avLst/>
+          </a:prstGeom>
+          <a:noFill/>
+          <a:ln>
+            <a:noFill/>
+          </a:ln>
+        </p:spPr>
+        <p:style>
+          <a:lnRef idx="0"/>
+          <a:fillRef idx="0"/>
+          <a:effectRef idx="0"/>
+          <a:fontRef idx="minor"/>
+        </p:style>
+        <p:txBody>
+          <a:bodyPr lIns="90000" rIns="90000" tIns="45000" bIns="45000">
+            <a:spAutoFit/>
+          </a:bodyPr>
+          <a:p>
+            <a:pPr>
+              <a:lnSpc>
+                <a:spcPct val="100000"/>
+              </a:lnSpc>
+            </a:pPr>
+            <a:r>
+              <a:rPr b="1" i="1" lang="it-IT" sz="3000" spc="-1" strike="noStrike">
+                <a:solidFill>
+                  <a:srgbClr val="996633"/>
+                </a:solidFill>
+                <a:latin typeface="Times New Roman"/>
+                <a:ea typeface="DejaVu Sans"/>
+              </a:rPr>
+              <a:t>Ciclo di vita dell’IME</a:t>
+            </a:r>
+            <a:endParaRPr b="0" lang="it-IT" sz="3000" spc="-1" strike="noStrike">
+              <a:latin typeface="Arial"/>
+            </a:endParaRPr>
+          </a:p>
+        </p:txBody>
+      </p:sp>
+      <p:sp>
+        <p:nvSpPr>
+          <p:cNvPr id="110" name="CustomShape 4"/>
+          <p:cNvSpPr/>
+          <p:nvPr/>
+        </p:nvSpPr>
+        <p:spPr>
+          <a:xfrm>
+            <a:off x="5041440" y="2520000"/>
+            <a:ext cx="3381840" cy="576720"/>
+          </a:xfrm>
+          <a:prstGeom prst="rect">
+            <a:avLst/>
+          </a:prstGeom>
+          <a:noFill/>
+          <a:ln>
+            <a:noFill/>
+          </a:ln>
+        </p:spPr>
+        <p:style>
+          <a:lnRef idx="0"/>
+          <a:fillRef idx="0"/>
+          <a:effectRef idx="0"/>
+          <a:fontRef idx="minor"/>
+        </p:style>
+        <p:txBody>
+          <a:bodyPr lIns="90000" rIns="90000" tIns="45000" bIns="45000">
+            <a:spAutoFit/>
+          </a:bodyPr>
+          <a:p>
+            <a:pPr>
+              <a:lnSpc>
+                <a:spcPct val="100000"/>
+              </a:lnSpc>
+            </a:pPr>
+            <a:r>
+              <a:rPr b="0" lang="it-IT" sz="1600" spc="-1" strike="noStrike">
+                <a:solidFill>
+                  <a:srgbClr val="202124"/>
+                </a:solidFill>
+                <a:latin typeface="Times New Roman"/>
+                <a:ea typeface="Arial"/>
+              </a:rPr>
+              <a:t>Il diagramma seguente descrive il ciclo di vita di un IME</a:t>
+            </a:r>
+            <a:endParaRPr b="0" lang="it-IT" sz="1600" spc="-1" strike="noStrike">
+              <a:latin typeface="Arial"/>
+            </a:endParaRPr>
+          </a:p>
+        </p:txBody>
+      </p:sp>
+    </p:spTree>
+  </p:cSld>
+  <mc:AlternateContent>
+    <mc:Choice Requires="p14">
+      <p:transition spd="slow" p14:dur="2000"/>
+    </mc:Choice>
+    <mc:Fallback>
+      <p:transition spd="slow"/>
+    </mc:Fallback>
+  </mc:AlternateContent>
+  <p:timing>
+    <p:tnLst>
+      <p:par>
+        <p:cTn id="11" dur="indefinite" restart="never" nodeType="tmRoot">
+          <p:childTnLst>
+            <p:seq>
+              <p:cTn id="12" dur="indefinite" nodeType="mainSeq"/>
+              <p:prevCondLst>
+                <p:cond delay="0" evt="onPrev">
+                  <p:tgtEl>
+                    <p:sldTgt/>
+                  </p:tgtEl>
+                </p:cond>
+              </p:prevCondLst>
+              <p:nextCondLst>
+                <p:cond delay="0" evt="onNext">
+                  <p:tgtEl>
+                    <p:sldTgt/>
+                  </p:tgtEl>
+                </p:cond>
+              </p:nextCondLst>
+            </p:seq>
+          </p:childTnLst>
+        </p:cTn>
+      </p:par>
+    </p:tnLst>
+  </p:timing>
+</p:sld>
+</file>
+
+<file path=ppt/slides/slide7.xml><?xml version="1.0" encoding="utf-8"?>
+<p:sld xmlns:a="http://schemas.openxmlformats.org/drawingml/2006/main" xmlns:p="http://schemas.openxmlformats.org/presentationml/2006/main" xmlns:r="http://schemas.openxmlformats.org/officeDocument/2006/relationships" xmlns:p14="http://schemas.microsoft.com/office/powerpoint/2010/main" xmlns:p15="http://schemas.microsoft.com/office/powerpoint/2012/main" xmlns:mc="http://schemas.openxmlformats.org/markup-compatibility/2006">
+  <p:cSld>
+    <p:spTree>
+      <p:nvGrpSpPr>
+        <p:cNvPr id="1" name=""/>
+        <p:cNvGrpSpPr/>
+        <p:nvPr/>
+      </p:nvGrpSpPr>
+      <p:grpSpPr>
+        <a:xfrm>
+          <a:off x="0" y="0"/>
+          <a:ext cx="0" cy="0"/>
+          <a:chOff x="0" y="0"/>
+          <a:chExt cx="0" cy="0"/>
+        </a:xfrm>
+      </p:grpSpPr>
+      <p:sp>
+        <p:nvSpPr>
+          <p:cNvPr id="111" name="CustomShape 1"/>
+          <p:cNvSpPr/>
+          <p:nvPr/>
+        </p:nvSpPr>
+        <p:spPr>
+          <a:xfrm>
+            <a:off x="864000" y="6480000"/>
+            <a:ext cx="430560" cy="455400"/>
+          </a:xfrm>
+          <a:prstGeom prst="rect">
+            <a:avLst/>
+          </a:prstGeom>
+          <a:noFill/>
+          <a:ln>
+            <a:noFill/>
+          </a:ln>
+        </p:spPr>
+        <p:style>
+          <a:lnRef idx="0"/>
+          <a:fillRef idx="0"/>
+          <a:effectRef idx="0"/>
+          <a:fontRef idx="minor"/>
+        </p:style>
+        <p:txBody>
+          <a:bodyPr lIns="90000" rIns="90000" tIns="45000" bIns="45000">
+            <a:spAutoFit/>
+          </a:bodyPr>
+          <a:p>
+            <a:pPr>
+              <a:lnSpc>
+                <a:spcPct val="100000"/>
+              </a:lnSpc>
+            </a:pPr>
+            <a:fld id="{4EB97ACB-16AB-4993-B07E-26E3F3502D85}" type="slidenum">
+              <a:rPr b="0" lang="it-IT" sz="2400" spc="-1" strike="noStrike">
+                <a:solidFill>
+                  <a:srgbClr val="000000"/>
+                </a:solidFill>
+                <a:latin typeface="Times New Roman"/>
+                <a:ea typeface="DejaVu Sans"/>
+              </a:rPr>
+              <a:t>1</a:t>
+            </a:fld>
+            <a:endParaRPr b="0" lang="it-IT" sz="2400" spc="-1" strike="noStrike">
+              <a:latin typeface="Arial"/>
+            </a:endParaRPr>
+          </a:p>
+        </p:txBody>
+      </p:sp>
+      <p:pic>
+        <p:nvPicPr>
+          <p:cNvPr id="112" name="" descr=""/>
+          <p:cNvPicPr/>
+          <p:nvPr/>
+        </p:nvPicPr>
+        <p:blipFill>
+          <a:blip r:embed="rId1"/>
+          <a:stretch/>
+        </p:blipFill>
+        <p:spPr>
+          <a:xfrm>
+            <a:off x="8136000" y="720000"/>
+            <a:ext cx="930960" cy="934560"/>
+          </a:xfrm>
+          <a:prstGeom prst="rect">
+            <a:avLst/>
+          </a:prstGeom>
+          <a:ln>
+            <a:noFill/>
+          </a:ln>
+        </p:spPr>
+      </p:pic>
+      <p:sp>
+        <p:nvSpPr>
+          <p:cNvPr id="113" name="CustomShape 2"/>
+          <p:cNvSpPr/>
+          <p:nvPr/>
+        </p:nvSpPr>
+        <p:spPr>
+          <a:xfrm>
+            <a:off x="3672000" y="6558120"/>
+            <a:ext cx="2662560" cy="273960"/>
+          </a:xfrm>
+          <a:prstGeom prst="rect">
+            <a:avLst/>
+          </a:prstGeom>
+          <a:noFill/>
+          <a:ln>
+            <a:noFill/>
+          </a:ln>
+        </p:spPr>
+        <p:style>
+          <a:lnRef idx="0"/>
+          <a:fillRef idx="0"/>
+          <a:effectRef idx="0"/>
+          <a:fontRef idx="minor"/>
+        </p:style>
+        <p:txBody>
+          <a:bodyPr lIns="0" rIns="0" tIns="0" bIns="0" anchor="ctr">
+            <a:spAutoFit/>
+          </a:bodyPr>
+          <a:p>
+            <a:pPr algn="ctr">
+              <a:lnSpc>
+                <a:spcPct val="100000"/>
+              </a:lnSpc>
+            </a:pPr>
+            <a:r>
+              <a:rPr b="0" lang="it-IT" sz="1800" spc="-1" strike="noStrike">
+                <a:solidFill>
+                  <a:srgbClr val="999999"/>
+                </a:solidFill>
+                <a:latin typeface="Times New Roman"/>
+                <a:ea typeface="DejaVu Sans"/>
+              </a:rPr>
+              <a:t>Mobile Programming 2021</a:t>
+            </a:r>
+            <a:endParaRPr b="0" lang="it-IT" sz="1800" spc="-1" strike="noStrike">
+              <a:latin typeface="Arial"/>
+            </a:endParaRPr>
+          </a:p>
+        </p:txBody>
+      </p:sp>
+      <p:sp>
+        <p:nvSpPr>
+          <p:cNvPr id="114" name="CustomShape 3"/>
+          <p:cNvSpPr/>
+          <p:nvPr/>
+        </p:nvSpPr>
+        <p:spPr>
+          <a:xfrm>
+            <a:off x="936000" y="1816920"/>
+            <a:ext cx="5903280" cy="456480"/>
+          </a:xfrm>
+          <a:prstGeom prst="rect">
+            <a:avLst/>
+          </a:prstGeom>
+          <a:noFill/>
+          <a:ln>
+            <a:noFill/>
+          </a:ln>
+        </p:spPr>
+        <p:style>
+          <a:lnRef idx="0"/>
+          <a:fillRef idx="0"/>
+          <a:effectRef idx="0"/>
+          <a:fontRef idx="minor"/>
+        </p:style>
+        <p:txBody>
+          <a:bodyPr lIns="0" rIns="0" tIns="0" bIns="0" anchor="ctr">
+            <a:spAutoFit/>
+          </a:bodyPr>
+          <a:p>
+            <a:pPr>
+              <a:lnSpc>
+                <a:spcPts val="1800"/>
+              </a:lnSpc>
+              <a:spcAft>
+                <a:spcPts val="799"/>
+              </a:spcAft>
+            </a:pPr>
+            <a:r>
+              <a:rPr b="0" lang="it-IT" sz="1600" spc="-1" strike="noStrike">
+                <a:solidFill>
+                  <a:srgbClr val="000000"/>
+                </a:solidFill>
+                <a:latin typeface="Times New Roman"/>
+                <a:ea typeface="DejaVu Sans"/>
+              </a:rPr>
+              <a:t>Ci sono due elementi visivi principali per progettare l’interfaccia del metodo di input: l’input view e il candidates view. </a:t>
+            </a:r>
+            <a:endParaRPr b="0" lang="it-IT" sz="1600" spc="-1" strike="noStrike">
+              <a:latin typeface="Arial"/>
+            </a:endParaRPr>
+          </a:p>
+        </p:txBody>
+      </p:sp>
+      <p:sp>
+        <p:nvSpPr>
+          <p:cNvPr id="115" name="CustomShape 4"/>
+          <p:cNvSpPr/>
+          <p:nvPr/>
+        </p:nvSpPr>
+        <p:spPr>
+          <a:xfrm>
+            <a:off x="1224720" y="864000"/>
+            <a:ext cx="6622560" cy="699120"/>
+          </a:xfrm>
+          <a:prstGeom prst="rect">
+            <a:avLst/>
+          </a:prstGeom>
+          <a:noFill/>
+          <a:ln>
+            <a:noFill/>
+          </a:ln>
+        </p:spPr>
+        <p:style>
+          <a:lnRef idx="0"/>
+          <a:fillRef idx="0"/>
+          <a:effectRef idx="0"/>
+          <a:fontRef idx="minor"/>
+        </p:style>
+        <p:txBody>
+          <a:bodyPr lIns="90000" rIns="90000" tIns="45000" bIns="45000">
+            <a:spAutoFit/>
+          </a:bodyPr>
+          <a:p>
+            <a:pPr>
+              <a:lnSpc>
+                <a:spcPct val="100000"/>
+              </a:lnSpc>
+            </a:pPr>
+            <a:r>
+              <a:rPr b="1" i="1" lang="it-IT" sz="4000" spc="-1" strike="noStrike">
+                <a:solidFill>
+                  <a:srgbClr val="996633"/>
+                </a:solidFill>
+                <a:latin typeface="Times New Roman"/>
+                <a:ea typeface="DejaVu Sans"/>
+              </a:rPr>
+              <a:t>Design del Metodo di Input UI  </a:t>
+            </a:r>
+            <a:endParaRPr b="0" lang="it-IT" sz="4000" spc="-1" strike="noStrike">
+              <a:latin typeface="Arial"/>
+            </a:endParaRPr>
+          </a:p>
+        </p:txBody>
+      </p:sp>
+      <p:sp>
+        <p:nvSpPr>
+          <p:cNvPr id="116" name="CustomShape 5"/>
+          <p:cNvSpPr/>
+          <p:nvPr/>
+        </p:nvSpPr>
+        <p:spPr>
+          <a:xfrm>
+            <a:off x="792360" y="2376000"/>
+            <a:ext cx="4031280" cy="1549800"/>
+          </a:xfrm>
+          <a:prstGeom prst="rect">
+            <a:avLst/>
+          </a:prstGeom>
+          <a:noFill/>
+          <a:ln>
+            <a:noFill/>
+          </a:ln>
+        </p:spPr>
+        <p:style>
+          <a:lnRef idx="0"/>
+          <a:fillRef idx="0"/>
+          <a:effectRef idx="0"/>
+          <a:fontRef idx="minor"/>
+        </p:style>
+        <p:txBody>
+          <a:bodyPr lIns="90000" rIns="90000" tIns="45000" bIns="45000">
+            <a:spAutoFit/>
+          </a:bodyPr>
+          <a:p>
+            <a:pPr>
+              <a:lnSpc>
+                <a:spcPct val="100000"/>
+              </a:lnSpc>
+            </a:pPr>
+            <a:r>
+              <a:rPr b="1" lang="it-IT" sz="1600" spc="-1" strike="noStrike">
+                <a:solidFill>
+                  <a:srgbClr val="000000"/>
+                </a:solidFill>
+                <a:latin typeface="Times New Roman"/>
+                <a:ea typeface="DejaVu Sans"/>
+              </a:rPr>
+              <a:t>Input View</a:t>
+            </a:r>
+            <a:endParaRPr b="0" lang="it-IT" sz="1600" spc="-1" strike="noStrike">
+              <a:latin typeface="Arial"/>
+            </a:endParaRPr>
+          </a:p>
+          <a:p>
+            <a:pPr>
+              <a:lnSpc>
+                <a:spcPct val="100000"/>
+              </a:lnSpc>
+            </a:pPr>
+            <a:r>
+              <a:rPr b="0" lang="it-IT" sz="1600" spc="-1" strike="noStrike">
+                <a:solidFill>
+                  <a:srgbClr val="000000"/>
+                </a:solidFill>
+                <a:latin typeface="Times New Roman"/>
+                <a:ea typeface="DejaVu Sans"/>
+              </a:rPr>
+              <a:t>L’input view è un UI in cui l’utente immette testo sotto forma di click con tasti o gesti. Quando l’IME viene visualizzato per la prima volta, il sistema chiama la callback CreateInputView().</a:t>
+            </a:r>
+            <a:endParaRPr b="0" lang="it-IT" sz="1600" spc="-1" strike="noStrike">
+              <a:latin typeface="Arial"/>
+            </a:endParaRPr>
+          </a:p>
+        </p:txBody>
+      </p:sp>
+      <p:sp>
+        <p:nvSpPr>
+          <p:cNvPr id="117" name="CustomShape 6"/>
+          <p:cNvSpPr/>
+          <p:nvPr/>
+        </p:nvSpPr>
+        <p:spPr>
+          <a:xfrm>
+            <a:off x="4752000" y="2664000"/>
+            <a:ext cx="4751280" cy="2523240"/>
+          </a:xfrm>
+          <a:prstGeom prst="rect">
+            <a:avLst/>
+          </a:prstGeom>
+          <a:noFill/>
+          <a:ln>
+            <a:noFill/>
+          </a:ln>
+        </p:spPr>
+        <p:style>
+          <a:lnRef idx="0"/>
+          <a:fillRef idx="0"/>
+          <a:effectRef idx="0"/>
+          <a:fontRef idx="minor"/>
+        </p:style>
+        <p:txBody>
+          <a:bodyPr lIns="90000" rIns="90000" tIns="45000" bIns="45000">
+            <a:spAutoFit/>
+          </a:bodyPr>
+          <a:p>
+            <a:pPr>
+              <a:lnSpc>
+                <a:spcPct val="100000"/>
+              </a:lnSpc>
+            </a:pPr>
+            <a:r>
+              <a:rPr b="1" lang="it-IT" sz="1600" spc="-1" strike="noStrike">
+                <a:solidFill>
+                  <a:srgbClr val="000000"/>
+                </a:solidFill>
+                <a:latin typeface="Times New Roman"/>
+                <a:ea typeface="DejaVu Sans"/>
+              </a:rPr>
+              <a:t>@Override</a:t>
+            </a:r>
+            <a:r>
+              <a:rPr b="0" lang="it-IT" sz="1600" spc="-1" strike="noStrike">
+                <a:solidFill>
+                  <a:srgbClr val="000000"/>
+                </a:solidFill>
+                <a:latin typeface="Times New Roman"/>
+                <a:ea typeface="DejaVu Sans"/>
+              </a:rPr>
+              <a:t> </a:t>
+            </a:r>
+            <a:endParaRPr b="0" lang="it-IT" sz="1600" spc="-1" strike="noStrike">
+              <a:latin typeface="Arial"/>
+            </a:endParaRPr>
+          </a:p>
+          <a:p>
+            <a:pPr>
+              <a:lnSpc>
+                <a:spcPct val="100000"/>
+              </a:lnSpc>
+            </a:pPr>
+            <a:r>
+              <a:rPr b="0" lang="it-IT" sz="1600" spc="-1" strike="noStrike">
+                <a:solidFill>
+                  <a:srgbClr val="000000"/>
+                </a:solidFill>
+                <a:latin typeface="Times New Roman"/>
+                <a:ea typeface="DejaVu Sans"/>
+              </a:rPr>
+              <a:t>public </a:t>
+            </a:r>
+            <a:r>
+              <a:rPr b="1" lang="it-IT" sz="1600" spc="-1" strike="noStrike">
+                <a:solidFill>
+                  <a:srgbClr val="000000"/>
+                </a:solidFill>
+                <a:latin typeface="Times New Roman"/>
+                <a:ea typeface="DejaVu Sans"/>
+              </a:rPr>
+              <a:t>View</a:t>
+            </a:r>
+            <a:r>
+              <a:rPr b="0" lang="it-IT" sz="1600" spc="-1" strike="noStrike">
+                <a:solidFill>
+                  <a:srgbClr val="000000"/>
+                </a:solidFill>
+                <a:latin typeface="Times New Roman"/>
+                <a:ea typeface="DejaVu Sans"/>
+              </a:rPr>
+              <a:t> onCreateInputView() { </a:t>
+            </a:r>
+            <a:endParaRPr b="0" lang="it-IT" sz="1600" spc="-1" strike="noStrike">
+              <a:latin typeface="Arial"/>
+            </a:endParaRPr>
+          </a:p>
+          <a:p>
+            <a:pPr>
+              <a:lnSpc>
+                <a:spcPct val="100000"/>
+              </a:lnSpc>
+            </a:pPr>
+            <a:r>
+              <a:rPr b="0" lang="it-IT" sz="1600" spc="-1" strike="noStrike">
+                <a:solidFill>
+                  <a:srgbClr val="000000"/>
+                </a:solidFill>
+                <a:latin typeface="Times New Roman"/>
+                <a:ea typeface="DejaVu Sans"/>
+              </a:rPr>
+              <a:t>     </a:t>
+            </a:r>
+            <a:r>
+              <a:rPr b="1" lang="it-IT" sz="1600" spc="-1" strike="noStrike">
+                <a:solidFill>
+                  <a:srgbClr val="000000"/>
+                </a:solidFill>
+                <a:latin typeface="Times New Roman"/>
+                <a:ea typeface="DejaVu Sans"/>
+              </a:rPr>
+              <a:t>MyKeyboardView</a:t>
+            </a:r>
+            <a:r>
+              <a:rPr b="0" lang="it-IT" sz="1600" spc="-1" strike="noStrike">
+                <a:solidFill>
+                  <a:srgbClr val="000000"/>
+                </a:solidFill>
+                <a:latin typeface="Times New Roman"/>
+                <a:ea typeface="DejaVu Sans"/>
+              </a:rPr>
+              <a:t> inputView = (</a:t>
+            </a:r>
+            <a:r>
+              <a:rPr b="1" lang="it-IT" sz="1600" spc="-1" strike="noStrike">
+                <a:solidFill>
+                  <a:srgbClr val="000000"/>
+                </a:solidFill>
+                <a:latin typeface="Times New Roman"/>
+                <a:ea typeface="DejaVu Sans"/>
+              </a:rPr>
+              <a:t>MyKeyboardView</a:t>
+            </a:r>
+            <a:r>
+              <a:rPr b="0" lang="it-IT" sz="1600" spc="-1" strike="noStrike">
+                <a:solidFill>
+                  <a:srgbClr val="000000"/>
+                </a:solidFill>
+                <a:latin typeface="Times New Roman"/>
+                <a:ea typeface="DejaVu Sans"/>
+              </a:rPr>
+              <a:t>) getLayoutInflater().inflate( R.layout.input, null);</a:t>
+            </a:r>
+            <a:endParaRPr b="0" lang="it-IT" sz="1600" spc="-1" strike="noStrike">
+              <a:latin typeface="Arial"/>
+            </a:endParaRPr>
+          </a:p>
+          <a:p>
+            <a:pPr>
+              <a:lnSpc>
+                <a:spcPct val="100000"/>
+              </a:lnSpc>
+            </a:pPr>
+            <a:r>
+              <a:rPr b="0" lang="it-IT" sz="1600" spc="-1" strike="noStrike">
+                <a:solidFill>
+                  <a:srgbClr val="000000"/>
+                </a:solidFill>
+                <a:latin typeface="Times New Roman"/>
+                <a:ea typeface="DejaVu Sans"/>
+              </a:rPr>
+              <a:t>    </a:t>
+            </a:r>
+            <a:endParaRPr b="0" lang="it-IT" sz="1600" spc="-1" strike="noStrike">
+              <a:latin typeface="Arial"/>
+            </a:endParaRPr>
+          </a:p>
+          <a:p>
+            <a:pPr>
+              <a:lnSpc>
+                <a:spcPct val="100000"/>
+              </a:lnSpc>
+            </a:pPr>
+            <a:r>
+              <a:rPr b="0" lang="it-IT" sz="1600" spc="-1" strike="noStrike">
+                <a:solidFill>
+                  <a:srgbClr val="000000"/>
+                </a:solidFill>
+                <a:latin typeface="Times New Roman"/>
+                <a:ea typeface="DejaVu Sans"/>
+              </a:rPr>
+              <a:t>     </a:t>
+            </a:r>
+            <a:r>
+              <a:rPr b="0" lang="it-IT" sz="1600" spc="-1" strike="noStrike">
+                <a:solidFill>
+                  <a:srgbClr val="000000"/>
+                </a:solidFill>
+                <a:latin typeface="Times New Roman"/>
+                <a:ea typeface="DejaVu Sans"/>
+              </a:rPr>
+              <a:t>inputView.setOnKeyboardActionListener(this);</a:t>
+            </a:r>
+            <a:endParaRPr b="0" lang="it-IT" sz="1600" spc="-1" strike="noStrike">
+              <a:latin typeface="Arial"/>
+            </a:endParaRPr>
+          </a:p>
+          <a:p>
+            <a:pPr>
+              <a:lnSpc>
+                <a:spcPct val="100000"/>
+              </a:lnSpc>
+            </a:pPr>
+            <a:r>
+              <a:rPr b="0" lang="it-IT" sz="1600" spc="-1" strike="noStrike">
+                <a:solidFill>
+                  <a:srgbClr val="000000"/>
+                </a:solidFill>
+                <a:latin typeface="Times New Roman"/>
+                <a:ea typeface="DejaVu Sans"/>
+              </a:rPr>
+              <a:t>     </a:t>
+            </a:r>
+            <a:r>
+              <a:rPr b="0" lang="it-IT" sz="1600" spc="-1" strike="noStrike">
+                <a:solidFill>
+                  <a:srgbClr val="000000"/>
+                </a:solidFill>
+                <a:latin typeface="Times New Roman"/>
+                <a:ea typeface="DejaVu Sans"/>
+              </a:rPr>
+              <a:t>inputView.setKeyboard(mLatinKeyboard); </a:t>
+            </a:r>
+            <a:endParaRPr b="0" lang="it-IT" sz="1600" spc="-1" strike="noStrike">
+              <a:latin typeface="Arial"/>
+            </a:endParaRPr>
+          </a:p>
+          <a:p>
+            <a:pPr>
+              <a:lnSpc>
+                <a:spcPct val="100000"/>
+              </a:lnSpc>
+            </a:pPr>
+            <a:r>
+              <a:rPr b="0" lang="it-IT" sz="1600" spc="-1" strike="noStrike">
+                <a:solidFill>
+                  <a:srgbClr val="000000"/>
+                </a:solidFill>
+                <a:latin typeface="Times New Roman"/>
+                <a:ea typeface="DejaVu Sans"/>
+              </a:rPr>
+              <a:t>        </a:t>
+            </a:r>
+            <a:endParaRPr b="0" lang="it-IT" sz="1600" spc="-1" strike="noStrike">
+              <a:latin typeface="Arial"/>
+            </a:endParaRPr>
+          </a:p>
+          <a:p>
+            <a:pPr>
+              <a:lnSpc>
+                <a:spcPct val="100000"/>
+              </a:lnSpc>
+            </a:pPr>
+            <a:r>
+              <a:rPr b="0" lang="it-IT" sz="1600" spc="-1" strike="noStrike">
+                <a:solidFill>
+                  <a:srgbClr val="000000"/>
+                </a:solidFill>
+                <a:latin typeface="Times New Roman"/>
+                <a:ea typeface="DejaVu Sans"/>
+              </a:rPr>
+              <a:t>     </a:t>
+            </a:r>
+            <a:r>
+              <a:rPr b="0" lang="it-IT" sz="1600" spc="-1" strike="noStrike">
+                <a:solidFill>
+                  <a:srgbClr val="000000"/>
+                </a:solidFill>
+                <a:latin typeface="Times New Roman"/>
+                <a:ea typeface="DejaVu Sans"/>
+              </a:rPr>
+              <a:t>return mInputView; </a:t>
+            </a:r>
+            <a:endParaRPr b="0" lang="it-IT" sz="1600" spc="-1" strike="noStrike">
+              <a:latin typeface="Arial"/>
+            </a:endParaRPr>
+          </a:p>
+          <a:p>
+            <a:pPr>
+              <a:lnSpc>
+                <a:spcPct val="100000"/>
+              </a:lnSpc>
+            </a:pPr>
+            <a:r>
+              <a:rPr b="0" lang="it-IT" sz="1600" spc="-1" strike="noStrike">
+                <a:solidFill>
+                  <a:srgbClr val="000000"/>
+                </a:solidFill>
+                <a:latin typeface="Times New Roman"/>
+                <a:ea typeface="DejaVu Sans"/>
+              </a:rPr>
+              <a:t>} </a:t>
+            </a:r>
+            <a:endParaRPr b="0" lang="it-IT" sz="1600" spc="-1" strike="noStrike">
+              <a:latin typeface="Arial"/>
+            </a:endParaRPr>
+          </a:p>
+        </p:txBody>
+      </p:sp>
+      <p:sp>
+        <p:nvSpPr>
+          <p:cNvPr id="118" name="CustomShape 7"/>
+          <p:cNvSpPr/>
+          <p:nvPr/>
+        </p:nvSpPr>
+        <p:spPr>
+          <a:xfrm>
+            <a:off x="792000" y="5128920"/>
+            <a:ext cx="8492040" cy="1063080"/>
+          </a:xfrm>
+          <a:prstGeom prst="rect">
+            <a:avLst/>
+          </a:prstGeom>
+          <a:noFill/>
+          <a:ln>
+            <a:noFill/>
+          </a:ln>
+        </p:spPr>
+        <p:style>
+          <a:lnRef idx="0"/>
+          <a:fillRef idx="0"/>
+          <a:effectRef idx="0"/>
+          <a:fontRef idx="minor"/>
+        </p:style>
+        <p:txBody>
+          <a:bodyPr lIns="90000" rIns="90000" tIns="45000" bIns="45000">
+            <a:spAutoFit/>
+          </a:bodyPr>
+          <a:p>
+            <a:pPr>
+              <a:lnSpc>
+                <a:spcPct val="100000"/>
+              </a:lnSpc>
+            </a:pPr>
+            <a:r>
+              <a:rPr b="1" lang="it-IT" sz="1600" spc="-1" strike="noStrike">
+                <a:solidFill>
+                  <a:srgbClr val="000000"/>
+                </a:solidFill>
+                <a:latin typeface="Times New Roman"/>
+                <a:ea typeface="DejaVu Sans"/>
+              </a:rPr>
+              <a:t>Candidates View</a:t>
+            </a:r>
+            <a:endParaRPr b="0" lang="it-IT" sz="1600" spc="-1" strike="noStrike">
+              <a:latin typeface="Arial"/>
+            </a:endParaRPr>
+          </a:p>
+          <a:p>
+            <a:pPr>
+              <a:lnSpc>
+                <a:spcPct val="100000"/>
+              </a:lnSpc>
+            </a:pPr>
+            <a:r>
+              <a:rPr b="0" lang="it-IT" sz="1600" spc="-1" strike="noStrike">
+                <a:solidFill>
+                  <a:srgbClr val="000000"/>
+                </a:solidFill>
+                <a:latin typeface="Times New Roman"/>
+                <a:ea typeface="DejaVu Sans"/>
+              </a:rPr>
+              <a:t>Il candidates view è l'interfaccia utente in cui l'IME visualizza potenziali correzioni di parole o suggerimenti da selezionare per l'utente. Nel ciclo di vita dell'IME, il sistema chiama quando è pronto per visualizzare la candidates view.</a:t>
+            </a:r>
+            <a:endParaRPr b="0" lang="it-IT" sz="1600" spc="-1" strike="noStrike">
+              <a:latin typeface="Arial"/>
+            </a:endParaRPr>
+          </a:p>
+        </p:txBody>
+      </p:sp>
+    </p:spTree>
+  </p:cSld>
+  <mc:AlternateContent>
+    <mc:Choice Requires="p14">
+      <p:transition spd="slow" p14:dur="2000"/>
+    </mc:Choice>
+    <mc:Fallback>
+      <p:transition spd="slow"/>
+    </mc:Fallback>
+  </mc:AlternateContent>
+  <p:timing>
+    <p:tnLst>
+      <p:par>
+        <p:cTn id="13" dur="indefinite" restart="never" nodeType="tmRoot">
+          <p:childTnLst>
+            <p:seq>
+              <p:cTn id="14" dur="indefinite" nodeType="mainSeq"/>
+              <p:prevCondLst>
+                <p:cond delay="0" evt="onPrev">
+                  <p:tgtEl>
+                    <p:sldTgt/>
+                  </p:tgtEl>
+                </p:cond>
+              </p:prevCondLst>
+              <p:nextCondLst>
+                <p:cond delay="0" evt="onNext">
+                  <p:tgtEl>
+                    <p:sldTgt/>
+                  </p:tgtEl>
+                </p:cond>
+              </p:nextCondLst>
+            </p:seq>
+          </p:childTnLst>
+        </p:cTn>
+      </p:par>
+    </p:tnLst>
+  </p:timing>
+</p:sld>
+</file>
+
+<file path=ppt/slides/slide8.xml><?xml version="1.0" encoding="utf-8"?>
+<p:sld xmlns:a="http://schemas.openxmlformats.org/drawingml/2006/main" xmlns:p="http://schemas.openxmlformats.org/presentationml/2006/main" xmlns:r="http://schemas.openxmlformats.org/officeDocument/2006/relationships" xmlns:p14="http://schemas.microsoft.com/office/powerpoint/2010/main" xmlns:p15="http://schemas.microsoft.com/office/powerpoint/2012/main" xmlns:mc="http://schemas.openxmlformats.org/markup-compatibility/2006">
+  <p:cSld>
+    <p:spTree>
+      <p:nvGrpSpPr>
+        <p:cNvPr id="1" name=""/>
+        <p:cNvGrpSpPr/>
+        <p:nvPr/>
+      </p:nvGrpSpPr>
+      <p:grpSpPr>
+        <a:xfrm>
+          <a:off x="0" y="0"/>
+          <a:ext cx="0" cy="0"/>
+          <a:chOff x="0" y="0"/>
+          <a:chExt cx="0" cy="0"/>
+        </a:xfrm>
+      </p:grpSpPr>
+      <p:sp>
+        <p:nvSpPr>
+          <p:cNvPr id="119" name="CustomShape 1"/>
+          <p:cNvSpPr/>
+          <p:nvPr/>
+        </p:nvSpPr>
+        <p:spPr>
+          <a:xfrm>
+            <a:off x="864000" y="6480000"/>
+            <a:ext cx="430560" cy="455400"/>
+          </a:xfrm>
+          <a:prstGeom prst="rect">
+            <a:avLst/>
+          </a:prstGeom>
+          <a:noFill/>
+          <a:ln>
+            <a:noFill/>
+          </a:ln>
+        </p:spPr>
+        <p:style>
+          <a:lnRef idx="0"/>
+          <a:fillRef idx="0"/>
+          <a:effectRef idx="0"/>
+          <a:fontRef idx="minor"/>
+        </p:style>
+        <p:txBody>
+          <a:bodyPr lIns="90000" rIns="90000" tIns="45000" bIns="45000">
+            <a:spAutoFit/>
+          </a:bodyPr>
+          <a:p>
+            <a:pPr>
+              <a:lnSpc>
+                <a:spcPct val="100000"/>
+              </a:lnSpc>
+            </a:pPr>
+            <a:fld id="{EC95F418-105C-4576-BE11-880BE3D7AD92}" type="slidenum">
+              <a:rPr b="0" lang="it-IT" sz="2400" spc="-1" strike="noStrike">
+                <a:solidFill>
+                  <a:srgbClr val="000000"/>
+                </a:solidFill>
+                <a:latin typeface="Times New Roman"/>
+                <a:ea typeface="DejaVu Sans"/>
+              </a:rPr>
+              <a:t>1</a:t>
+            </a:fld>
+            <a:endParaRPr b="0" lang="it-IT" sz="2400" spc="-1" strike="noStrike">
+              <a:latin typeface="Arial"/>
+            </a:endParaRPr>
+          </a:p>
+        </p:txBody>
+      </p:sp>
+      <p:pic>
+        <p:nvPicPr>
+          <p:cNvPr id="120" name="" descr=""/>
+          <p:cNvPicPr/>
+          <p:nvPr/>
+        </p:nvPicPr>
+        <p:blipFill>
+          <a:blip r:embed="rId1"/>
+          <a:stretch/>
+        </p:blipFill>
+        <p:spPr>
+          <a:xfrm>
+            <a:off x="8136000" y="720000"/>
+            <a:ext cx="930960" cy="934560"/>
+          </a:xfrm>
+          <a:prstGeom prst="rect">
+            <a:avLst/>
+          </a:prstGeom>
+          <a:ln>
+            <a:noFill/>
+          </a:ln>
+        </p:spPr>
+      </p:pic>
+      <p:sp>
+        <p:nvSpPr>
+          <p:cNvPr id="121" name="CustomShape 2"/>
+          <p:cNvSpPr/>
+          <p:nvPr/>
+        </p:nvSpPr>
+        <p:spPr>
+          <a:xfrm>
+            <a:off x="3672000" y="6558120"/>
+            <a:ext cx="2662560" cy="273960"/>
+          </a:xfrm>
+          <a:prstGeom prst="rect">
+            <a:avLst/>
+          </a:prstGeom>
+          <a:noFill/>
+          <a:ln>
+            <a:noFill/>
+          </a:ln>
+        </p:spPr>
+        <p:style>
+          <a:lnRef idx="0"/>
+          <a:fillRef idx="0"/>
+          <a:effectRef idx="0"/>
+          <a:fontRef idx="minor"/>
+        </p:style>
+        <p:txBody>
+          <a:bodyPr lIns="0" rIns="0" tIns="0" bIns="0" anchor="ctr">
+            <a:spAutoFit/>
+          </a:bodyPr>
+          <a:p>
+            <a:pPr algn="ctr">
+              <a:lnSpc>
+                <a:spcPct val="100000"/>
+              </a:lnSpc>
+            </a:pPr>
+            <a:r>
+              <a:rPr b="0" lang="it-IT" sz="1800" spc="-1" strike="noStrike">
+                <a:solidFill>
+                  <a:srgbClr val="999999"/>
+                </a:solidFill>
+                <a:latin typeface="Times New Roman"/>
+                <a:ea typeface="DejaVu Sans"/>
+              </a:rPr>
+              <a:t>Mobile Programming 2021</a:t>
+            </a:r>
+            <a:endParaRPr b="0" lang="it-IT" sz="1800" spc="-1" strike="noStrike">
+              <a:latin typeface="Arial"/>
+            </a:endParaRPr>
+          </a:p>
+        </p:txBody>
+      </p:sp>
+      <p:sp>
+        <p:nvSpPr>
+          <p:cNvPr id="122" name="CustomShape 3"/>
+          <p:cNvSpPr/>
+          <p:nvPr/>
+        </p:nvSpPr>
+        <p:spPr>
+          <a:xfrm>
+            <a:off x="6120000" y="2673000"/>
+            <a:ext cx="3383640" cy="3009960"/>
+          </a:xfrm>
+          <a:prstGeom prst="rect">
+            <a:avLst/>
+          </a:prstGeom>
+          <a:noFill/>
+          <a:ln>
+            <a:noFill/>
+          </a:ln>
+        </p:spPr>
+        <p:style>
+          <a:lnRef idx="0"/>
+          <a:fillRef idx="0"/>
+          <a:effectRef idx="0"/>
+          <a:fontRef idx="minor"/>
+        </p:style>
+        <p:txBody>
+          <a:bodyPr lIns="90000" rIns="90000" tIns="45000" bIns="45000">
+            <a:spAutoFit/>
+          </a:bodyPr>
+          <a:p>
+            <a:pPr>
+              <a:lnSpc>
+                <a:spcPct val="100000"/>
+              </a:lnSpc>
+            </a:pPr>
+            <a:r>
+              <a:rPr b="0" lang="it-IT" sz="1600" spc="-1" strike="noStrike">
+                <a:solidFill>
+                  <a:srgbClr val="000000"/>
+                </a:solidFill>
+                <a:latin typeface="Times New Roman"/>
+                <a:ea typeface="DejaVu Sans"/>
+              </a:rPr>
+              <a:t>Ad esempio, il frammento seguente mostra come sostituire i quattro caratteri a sinistra del cursore con il testo "Hello!":</a:t>
+            </a:r>
+            <a:endParaRPr b="0" lang="it-IT" sz="1600" spc="-1" strike="noStrike">
+              <a:latin typeface="Arial"/>
+            </a:endParaRPr>
+          </a:p>
+          <a:p>
+            <a:pPr>
+              <a:lnSpc>
+                <a:spcPct val="100000"/>
+              </a:lnSpc>
+            </a:pPr>
+            <a:endParaRPr b="0" lang="it-IT" sz="1600" spc="-1" strike="noStrike">
+              <a:latin typeface="Arial"/>
+            </a:endParaRPr>
+          </a:p>
+          <a:p>
+            <a:pPr>
+              <a:lnSpc>
+                <a:spcPct val="100000"/>
+              </a:lnSpc>
+            </a:pPr>
+            <a:endParaRPr b="0" lang="it-IT" sz="1600" spc="-1" strike="noStrike">
+              <a:latin typeface="Arial"/>
+            </a:endParaRPr>
+          </a:p>
+          <a:p>
+            <a:pPr>
+              <a:lnSpc>
+                <a:spcPct val="100000"/>
+              </a:lnSpc>
+            </a:pPr>
+            <a:r>
+              <a:rPr b="0" lang="it-IT" sz="1600" spc="-1" strike="noStrike">
+                <a:solidFill>
+                  <a:srgbClr val="37474f"/>
+                </a:solidFill>
+                <a:latin typeface="Times New Roman"/>
+                <a:ea typeface="DejaVu Sans"/>
+              </a:rPr>
+              <a:t>currentInputConnection.also { ic: </a:t>
+            </a:r>
+            <a:r>
+              <a:rPr b="0" lang="it-IT" sz="1600" spc="-1" strike="noStrike">
+                <a:solidFill>
+                  <a:srgbClr val="9c27b0"/>
+                </a:solidFill>
+                <a:latin typeface="Times New Roman"/>
+                <a:ea typeface="DejaVu Sans"/>
+              </a:rPr>
+              <a:t>InputConnection</a:t>
+            </a:r>
+            <a:r>
+              <a:rPr b="0" lang="it-IT" sz="1600" spc="-1" strike="noStrike">
+                <a:solidFill>
+                  <a:srgbClr val="37474f"/>
+                </a:solidFill>
+                <a:latin typeface="Times New Roman"/>
+                <a:ea typeface="DejaVu Sans"/>
+              </a:rPr>
+              <a:t> -&gt;</a:t>
+            </a:r>
+            <a:br/>
+            <a:r>
+              <a:rPr b="0" lang="it-IT" sz="1600" spc="-1" strike="noStrike">
+                <a:solidFill>
+                  <a:srgbClr val="37474f"/>
+                </a:solidFill>
+                <a:latin typeface="Times New Roman"/>
+                <a:ea typeface="DejaVu Sans"/>
+              </a:rPr>
+              <a:t>    ic.deleteSurroundingText(</a:t>
+            </a:r>
+            <a:r>
+              <a:rPr b="0" lang="it-IT" sz="1600" spc="-1" strike="noStrike">
+                <a:solidFill>
+                  <a:srgbClr val="c53929"/>
+                </a:solidFill>
+                <a:latin typeface="Times New Roman"/>
+                <a:ea typeface="DejaVu Sans"/>
+              </a:rPr>
+              <a:t>4</a:t>
+            </a:r>
+            <a:r>
+              <a:rPr b="0" lang="it-IT" sz="1600" spc="-1" strike="noStrike">
+                <a:solidFill>
+                  <a:srgbClr val="37474f"/>
+                </a:solidFill>
+                <a:latin typeface="Times New Roman"/>
+                <a:ea typeface="DejaVu Sans"/>
+              </a:rPr>
+              <a:t>, </a:t>
+            </a:r>
+            <a:r>
+              <a:rPr b="0" lang="it-IT" sz="1600" spc="-1" strike="noStrike">
+                <a:solidFill>
+                  <a:srgbClr val="c53929"/>
+                </a:solidFill>
+                <a:latin typeface="Times New Roman"/>
+                <a:ea typeface="DejaVu Sans"/>
+              </a:rPr>
+              <a:t>0</a:t>
+            </a:r>
+            <a:r>
+              <a:rPr b="0" lang="it-IT" sz="1600" spc="-1" strike="noStrike">
+                <a:solidFill>
+                  <a:srgbClr val="37474f"/>
+                </a:solidFill>
+                <a:latin typeface="Times New Roman"/>
+                <a:ea typeface="DejaVu Sans"/>
+              </a:rPr>
+              <a:t>)</a:t>
+            </a:r>
+            <a:br/>
+            <a:r>
+              <a:rPr b="0" lang="it-IT" sz="1600" spc="-1" strike="noStrike">
+                <a:solidFill>
+                  <a:srgbClr val="37474f"/>
+                </a:solidFill>
+                <a:latin typeface="Times New Roman"/>
+                <a:ea typeface="DejaVu Sans"/>
+              </a:rPr>
+              <a:t>    ic.commitText(</a:t>
+            </a:r>
+            <a:r>
+              <a:rPr b="0" lang="it-IT" sz="1600" spc="-1" strike="noStrike">
+                <a:solidFill>
+                  <a:srgbClr val="0d904f"/>
+                </a:solidFill>
+                <a:latin typeface="Times New Roman"/>
+                <a:ea typeface="DejaVu Sans"/>
+              </a:rPr>
+              <a:t>"Hello"</a:t>
+            </a:r>
+            <a:r>
+              <a:rPr b="0" lang="it-IT" sz="1600" spc="-1" strike="noStrike">
+                <a:solidFill>
+                  <a:srgbClr val="37474f"/>
+                </a:solidFill>
+                <a:latin typeface="Times New Roman"/>
+                <a:ea typeface="DejaVu Sans"/>
+              </a:rPr>
+              <a:t>, </a:t>
+            </a:r>
+            <a:r>
+              <a:rPr b="0" lang="it-IT" sz="1600" spc="-1" strike="noStrike">
+                <a:solidFill>
+                  <a:srgbClr val="c53929"/>
+                </a:solidFill>
+                <a:latin typeface="Times New Roman"/>
+                <a:ea typeface="DejaVu Sans"/>
+              </a:rPr>
+              <a:t>1</a:t>
+            </a:r>
+            <a:r>
+              <a:rPr b="0" lang="it-IT" sz="1600" spc="-1" strike="noStrike">
+                <a:solidFill>
+                  <a:srgbClr val="37474f"/>
+                </a:solidFill>
+                <a:latin typeface="Times New Roman"/>
+                <a:ea typeface="DejaVu Sans"/>
+              </a:rPr>
+              <a:t>)</a:t>
+            </a:r>
+            <a:br/>
+            <a:r>
+              <a:rPr b="0" lang="it-IT" sz="1600" spc="-1" strike="noStrike">
+                <a:solidFill>
+                  <a:srgbClr val="37474f"/>
+                </a:solidFill>
+                <a:latin typeface="Times New Roman"/>
+                <a:ea typeface="DejaVu Sans"/>
+              </a:rPr>
+              <a:t>    ic.commitText(</a:t>
+            </a:r>
+            <a:r>
+              <a:rPr b="0" lang="it-IT" sz="1600" spc="-1" strike="noStrike">
+                <a:solidFill>
+                  <a:srgbClr val="0d904f"/>
+                </a:solidFill>
+                <a:latin typeface="Times New Roman"/>
+                <a:ea typeface="DejaVu Sans"/>
+              </a:rPr>
+              <a:t>"!"</a:t>
+            </a:r>
+            <a:r>
+              <a:rPr b="0" lang="it-IT" sz="1600" spc="-1" strike="noStrike">
+                <a:solidFill>
+                  <a:srgbClr val="37474f"/>
+                </a:solidFill>
+                <a:latin typeface="Times New Roman"/>
+                <a:ea typeface="DejaVu Sans"/>
+              </a:rPr>
+              <a:t>, </a:t>
+            </a:r>
+            <a:r>
+              <a:rPr b="0" lang="it-IT" sz="1600" spc="-1" strike="noStrike">
+                <a:solidFill>
+                  <a:srgbClr val="c53929"/>
+                </a:solidFill>
+                <a:latin typeface="Times New Roman"/>
+                <a:ea typeface="DejaVu Sans"/>
+              </a:rPr>
+              <a:t>1</a:t>
+            </a:r>
+            <a:r>
+              <a:rPr b="0" lang="it-IT" sz="1600" spc="-1" strike="noStrike">
+                <a:solidFill>
+                  <a:srgbClr val="37474f"/>
+                </a:solidFill>
+                <a:latin typeface="Times New Roman"/>
+                <a:ea typeface="DejaVu Sans"/>
+              </a:rPr>
+              <a:t>)</a:t>
+            </a:r>
+            <a:br/>
+            <a:r>
+              <a:rPr b="0" lang="it-IT" sz="1600" spc="-1" strike="noStrike">
+                <a:solidFill>
+                  <a:srgbClr val="37474f"/>
+                </a:solidFill>
+                <a:latin typeface="Times New Roman"/>
+                <a:ea typeface="DejaVu Sans"/>
+              </a:rPr>
+              <a:t>}</a:t>
+            </a:r>
+            <a:endParaRPr b="0" lang="it-IT" sz="1600" spc="-1" strike="noStrike">
+              <a:latin typeface="Arial"/>
+            </a:endParaRPr>
+          </a:p>
+        </p:txBody>
+      </p:sp>
+      <p:sp>
+        <p:nvSpPr>
+          <p:cNvPr id="123" name="CustomShape 4"/>
+          <p:cNvSpPr/>
+          <p:nvPr/>
+        </p:nvSpPr>
+        <p:spPr>
+          <a:xfrm>
+            <a:off x="1944000" y="715320"/>
+            <a:ext cx="5183640" cy="699120"/>
+          </a:xfrm>
+          <a:prstGeom prst="rect">
+            <a:avLst/>
+          </a:prstGeom>
+          <a:noFill/>
+          <a:ln>
+            <a:noFill/>
+          </a:ln>
+        </p:spPr>
+        <p:style>
+          <a:lnRef idx="0"/>
+          <a:fillRef idx="0"/>
+          <a:effectRef idx="0"/>
+          <a:fontRef idx="minor"/>
+        </p:style>
+        <p:txBody>
+          <a:bodyPr lIns="90000" rIns="90000" tIns="45000" bIns="45000">
+            <a:spAutoFit/>
+          </a:bodyPr>
+          <a:p>
+            <a:pPr>
+              <a:lnSpc>
+                <a:spcPct val="100000"/>
+              </a:lnSpc>
+            </a:pPr>
+            <a:r>
+              <a:rPr b="1" i="1" lang="it-IT" sz="4000" spc="-1" strike="noStrike">
+                <a:solidFill>
+                  <a:srgbClr val="996633"/>
+                </a:solidFill>
+                <a:latin typeface="Times New Roman"/>
+                <a:ea typeface="DejaVu Sans"/>
+              </a:rPr>
+              <a:t>Testo intorno al cursore</a:t>
+            </a:r>
+            <a:endParaRPr b="0" lang="it-IT" sz="4000" spc="-1" strike="noStrike">
+              <a:latin typeface="Arial"/>
+            </a:endParaRPr>
+          </a:p>
+        </p:txBody>
+      </p:sp>
+      <p:sp>
+        <p:nvSpPr>
+          <p:cNvPr id="124" name="CustomShape 5"/>
+          <p:cNvSpPr/>
+          <p:nvPr/>
+        </p:nvSpPr>
+        <p:spPr>
+          <a:xfrm>
+            <a:off x="916560" y="1656000"/>
+            <a:ext cx="7003080" cy="819720"/>
+          </a:xfrm>
+          <a:prstGeom prst="rect">
+            <a:avLst/>
+          </a:prstGeom>
+          <a:noFill/>
+          <a:ln>
+            <a:noFill/>
+          </a:ln>
+        </p:spPr>
+        <p:style>
+          <a:lnRef idx="0"/>
+          <a:fillRef idx="0"/>
+          <a:effectRef idx="0"/>
+          <a:fontRef idx="minor"/>
+        </p:style>
+        <p:txBody>
+          <a:bodyPr lIns="90000" rIns="90000" tIns="45000" bIns="45000">
+            <a:spAutoFit/>
+          </a:bodyPr>
+          <a:p>
+            <a:pPr>
+              <a:lnSpc>
+                <a:spcPct val="100000"/>
+              </a:lnSpc>
+            </a:pPr>
+            <a:r>
+              <a:rPr b="0" lang="it-IT" sz="1600" spc="-1" strike="noStrike">
+                <a:solidFill>
+                  <a:srgbClr val="202124"/>
+                </a:solidFill>
+                <a:latin typeface="Times New Roman"/>
+                <a:ea typeface="Arial"/>
+              </a:rPr>
+              <a:t>Quando si gestisce la modifica del testo esistente in un campo di testo, alcuni dei metodi più utili in sono: </a:t>
+            </a:r>
+            <a:endParaRPr b="0" lang="it-IT" sz="1600" spc="-1" strike="noStrike">
+              <a:latin typeface="Arial"/>
+            </a:endParaRPr>
+          </a:p>
+          <a:p>
+            <a:pPr>
+              <a:lnSpc>
+                <a:spcPct val="100000"/>
+              </a:lnSpc>
+            </a:pPr>
+            <a:endParaRPr b="0" lang="it-IT" sz="1600" spc="-1" strike="noStrike">
+              <a:latin typeface="Arial"/>
+            </a:endParaRPr>
+          </a:p>
+        </p:txBody>
+      </p:sp>
+      <p:sp>
+        <p:nvSpPr>
+          <p:cNvPr id="125" name="CustomShape 6"/>
+          <p:cNvSpPr/>
+          <p:nvPr/>
+        </p:nvSpPr>
+        <p:spPr>
+          <a:xfrm>
+            <a:off x="794880" y="2409480"/>
+            <a:ext cx="5540760" cy="3740040"/>
+          </a:xfrm>
+          <a:prstGeom prst="rect">
+            <a:avLst/>
+          </a:prstGeom>
+          <a:noFill/>
+          <a:ln>
+            <a:noFill/>
+          </a:ln>
+        </p:spPr>
+        <p:style>
+          <a:lnRef idx="0"/>
+          <a:fillRef idx="0"/>
+          <a:effectRef idx="0"/>
+          <a:fontRef idx="minor"/>
+        </p:style>
+        <p:txBody>
+          <a:bodyPr lIns="90000" rIns="90000" tIns="45000" bIns="45000">
+            <a:spAutoFit/>
+          </a:bodyPr>
+          <a:p>
+            <a:pPr marL="216000" indent="-215640">
+              <a:lnSpc>
+                <a:spcPct val="100000"/>
+              </a:lnSpc>
+              <a:buClr>
+                <a:srgbClr val="000000"/>
+              </a:buClr>
+              <a:buSzPct val="45000"/>
+              <a:buFont typeface="Wingdings" charset="2"/>
+              <a:buChar char=""/>
+            </a:pPr>
+            <a:r>
+              <a:rPr b="1" lang="it-IT" sz="1600" spc="-1" strike="noStrike">
+                <a:latin typeface="Times New Roman"/>
+              </a:rPr>
+              <a:t>GetTextBeforeCursor</a:t>
+            </a:r>
+            <a:r>
+              <a:rPr b="0" lang="it-IT" sz="1600" spc="-1" strike="noStrike">
+                <a:latin typeface="Times New Roman"/>
+              </a:rPr>
+              <a:t>()</a:t>
+            </a:r>
+            <a:endParaRPr b="0" lang="it-IT" sz="1600" spc="-1" strike="noStrike">
+              <a:latin typeface="Arial"/>
+            </a:endParaRPr>
+          </a:p>
+          <a:p>
+            <a:pPr lvl="1" marL="432000" indent="-215640">
+              <a:lnSpc>
+                <a:spcPct val="100000"/>
+              </a:lnSpc>
+              <a:buClr>
+                <a:srgbClr val="000000"/>
+              </a:buClr>
+              <a:buSzPct val="45000"/>
+              <a:buFont typeface="Wingdings" charset="2"/>
+              <a:buChar char=""/>
+            </a:pPr>
+            <a:r>
+              <a:rPr b="0" lang="it-IT" sz="1600" spc="-1" strike="noStrike">
+                <a:latin typeface="Times New Roman"/>
+              </a:rPr>
+              <a:t>Restituisce un oggetto contenente il numero di caratteri richiesti prima della posizione corrente del cursore.</a:t>
+            </a:r>
+            <a:endParaRPr b="0" lang="it-IT" sz="1600" spc="-1" strike="noStrike">
+              <a:latin typeface="Arial"/>
+            </a:endParaRPr>
+          </a:p>
+          <a:p>
+            <a:pPr>
+              <a:lnSpc>
+                <a:spcPct val="100000"/>
+              </a:lnSpc>
+            </a:pPr>
+            <a:endParaRPr b="0" lang="it-IT" sz="1600" spc="-1" strike="noStrike">
+              <a:latin typeface="Arial"/>
+            </a:endParaRPr>
+          </a:p>
+          <a:p>
+            <a:pPr marL="216000" indent="-215640">
+              <a:lnSpc>
+                <a:spcPct val="100000"/>
+              </a:lnSpc>
+              <a:buClr>
+                <a:srgbClr val="000000"/>
+              </a:buClr>
+              <a:buSzPct val="45000"/>
+              <a:buFont typeface="Wingdings" charset="2"/>
+              <a:buChar char=""/>
+            </a:pPr>
+            <a:r>
+              <a:rPr b="1" lang="it-IT" sz="1600" spc="-1" strike="noStrike">
+                <a:latin typeface="Times New Roman"/>
+              </a:rPr>
+              <a:t>GetTextAfterCursor</a:t>
+            </a:r>
+            <a:r>
+              <a:rPr b="0" lang="it-IT" sz="1600" spc="-1" strike="noStrike">
+                <a:latin typeface="Times New Roman"/>
+              </a:rPr>
+              <a:t>()</a:t>
+            </a:r>
+            <a:endParaRPr b="0" lang="it-IT" sz="1600" spc="-1" strike="noStrike">
+              <a:latin typeface="Arial"/>
+            </a:endParaRPr>
+          </a:p>
+          <a:p>
+            <a:pPr lvl="1" marL="432000" indent="-215640">
+              <a:lnSpc>
+                <a:spcPct val="100000"/>
+              </a:lnSpc>
+              <a:buClr>
+                <a:srgbClr val="000000"/>
+              </a:buClr>
+              <a:buSzPct val="45000"/>
+              <a:buFont typeface="Wingdings" charset="2"/>
+              <a:buChar char=""/>
+            </a:pPr>
+            <a:r>
+              <a:rPr b="0" lang="it-IT" sz="1600" spc="-1" strike="noStrike">
+                <a:latin typeface="Times New Roman"/>
+              </a:rPr>
+              <a:t>Restituisce un oggetto contenente il numero di caratteri richiesti dopo la posizione corrente del cursore. </a:t>
+            </a:r>
+            <a:endParaRPr b="0" lang="it-IT" sz="1600" spc="-1" strike="noStrike">
+              <a:latin typeface="Arial"/>
+            </a:endParaRPr>
+          </a:p>
+          <a:p>
+            <a:pPr>
+              <a:lnSpc>
+                <a:spcPct val="100000"/>
+              </a:lnSpc>
+            </a:pPr>
+            <a:endParaRPr b="0" lang="it-IT" sz="1600" spc="-1" strike="noStrike">
+              <a:latin typeface="Arial"/>
+            </a:endParaRPr>
+          </a:p>
+          <a:p>
+            <a:pPr marL="216000" indent="-215640">
+              <a:lnSpc>
+                <a:spcPct val="100000"/>
+              </a:lnSpc>
+              <a:buClr>
+                <a:srgbClr val="000000"/>
+              </a:buClr>
+              <a:buSzPct val="45000"/>
+              <a:buFont typeface="Wingdings" charset="2"/>
+              <a:buChar char=""/>
+            </a:pPr>
+            <a:r>
+              <a:rPr b="1" lang="it-IT" sz="1600" spc="-1" strike="noStrike">
+                <a:latin typeface="Times New Roman"/>
+              </a:rPr>
+              <a:t>DeleteSurroundingText</a:t>
+            </a:r>
+            <a:r>
+              <a:rPr b="0" lang="it-IT" sz="1600" spc="-1" strike="noStrike">
+                <a:latin typeface="Times New Roman"/>
+              </a:rPr>
+              <a:t>()</a:t>
+            </a:r>
+            <a:endParaRPr b="0" lang="it-IT" sz="1600" spc="-1" strike="noStrike">
+              <a:latin typeface="Arial"/>
+            </a:endParaRPr>
+          </a:p>
+          <a:p>
+            <a:pPr lvl="1" marL="432000" indent="-215640">
+              <a:lnSpc>
+                <a:spcPct val="100000"/>
+              </a:lnSpc>
+              <a:buClr>
+                <a:srgbClr val="000000"/>
+              </a:buClr>
+              <a:buSzPct val="45000"/>
+              <a:buFont typeface="Wingdings" charset="2"/>
+              <a:buChar char=""/>
+            </a:pPr>
+            <a:r>
+              <a:rPr b="0" lang="it-IT" sz="1600" spc="-1" strike="noStrike">
+                <a:latin typeface="Times New Roman"/>
+              </a:rPr>
+              <a:t>Elimina il numero specificato di caratteri prima e dopo la posizione corrente del cursore.</a:t>
+            </a:r>
+            <a:endParaRPr b="0" lang="it-IT" sz="1600" spc="-1" strike="noStrike">
+              <a:latin typeface="Arial"/>
+            </a:endParaRPr>
+          </a:p>
+          <a:p>
+            <a:pPr>
+              <a:lnSpc>
+                <a:spcPct val="100000"/>
+              </a:lnSpc>
+            </a:pPr>
+            <a:endParaRPr b="0" lang="it-IT" sz="1600" spc="-1" strike="noStrike">
+              <a:latin typeface="Arial"/>
+            </a:endParaRPr>
+          </a:p>
+          <a:p>
+            <a:pPr marL="216000" indent="-215640">
+              <a:lnSpc>
+                <a:spcPct val="100000"/>
+              </a:lnSpc>
+              <a:buClr>
+                <a:srgbClr val="000000"/>
+              </a:buClr>
+              <a:buSzPct val="45000"/>
+              <a:buFont typeface="Wingdings" charset="2"/>
+              <a:buChar char=""/>
+            </a:pPr>
+            <a:r>
+              <a:rPr b="1" lang="it-IT" sz="1600" spc="-1" strike="noStrike">
+                <a:latin typeface="Times New Roman"/>
+              </a:rPr>
+              <a:t>CommitText</a:t>
+            </a:r>
+            <a:r>
+              <a:rPr b="0" lang="it-IT" sz="1600" spc="-1" strike="noStrike">
+                <a:latin typeface="Times New Roman"/>
+              </a:rPr>
+              <a:t>()</a:t>
+            </a:r>
+            <a:endParaRPr b="0" lang="it-IT" sz="1600" spc="-1" strike="noStrike">
+              <a:latin typeface="Arial"/>
+            </a:endParaRPr>
+          </a:p>
+          <a:p>
+            <a:pPr lvl="1" marL="432000" indent="-215640">
+              <a:lnSpc>
+                <a:spcPct val="100000"/>
+              </a:lnSpc>
+              <a:buClr>
+                <a:srgbClr val="000000"/>
+              </a:buClr>
+              <a:buSzPct val="45000"/>
+              <a:buFont typeface="Wingdings" charset="2"/>
+              <a:buChar char=""/>
+            </a:pPr>
+            <a:r>
+              <a:rPr b="0" lang="it-IT" sz="1600" spc="-1" strike="noStrike">
+                <a:latin typeface="Times New Roman"/>
+              </a:rPr>
+              <a:t>Eseguire il commit di un oggetto nel campo di testo e impostare una nuova posizione del cursore. </a:t>
+            </a:r>
+            <a:endParaRPr b="0" lang="it-IT" sz="1600" spc="-1" strike="noStrike">
+              <a:latin typeface="Arial"/>
+            </a:endParaRPr>
+          </a:p>
+        </p:txBody>
+      </p:sp>
+    </p:spTree>
+  </p:cSld>
+  <mc:AlternateContent>
+    <mc:Choice Requires="p14">
+      <p:transition spd="slow" p14:dur="2000"/>
+    </mc:Choice>
+    <mc:Fallback>
+      <p:transition spd="slow"/>
+    </mc:Fallback>
+  </mc:AlternateContent>
+  <p:timing>
+    <p:tnLst>
+      <p:par>
+        <p:cTn id="15" dur="indefinite" restart="never" nodeType="tmRoot">
+          <p:childTnLst>
+            <p:seq>
+              <p:cTn id="16" dur="indefinite" nodeType="mainSeq"/>
+              <p:prevCondLst>
+                <p:cond delay="0" evt="onPrev">
+                  <p:tgtEl>
+                    <p:sldTgt/>
+                  </p:tgtEl>
+                </p:cond>
+              </p:prevCondLst>
+              <p:nextCondLst>
+                <p:cond delay="0" evt="onNext">
+                  <p:tgtEl>
+                    <p:sldTgt/>
+                  </p:tgtEl>
+                </p:cond>
+              </p:nextCondLst>
+            </p:seq>
+          </p:childTnLst>
+        </p:cTn>
+      </p:par>
+    </p:tnLst>
+  </p:timing>
+</p:sld>
+</file>
+
+<file path=ppt/slides/slide9.xml><?xml version="1.0" encoding="utf-8"?>
+<p:sld xmlns:a="http://schemas.openxmlformats.org/drawingml/2006/main" xmlns:p="http://schemas.openxmlformats.org/presentationml/2006/main" xmlns:r="http://schemas.openxmlformats.org/officeDocument/2006/relationships" xmlns:p14="http://schemas.microsoft.com/office/powerpoint/2010/main" xmlns:p15="http://schemas.microsoft.com/office/powerpoint/2012/main" xmlns:mc="http://schemas.openxmlformats.org/markup-compatibility/2006">
+  <p:cSld>
+    <p:spTree>
+      <p:nvGrpSpPr>
+        <p:cNvPr id="1" name=""/>
+        <p:cNvGrpSpPr/>
+        <p:nvPr/>
+      </p:nvGrpSpPr>
+      <p:grpSpPr>
+        <a:xfrm>
+          <a:off x="0" y="0"/>
+          <a:ext cx="0" cy="0"/>
+          <a:chOff x="0" y="0"/>
+          <a:chExt cx="0" cy="0"/>
+        </a:xfrm>
+      </p:grpSpPr>
+      <p:sp>
+        <p:nvSpPr>
+          <p:cNvPr id="126" name="CustomShape 1"/>
+          <p:cNvSpPr/>
+          <p:nvPr/>
+        </p:nvSpPr>
+        <p:spPr>
+          <a:xfrm>
+            <a:off x="864000" y="6480000"/>
+            <a:ext cx="430560" cy="455400"/>
+          </a:xfrm>
+          <a:prstGeom prst="rect">
+            <a:avLst/>
+          </a:prstGeom>
+          <a:noFill/>
+          <a:ln>
+            <a:noFill/>
+          </a:ln>
+        </p:spPr>
+        <p:style>
+          <a:lnRef idx="0"/>
+          <a:fillRef idx="0"/>
+          <a:effectRef idx="0"/>
+          <a:fontRef idx="minor"/>
+        </p:style>
+        <p:txBody>
+          <a:bodyPr lIns="90000" rIns="90000" tIns="45000" bIns="45000">
+            <a:spAutoFit/>
+          </a:bodyPr>
+          <a:p>
+            <a:pPr>
+              <a:lnSpc>
+                <a:spcPct val="100000"/>
+              </a:lnSpc>
+            </a:pPr>
+            <a:fld id="{98B10129-6A2C-4273-A134-F0874BFD4BD4}" type="slidenum">
+              <a:rPr b="0" lang="it-IT" sz="2400" spc="-1" strike="noStrike">
+                <a:solidFill>
+                  <a:srgbClr val="000000"/>
+                </a:solidFill>
+                <a:latin typeface="Times New Roman"/>
+                <a:ea typeface="DejaVu Sans"/>
+              </a:rPr>
+              <a:t>1</a:t>
+            </a:fld>
+            <a:endParaRPr b="0" lang="it-IT" sz="2400" spc="-1" strike="noStrike">
+              <a:latin typeface="Arial"/>
+            </a:endParaRPr>
+          </a:p>
+        </p:txBody>
+      </p:sp>
+      <p:pic>
+        <p:nvPicPr>
+          <p:cNvPr id="127" name="" descr=""/>
+          <p:cNvPicPr/>
+          <p:nvPr/>
+        </p:nvPicPr>
+        <p:blipFill>
+          <a:blip r:embed="rId1"/>
+          <a:stretch/>
+        </p:blipFill>
+        <p:spPr>
+          <a:xfrm>
+            <a:off x="8136000" y="720000"/>
+            <a:ext cx="930960" cy="934560"/>
+          </a:xfrm>
+          <a:prstGeom prst="rect">
+            <a:avLst/>
+          </a:prstGeom>
+          <a:ln>
+            <a:noFill/>
+          </a:ln>
+        </p:spPr>
+      </p:pic>
+      <p:sp>
+        <p:nvSpPr>
+          <p:cNvPr id="128" name="CustomShape 2"/>
+          <p:cNvSpPr/>
+          <p:nvPr/>
+        </p:nvSpPr>
+        <p:spPr>
+          <a:xfrm>
+            <a:off x="3672000" y="6558120"/>
+            <a:ext cx="2662560" cy="273960"/>
+          </a:xfrm>
+          <a:prstGeom prst="rect">
+            <a:avLst/>
+          </a:prstGeom>
+          <a:noFill/>
+          <a:ln>
+            <a:noFill/>
+          </a:ln>
+        </p:spPr>
+        <p:style>
+          <a:lnRef idx="0"/>
+          <a:fillRef idx="0"/>
+          <a:effectRef idx="0"/>
+          <a:fontRef idx="minor"/>
+        </p:style>
+        <p:txBody>
+          <a:bodyPr lIns="0" rIns="0" tIns="0" bIns="0" anchor="ctr">
+            <a:spAutoFit/>
+          </a:bodyPr>
+          <a:p>
+            <a:pPr algn="ctr">
+              <a:lnSpc>
+                <a:spcPct val="100000"/>
+              </a:lnSpc>
+            </a:pPr>
+            <a:r>
+              <a:rPr b="0" lang="it-IT" sz="1800" spc="-1" strike="noStrike">
+                <a:solidFill>
+                  <a:srgbClr val="999999"/>
+                </a:solidFill>
+                <a:latin typeface="Times New Roman"/>
+                <a:ea typeface="DejaVu Sans"/>
+              </a:rPr>
+              <a:t>Mobile Programming 2021</a:t>
+            </a:r>
+            <a:endParaRPr b="0" lang="it-IT" sz="1800" spc="-1" strike="noStrike">
+              <a:latin typeface="Arial"/>
+            </a:endParaRPr>
+          </a:p>
+        </p:txBody>
+      </p:sp>
+      <p:sp>
+        <p:nvSpPr>
+          <p:cNvPr id="129" name="CustomShape 3"/>
+          <p:cNvSpPr/>
+          <p:nvPr/>
+        </p:nvSpPr>
+        <p:spPr>
+          <a:xfrm>
+            <a:off x="2355120" y="1008000"/>
+            <a:ext cx="4196520" cy="699120"/>
+          </a:xfrm>
+          <a:prstGeom prst="rect">
+            <a:avLst/>
+          </a:prstGeom>
+          <a:noFill/>
+          <a:ln>
+            <a:noFill/>
+          </a:ln>
+        </p:spPr>
+        <p:style>
+          <a:lnRef idx="0"/>
+          <a:fillRef idx="0"/>
+          <a:effectRef idx="0"/>
+          <a:fontRef idx="minor"/>
+        </p:style>
+        <p:txBody>
+          <a:bodyPr lIns="90000" rIns="90000" tIns="45000" bIns="45000">
+            <a:spAutoFit/>
+          </a:bodyPr>
+          <a:p>
+            <a:pPr>
+              <a:lnSpc>
+                <a:spcPct val="100000"/>
+              </a:lnSpc>
+            </a:pPr>
+            <a:r>
+              <a:rPr b="1" i="1" lang="it-IT" sz="4000" spc="-1" strike="noStrike">
+                <a:solidFill>
+                  <a:srgbClr val="996633"/>
+                </a:solidFill>
+                <a:latin typeface="Times New Roman"/>
+                <a:ea typeface="DejaVu Sans"/>
+              </a:rPr>
+              <a:t>Previsione del testo</a:t>
+            </a:r>
+            <a:endParaRPr b="0" lang="it-IT" sz="4000" spc="-1" strike="noStrike">
+              <a:latin typeface="Arial"/>
+            </a:endParaRPr>
+          </a:p>
+        </p:txBody>
+      </p:sp>
+      <p:sp>
+        <p:nvSpPr>
+          <p:cNvPr id="130" name="CustomShape 4"/>
+          <p:cNvSpPr/>
+          <p:nvPr/>
+        </p:nvSpPr>
+        <p:spPr>
+          <a:xfrm>
+            <a:off x="1170360" y="2021040"/>
+            <a:ext cx="7037280" cy="819720"/>
+          </a:xfrm>
+          <a:prstGeom prst="rect">
+            <a:avLst/>
+          </a:prstGeom>
+          <a:noFill/>
+          <a:ln>
+            <a:noFill/>
+          </a:ln>
+        </p:spPr>
+        <p:style>
+          <a:lnRef idx="0"/>
+          <a:fillRef idx="0"/>
+          <a:effectRef idx="0"/>
+          <a:fontRef idx="minor"/>
+        </p:style>
+        <p:txBody>
+          <a:bodyPr lIns="90000" rIns="90000" tIns="45000" bIns="45000">
+            <a:spAutoFit/>
+          </a:bodyPr>
+          <a:p>
+            <a:pPr>
+              <a:lnSpc>
+                <a:spcPct val="100000"/>
+              </a:lnSpc>
+            </a:pPr>
+            <a:r>
+              <a:rPr b="0" lang="it-IT" sz="1600" spc="-1" strike="noStrike">
+                <a:solidFill>
+                  <a:srgbClr val="202124"/>
+                </a:solidFill>
+                <a:latin typeface="Times New Roman"/>
+                <a:ea typeface="Arial"/>
+              </a:rPr>
+              <a:t>Se l'IME eseguisse la previsione del testo è possibile visualizzare lo stato di avanzamento nel campo di testo fino a quando l'utente non esegue il commit della parola, quindi è possibile sostituire la composizione parziale con il testo completato.</a:t>
+            </a:r>
+            <a:endParaRPr b="0" lang="it-IT" sz="1600" spc="-1" strike="noStrike">
+              <a:latin typeface="Arial"/>
+            </a:endParaRPr>
+          </a:p>
+        </p:txBody>
+      </p:sp>
+      <p:sp>
+        <p:nvSpPr>
+          <p:cNvPr id="131" name="CustomShape 5"/>
+          <p:cNvSpPr/>
+          <p:nvPr/>
+        </p:nvSpPr>
+        <p:spPr>
+          <a:xfrm>
+            <a:off x="4824000" y="3168000"/>
+            <a:ext cx="4679640" cy="2279880"/>
+          </a:xfrm>
+          <a:prstGeom prst="rect">
+            <a:avLst/>
+          </a:prstGeom>
+          <a:noFill/>
+          <a:ln>
+            <a:noFill/>
+          </a:ln>
+        </p:spPr>
+        <p:style>
+          <a:lnRef idx="0"/>
+          <a:fillRef idx="0"/>
+          <a:effectRef idx="0"/>
+          <a:fontRef idx="minor"/>
+        </p:style>
+        <p:txBody>
+          <a:bodyPr lIns="90000" rIns="90000" tIns="45000" bIns="45000">
+            <a:spAutoFit/>
+          </a:bodyPr>
+          <a:p>
+            <a:pPr>
+              <a:lnSpc>
+                <a:spcPct val="100000"/>
+              </a:lnSpc>
+            </a:pPr>
+            <a:r>
+              <a:rPr b="0" lang="it-IT" sz="1600" spc="-1" strike="noStrike">
+                <a:solidFill>
+                  <a:srgbClr val="000000"/>
+                </a:solidFill>
+                <a:latin typeface="Times New Roman"/>
+                <a:ea typeface="DejaVu Sans"/>
+              </a:rPr>
+              <a:t>Il frammento seguente mostra come mostrare lo stato di avanzamento in un campo di testo:</a:t>
+            </a:r>
+            <a:endParaRPr b="0" lang="it-IT" sz="1600" spc="-1" strike="noStrike">
+              <a:latin typeface="Arial"/>
+            </a:endParaRPr>
+          </a:p>
+          <a:p>
+            <a:pPr>
+              <a:lnSpc>
+                <a:spcPct val="100000"/>
+              </a:lnSpc>
+            </a:pPr>
+            <a:endParaRPr b="0" lang="it-IT" sz="1600" spc="-1" strike="noStrike">
+              <a:latin typeface="Arial"/>
+            </a:endParaRPr>
+          </a:p>
+          <a:p>
+            <a:pPr>
+              <a:lnSpc>
+                <a:spcPct val="100000"/>
+              </a:lnSpc>
+            </a:pPr>
+            <a:endParaRPr b="0" lang="it-IT" sz="1600" spc="-1" strike="noStrike">
+              <a:latin typeface="Arial"/>
+            </a:endParaRPr>
+          </a:p>
+          <a:p>
+            <a:pPr>
+              <a:lnSpc>
+                <a:spcPct val="100000"/>
+              </a:lnSpc>
+            </a:pPr>
+            <a:r>
+              <a:rPr b="0" lang="it-IT" sz="1600" spc="-1" strike="noStrike">
+                <a:solidFill>
+                  <a:srgbClr val="37474f"/>
+                </a:solidFill>
+                <a:latin typeface="Times New Roman"/>
+                <a:ea typeface="DejaVu Sans"/>
+              </a:rPr>
+              <a:t>currentInputConnection.also { ic: </a:t>
+            </a:r>
+            <a:r>
+              <a:rPr b="0" lang="it-IT" sz="1600" spc="-1" strike="noStrike">
+                <a:solidFill>
+                  <a:srgbClr val="9c27b0"/>
+                </a:solidFill>
+                <a:latin typeface="Times New Roman"/>
+                <a:ea typeface="DejaVu Sans"/>
+              </a:rPr>
+              <a:t>InputConnection</a:t>
+            </a:r>
+            <a:r>
+              <a:rPr b="0" lang="it-IT" sz="1600" spc="-1" strike="noStrike">
+                <a:solidFill>
+                  <a:srgbClr val="37474f"/>
+                </a:solidFill>
+                <a:latin typeface="Times New Roman"/>
+                <a:ea typeface="DejaVu Sans"/>
+              </a:rPr>
+              <a:t> -&gt;</a:t>
+            </a:r>
+            <a:br/>
+            <a:r>
+              <a:rPr b="0" lang="it-IT" sz="1600" spc="-1" strike="noStrike">
+                <a:solidFill>
+                  <a:srgbClr val="37474f"/>
+                </a:solidFill>
+                <a:latin typeface="Times New Roman"/>
+                <a:ea typeface="DejaVu Sans"/>
+              </a:rPr>
+              <a:t>    ic.setComposingText(</a:t>
+            </a:r>
+            <a:r>
+              <a:rPr b="0" lang="it-IT" sz="1600" spc="-1" strike="noStrike">
+                <a:solidFill>
+                  <a:srgbClr val="0d904f"/>
+                </a:solidFill>
+                <a:latin typeface="Times New Roman"/>
+                <a:ea typeface="DejaVu Sans"/>
+              </a:rPr>
+              <a:t>"Composi"</a:t>
+            </a:r>
+            <a:r>
+              <a:rPr b="0" lang="it-IT" sz="1600" spc="-1" strike="noStrike">
+                <a:solidFill>
+                  <a:srgbClr val="37474f"/>
+                </a:solidFill>
+                <a:latin typeface="Times New Roman"/>
+                <a:ea typeface="DejaVu Sans"/>
+              </a:rPr>
+              <a:t>, </a:t>
+            </a:r>
+            <a:r>
+              <a:rPr b="0" lang="it-IT" sz="1600" spc="-1" strike="noStrike">
+                <a:solidFill>
+                  <a:srgbClr val="c53929"/>
+                </a:solidFill>
+                <a:latin typeface="Times New Roman"/>
+                <a:ea typeface="DejaVu Sans"/>
+              </a:rPr>
+              <a:t>1</a:t>
+            </a:r>
+            <a:r>
+              <a:rPr b="0" lang="it-IT" sz="1600" spc="-1" strike="noStrike">
+                <a:solidFill>
+                  <a:srgbClr val="37474f"/>
+                </a:solidFill>
+                <a:latin typeface="Times New Roman"/>
+                <a:ea typeface="DejaVu Sans"/>
+              </a:rPr>
+              <a:t>)</a:t>
+            </a:r>
+            <a:br/>
+            <a:r>
+              <a:rPr b="0" lang="it-IT" sz="1600" spc="-1" strike="noStrike">
+                <a:solidFill>
+                  <a:srgbClr val="37474f"/>
+                </a:solidFill>
+                <a:latin typeface="Times New Roman"/>
+                <a:ea typeface="DejaVu Sans"/>
+              </a:rPr>
+              <a:t>    ic.setComposingText(</a:t>
+            </a:r>
+            <a:r>
+              <a:rPr b="0" lang="it-IT" sz="1600" spc="-1" strike="noStrike">
+                <a:solidFill>
+                  <a:srgbClr val="0d904f"/>
+                </a:solidFill>
+                <a:latin typeface="Times New Roman"/>
+                <a:ea typeface="DejaVu Sans"/>
+              </a:rPr>
+              <a:t>"Composin"</a:t>
+            </a:r>
+            <a:r>
+              <a:rPr b="0" lang="it-IT" sz="1600" spc="-1" strike="noStrike">
+                <a:solidFill>
+                  <a:srgbClr val="37474f"/>
+                </a:solidFill>
+                <a:latin typeface="Times New Roman"/>
+                <a:ea typeface="DejaVu Sans"/>
+              </a:rPr>
+              <a:t>, </a:t>
+            </a:r>
+            <a:r>
+              <a:rPr b="0" lang="it-IT" sz="1600" spc="-1" strike="noStrike">
+                <a:solidFill>
+                  <a:srgbClr val="c53929"/>
+                </a:solidFill>
+                <a:latin typeface="Times New Roman"/>
+                <a:ea typeface="DejaVu Sans"/>
+              </a:rPr>
+              <a:t>1</a:t>
+            </a:r>
+            <a:r>
+              <a:rPr b="0" lang="it-IT" sz="1600" spc="-1" strike="noStrike">
+                <a:solidFill>
+                  <a:srgbClr val="37474f"/>
+                </a:solidFill>
+                <a:latin typeface="Times New Roman"/>
+                <a:ea typeface="DejaVu Sans"/>
+              </a:rPr>
+              <a:t>)</a:t>
+            </a:r>
+            <a:br/>
+            <a:r>
+              <a:rPr b="0" lang="it-IT" sz="1600" spc="-1" strike="noStrike">
+                <a:solidFill>
+                  <a:srgbClr val="37474f"/>
+                </a:solidFill>
+                <a:latin typeface="Times New Roman"/>
+                <a:ea typeface="DejaVu Sans"/>
+              </a:rPr>
+              <a:t>    ic.commitText(</a:t>
+            </a:r>
+            <a:r>
+              <a:rPr b="0" lang="it-IT" sz="1600" spc="-1" strike="noStrike">
+                <a:solidFill>
+                  <a:srgbClr val="0d904f"/>
+                </a:solidFill>
+                <a:latin typeface="Times New Roman"/>
+                <a:ea typeface="DejaVu Sans"/>
+              </a:rPr>
+              <a:t>"Composing "</a:t>
+            </a:r>
+            <a:r>
+              <a:rPr b="0" lang="it-IT" sz="1600" spc="-1" strike="noStrike">
+                <a:solidFill>
+                  <a:srgbClr val="37474f"/>
+                </a:solidFill>
+                <a:latin typeface="Times New Roman"/>
+                <a:ea typeface="DejaVu Sans"/>
+              </a:rPr>
+              <a:t>, </a:t>
+            </a:r>
+            <a:r>
+              <a:rPr b="0" lang="it-IT" sz="1600" spc="-1" strike="noStrike">
+                <a:solidFill>
+                  <a:srgbClr val="c53929"/>
+                </a:solidFill>
+                <a:latin typeface="Times New Roman"/>
+                <a:ea typeface="DejaVu Sans"/>
+              </a:rPr>
+              <a:t>1</a:t>
+            </a:r>
+            <a:r>
+              <a:rPr b="0" lang="it-IT" sz="1600" spc="-1" strike="noStrike">
+                <a:solidFill>
+                  <a:srgbClr val="37474f"/>
+                </a:solidFill>
+                <a:latin typeface="Times New Roman"/>
+                <a:ea typeface="DejaVu Sans"/>
+              </a:rPr>
+              <a:t>)</a:t>
+            </a:r>
+            <a:br/>
+            <a:r>
+              <a:rPr b="0" lang="it-IT" sz="1600" spc="-1" strike="noStrike">
+                <a:solidFill>
+                  <a:srgbClr val="37474f"/>
+                </a:solidFill>
+                <a:latin typeface="Times New Roman"/>
+                <a:ea typeface="DejaVu Sans"/>
+              </a:rPr>
+              <a:t>}</a:t>
+            </a:r>
+            <a:endParaRPr b="0" lang="it-IT" sz="1600" spc="-1" strike="noStrike">
+              <a:latin typeface="Arial"/>
+            </a:endParaRPr>
+          </a:p>
+        </p:txBody>
+      </p:sp>
+      <p:pic>
+        <p:nvPicPr>
+          <p:cNvPr id="132" name="" descr=""/>
+          <p:cNvPicPr/>
+          <p:nvPr/>
+        </p:nvPicPr>
+        <p:blipFill>
+          <a:blip r:embed="rId2"/>
+          <a:stretch/>
+        </p:blipFill>
+        <p:spPr>
+          <a:xfrm>
+            <a:off x="1533600" y="3182400"/>
+            <a:ext cx="2714040" cy="723240"/>
+          </a:xfrm>
+          <a:prstGeom prst="rect">
+            <a:avLst/>
+          </a:prstGeom>
+          <a:ln>
+            <a:noFill/>
+          </a:ln>
+        </p:spPr>
+      </p:pic>
+      <p:pic>
+        <p:nvPicPr>
+          <p:cNvPr id="133" name="" descr=""/>
+          <p:cNvPicPr/>
+          <p:nvPr/>
+        </p:nvPicPr>
+        <p:blipFill>
+          <a:blip r:embed="rId3"/>
+          <a:stretch/>
+        </p:blipFill>
+        <p:spPr>
+          <a:xfrm>
+            <a:off x="1512000" y="4283280"/>
+            <a:ext cx="2735640" cy="715320"/>
+          </a:xfrm>
+          <a:prstGeom prst="rect">
+            <a:avLst/>
+          </a:prstGeom>
+          <a:ln>
+            <a:noFill/>
+          </a:ln>
+        </p:spPr>
+      </p:pic>
+      <p:pic>
+        <p:nvPicPr>
+          <p:cNvPr id="134" name="" descr=""/>
+          <p:cNvPicPr/>
+          <p:nvPr/>
+        </p:nvPicPr>
+        <p:blipFill>
+          <a:blip r:embed="rId4"/>
+          <a:stretch/>
+        </p:blipFill>
+        <p:spPr>
+          <a:xfrm>
+            <a:off x="1533600" y="5344920"/>
+            <a:ext cx="2714040" cy="414720"/>
+          </a:xfrm>
+          <a:prstGeom prst="rect">
+            <a:avLst/>
+          </a:prstGeom>
+          <a:ln>
+            <a:noFill/>
+          </a:ln>
+        </p:spPr>
+      </p:pic>
+    </p:spTree>
+  </p:cSld>
+  <mc:AlternateContent>
+    <mc:Choice Requires="p14">
+      <p:transition spd="slow" p14:dur="2000"/>
+    </mc:Choice>
+    <mc:Fallback>
+      <p:transition spd="slow"/>
+    </mc:Fallback>
+  </mc:AlternateContent>
+  <p:timing>
+    <p:tnLst>
+      <p:par>
+        <p:cTn id="17" dur="indefinite" restart="never" nodeType="tmRoot">
+          <p:childTnLst>
+            <p:seq>
+              <p:cTn id="18" dur="indefinite" nodeType="mainSeq"/>
               <p:prevCondLst>
                 <p:cond delay="0" evt="onPrev">
                   <p:tgtEl>
@@ -2969,4 +11000,227 @@
     </a:fmtScheme>
   </a:themeElements>
 </a:theme>
+</file>
+
+<file path=ppt/theme/theme2.xml><?xml version="1.0" encoding="utf-8"?>
+<a:theme xmlns:a="http://schemas.openxmlformats.org/drawingml/2006/main" name="Office Theme">
+  <a:themeElements>
+    <a:clrScheme name="Office">
+      <a:dk1>
+        <a:sysClr val="windowText" lastClr="000000"/>
+      </a:dk1>
+      <a:lt1>
+        <a:sysClr val="window" lastClr="FFFFFF"/>
+      </a:lt1>
+      <a:dk2>
+        <a:srgbClr val="1f497d"/>
+      </a:dk2>
+      <a:lt2>
+        <a:srgbClr val="eeece1"/>
+      </a:lt2>
+      <a:accent1>
+        <a:srgbClr val="4f81bd"/>
+      </a:accent1>
+      <a:accent2>
+        <a:srgbClr val="c0504d"/>
+      </a:accent2>
+      <a:accent3>
+        <a:srgbClr val="9bbb59"/>
+      </a:accent3>
+      <a:accent4>
+        <a:srgbClr val="8064a2"/>
+      </a:accent4>
+      <a:accent5>
+        <a:srgbClr val="4bacc6"/>
+      </a:accent5>
+      <a:accent6>
+        <a:srgbClr val="f79646"/>
+      </a:accent6>
+      <a:hlink>
+        <a:srgbClr val="0000ff"/>
+      </a:hlink>
+      <a:folHlink>
+        <a:srgbClr val="800080"/>
+      </a:folHlink>
+    </a:clrScheme>
+    <a:fontScheme name="Office">
+      <a:majorFont>
+        <a:latin typeface="Arial"/>
+        <a:ea typeface="DejaVu Sans"/>
+        <a:cs typeface="DejaVu Sans"/>
+      </a:majorFont>
+      <a:minorFont>
+        <a:latin typeface="Arial"/>
+        <a:ea typeface="DejaVu Sans"/>
+        <a:cs typeface="DejaVu Sans"/>
+      </a:minorFont>
+    </a:fontScheme>
+    <a:fmtScheme name="Office">
+      <a:fillStyleLst>
+        <a:solidFill>
+          <a:schemeClr val="phClr"/>
+        </a:solidFill>
+        <a:gradFill rotWithShape="1">
+          <a:gsLst>
+            <a:gs pos="0">
+              <a:schemeClr val="phClr">
+                <a:tint val="50000"/>
+                <a:satMod val="300000"/>
+              </a:schemeClr>
+            </a:gs>
+            <a:gs pos="35000">
+              <a:schemeClr val="phClr">
+                <a:tint val="37000"/>
+                <a:satMod val="300000"/>
+              </a:schemeClr>
+            </a:gs>
+            <a:gs pos="100000">
+              <a:schemeClr val="phClr">
+                <a:tint val="15000"/>
+                <a:satMod val="350000"/>
+              </a:schemeClr>
+            </a:gs>
+          </a:gsLst>
+          <a:lin ang="16200000" scaled="1"/>
+        </a:gradFill>
+        <a:gradFill rotWithShape="1">
+          <a:gsLst>
+            <a:gs pos="0">
+              <a:schemeClr val="phClr">
+                <a:shade val="51000"/>
+                <a:satMod val="130000"/>
+              </a:schemeClr>
+            </a:gs>
+            <a:gs pos="80000">
+              <a:schemeClr val="phClr">
+                <a:shade val="93000"/>
+                <a:satMod val="130000"/>
+              </a:schemeClr>
+            </a:gs>
+            <a:gs pos="100000">
+              <a:schemeClr val="phClr">
+                <a:shade val="94000"/>
+                <a:satMod val="135000"/>
+              </a:schemeClr>
+            </a:gs>
+          </a:gsLst>
+          <a:lin ang="16200000" scaled="0"/>
+        </a:gradFill>
+      </a:fillStyleLst>
+      <a:lnStyleLst>
+        <a:ln w="9525" cap="flat" cmpd="sng" algn="ctr">
+          <a:solidFill>
+            <a:schemeClr val="phClr">
+              <a:shade val="95000"/>
+              <a:satMod val="105000"/>
+            </a:schemeClr>
+          </a:solidFill>
+          <a:prstDash val="solid"/>
+        </a:ln>
+        <a:ln w="25400" cap="flat" cmpd="sng" algn="ctr">
+          <a:solidFill>
+            <a:schemeClr val="phClr"/>
+          </a:solidFill>
+          <a:prstDash val="solid"/>
+        </a:ln>
+        <a:ln w="38100" cap="flat" cmpd="sng" algn="ctr">
+          <a:solidFill>
+            <a:schemeClr val="phClr"/>
+          </a:solidFill>
+          <a:prstDash val="solid"/>
+        </a:ln>
+      </a:lnStyleLst>
+      <a:effectStyleLst>
+        <a:effectStyle>
+          <a:effectLst>
+            <a:outerShdw blurRad="40000" dist="20000" dir="5400000" rotWithShape="0">
+              <a:srgbClr val="000000">
+                <a:alpha val="38000"/>
+              </a:srgbClr>
+            </a:outerShdw>
+          </a:effectLst>
+        </a:effectStyle>
+        <a:effectStyle>
+          <a:effectLst>
+            <a:outerShdw blurRad="40000" dist="23000" dir="5400000" rotWithShape="0">
+              <a:srgbClr val="000000">
+                <a:alpha val="35000"/>
+              </a:srgbClr>
+            </a:outerShdw>
+          </a:effectLst>
+        </a:effectStyle>
+        <a:effectStyle>
+          <a:effectLst>
+            <a:outerShdw blurRad="40000" dist="23000" dir="5400000" rotWithShape="0">
+              <a:srgbClr val="000000">
+                <a:alpha val="35000"/>
+              </a:srgbClr>
+            </a:outerShdw>
+          </a:effectLst>
+          <a:scene3d>
+            <a:camera prst="orthographicFront">
+              <a:rot lat="0" lon="0" rev="0"/>
+            </a:camera>
+            <a:lightRig rig="threePt" dir="t">
+              <a:rot lat="0" lon="0" rev="1200000"/>
+            </a:lightRig>
+          </a:scene3d>
+          <a:sp3d>
+            <a:bevelT w="63500" h="25400"/>
+          </a:sp3d>
+        </a:effectStyle>
+      </a:effectStyleLst>
+      <a:bgFillStyleLst>
+        <a:solidFill>
+          <a:schemeClr val="phClr"/>
+        </a:solidFill>
+        <a:gradFill rotWithShape="1">
+          <a:gsLst>
+            <a:gs pos="0">
+              <a:schemeClr val="phClr">
+                <a:tint val="40000"/>
+                <a:satMod val="350000"/>
+              </a:schemeClr>
+            </a:gs>
+            <a:gs pos="40000">
+              <a:schemeClr val="phClr">
+                <a:tint val="45000"/>
+                <a:shade val="99000"/>
+                <a:satMod val="350000"/>
+              </a:schemeClr>
+            </a:gs>
+            <a:gs pos="100000">
+              <a:schemeClr val="phClr">
+                <a:shade val="20000"/>
+                <a:satMod val="255000"/>
+              </a:schemeClr>
+            </a:gs>
+          </a:gsLst>
+          <a:path path="circle">
+            <a:fillToRect l="50000" t="-80000" r="50000" b="180000"/>
+          </a:path>
+        </a:gradFill>
+        <a:gradFill rotWithShape="1">
+          <a:gsLst>
+            <a:gs pos="0">
+              <a:schemeClr val="phClr">
+                <a:tint val="80000"/>
+                <a:satMod val="300000"/>
+              </a:schemeClr>
+            </a:gs>
+            <a:gs pos="100000">
+              <a:schemeClr val="phClr">
+                <a:shade val="30000"/>
+                <a:satMod val="200000"/>
+              </a:schemeClr>
+            </a:gs>
+          </a:gsLst>
+          <a:path path="circle">
+            <a:fillToRect l="50000" t="50000" r="50000" b="50000"/>
+          </a:path>
+        </a:gradFill>
+      </a:bgFillStyleLst>
+    </a:fmtScheme>
+  </a:themeElements>
+</a:theme>
 </file>